--- a/Presentations/Continuous integration with GitHub and Azure/Continuous integration with GitHub and Azure.pptx
+++ b/Presentations/Continuous integration with GitHub and Azure/Continuous integration with GitHub and Azure.pptx
@@ -5,10 +5,10 @@
     <p:sldMasterId id="2147484731" r:id="rId1"/>
   </p:sldMasterIdLst>
   <p:notesMasterIdLst>
-    <p:notesMasterId r:id="rId18"/>
+    <p:notesMasterId r:id="rId37"/>
   </p:notesMasterIdLst>
   <p:handoutMasterIdLst>
-    <p:handoutMasterId r:id="rId19"/>
+    <p:handoutMasterId r:id="rId38"/>
   </p:handoutMasterIdLst>
   <p:sldIdLst>
     <p:sldId id="1809" r:id="rId2"/>
@@ -23,10 +23,29 @@
     <p:sldId id="10579" r:id="rId11"/>
     <p:sldId id="10582" r:id="rId12"/>
     <p:sldId id="10542" r:id="rId13"/>
-    <p:sldId id="10551" r:id="rId14"/>
-    <p:sldId id="10569" r:id="rId15"/>
-    <p:sldId id="10550" r:id="rId16"/>
-    <p:sldId id="10533" r:id="rId17"/>
+    <p:sldId id="10583" r:id="rId14"/>
+    <p:sldId id="10588" r:id="rId15"/>
+    <p:sldId id="10589" r:id="rId16"/>
+    <p:sldId id="10590" r:id="rId17"/>
+    <p:sldId id="10591" r:id="rId18"/>
+    <p:sldId id="10592" r:id="rId19"/>
+    <p:sldId id="10593" r:id="rId20"/>
+    <p:sldId id="10584" r:id="rId21"/>
+    <p:sldId id="10585" r:id="rId22"/>
+    <p:sldId id="10595" r:id="rId23"/>
+    <p:sldId id="10596" r:id="rId24"/>
+    <p:sldId id="10597" r:id="rId25"/>
+    <p:sldId id="10598" r:id="rId26"/>
+    <p:sldId id="10599" r:id="rId27"/>
+    <p:sldId id="10601" r:id="rId28"/>
+    <p:sldId id="10602" r:id="rId29"/>
+    <p:sldId id="10603" r:id="rId30"/>
+    <p:sldId id="10600" r:id="rId31"/>
+    <p:sldId id="10586" r:id="rId32"/>
+    <p:sldId id="10551" r:id="rId33"/>
+    <p:sldId id="10569" r:id="rId34"/>
+    <p:sldId id="10550" r:id="rId35"/>
+    <p:sldId id="10533" r:id="rId36"/>
   </p:sldIdLst>
   <p:sldSz cx="12192000" cy="6858000"/>
   <p:notesSz cx="6858000" cy="9144000"/>
@@ -146,6 +165,25 @@
             <p14:sldId id="10579"/>
             <p14:sldId id="10582"/>
             <p14:sldId id="10542"/>
+            <p14:sldId id="10583"/>
+            <p14:sldId id="10588"/>
+            <p14:sldId id="10589"/>
+            <p14:sldId id="10590"/>
+            <p14:sldId id="10591"/>
+            <p14:sldId id="10592"/>
+            <p14:sldId id="10593"/>
+            <p14:sldId id="10584"/>
+            <p14:sldId id="10585"/>
+            <p14:sldId id="10595"/>
+            <p14:sldId id="10596"/>
+            <p14:sldId id="10597"/>
+            <p14:sldId id="10598"/>
+            <p14:sldId id="10599"/>
+            <p14:sldId id="10601"/>
+            <p14:sldId id="10602"/>
+            <p14:sldId id="10603"/>
+            <p14:sldId id="10600"/>
+            <p14:sldId id="10586"/>
           </p14:sldIdLst>
         </p14:section>
         <p14:section name="Wrapping up" id="{5852559B-2AF8-434B-8C3E-29B224D70F97}">
@@ -271,7 +309,7 @@
               <a:rPr lang="en-US" smtClean="0">
                 <a:latin typeface="Segoe UI" pitchFamily="34" charset="0"/>
               </a:rPr>
-              <a:t>2/20/2020 12:27 PM</a:t>
+              <a:t>2/20/2020 1:33 PM</a:t>
             </a:fld>
             <a:endParaRPr lang="en-US" dirty="0">
               <a:latin typeface="Segoe UI" pitchFamily="34" charset="0"/>
@@ -549,7 +587,7 @@
           <a:p>
             <a:fld id="{386CE63F-9E7F-4C04-9D0D-FCA25A8E9E86}" type="datetime8">
               <a:rPr lang="en-US" smtClean="0"/>
-              <a:t>2/20/2020 12:26 PM</a:t>
+              <a:t>2/20/2020 1:33 PM</a:t>
             </a:fld>
             <a:endParaRPr lang="en-US" dirty="0"/>
           </a:p>
@@ -1159,7 +1197,7 @@
                 <a:tabLst/>
                 <a:defRPr/>
               </a:pPr>
-              <a:t>2/20/2020 12:26 PM</a:t>
+              <a:t>2/20/2020 1:33 PM</a:t>
             </a:fld>
             <a:endParaRPr kumimoji="0" lang="en-US" sz="1200" b="0" i="0" u="none" strike="noStrike" kern="1200" cap="none" spc="0" normalizeH="0" baseline="0" noProof="0" dirty="0">
               <a:ln>
@@ -1265,6 +1303,678 @@
     <p:extLst>
       <p:ext uri="{BB962C8B-B14F-4D97-AF65-F5344CB8AC3E}">
         <p14:creationId xmlns:p14="http://schemas.microsoft.com/office/powerpoint/2010/main" val="962060628"/>
+      </p:ext>
+    </p:extLst>
+  </p:cSld>
+  <p:clrMapOvr>
+    <a:masterClrMapping/>
+  </p:clrMapOvr>
+</p:notes>
+</file>
+
+<file path=ppt/notesSlides/notesSlide3.xml><?xml version="1.0" encoding="utf-8"?>
+<p:notes xmlns:a="http://schemas.openxmlformats.org/drawingml/2006/main" xmlns:r="http://schemas.openxmlformats.org/officeDocument/2006/relationships" xmlns:p="http://schemas.openxmlformats.org/presentationml/2006/main">
+  <p:cSld>
+    <p:spTree>
+      <p:nvGrpSpPr>
+        <p:cNvPr id="1" name=""/>
+        <p:cNvGrpSpPr/>
+        <p:nvPr/>
+      </p:nvGrpSpPr>
+      <p:grpSpPr>
+        <a:xfrm>
+          <a:off x="0" y="0"/>
+          <a:ext cx="0" cy="0"/>
+          <a:chOff x="0" y="0"/>
+          <a:chExt cx="0" cy="0"/>
+        </a:xfrm>
+      </p:grpSpPr>
+      <p:sp>
+        <p:nvSpPr>
+          <p:cNvPr id="2" name="Slide Image Placeholder 1"/>
+          <p:cNvSpPr>
+            <a:spLocks noGrp="1" noRot="1" noChangeAspect="1"/>
+          </p:cNvSpPr>
+          <p:nvPr>
+            <p:ph type="sldImg"/>
+          </p:nvPr>
+        </p:nvSpPr>
+        <p:spPr/>
+      </p:sp>
+      <p:sp>
+        <p:nvSpPr>
+          <p:cNvPr id="3" name="Notes Placeholder 2"/>
+          <p:cNvSpPr>
+            <a:spLocks noGrp="1"/>
+          </p:cNvSpPr>
+          <p:nvPr>
+            <p:ph type="body" idx="1"/>
+          </p:nvPr>
+        </p:nvSpPr>
+        <p:spPr/>
+        <p:txBody>
+          <a:bodyPr/>
+          <a:lstStyle/>
+          <a:p>
+            <a:endParaRPr lang="en-US" dirty="0"/>
+          </a:p>
+        </p:txBody>
+      </p:sp>
+      <p:sp>
+        <p:nvSpPr>
+          <p:cNvPr id="4" name="Header Placeholder 3"/>
+          <p:cNvSpPr>
+            <a:spLocks noGrp="1"/>
+          </p:cNvSpPr>
+          <p:nvPr>
+            <p:ph type="hdr" sz="quarter" idx="10"/>
+          </p:nvPr>
+        </p:nvSpPr>
+        <p:spPr/>
+        <p:txBody>
+          <a:bodyPr/>
+          <a:lstStyle/>
+          <a:p>
+            <a:pPr marL="0" marR="0" lvl="0" indent="0" algn="l" defTabSz="914367" rtl="0" eaLnBrk="1" fontAlgn="auto" latinLnBrk="0" hangingPunct="1">
+              <a:lnSpc>
+                <a:spcPct val="100000"/>
+              </a:lnSpc>
+              <a:spcBef>
+                <a:spcPts val="0"/>
+              </a:spcBef>
+              <a:spcAft>
+                <a:spcPts val="0"/>
+              </a:spcAft>
+              <a:buClrTx/>
+              <a:buSzTx/>
+              <a:buFontTx/>
+              <a:buNone/>
+              <a:tabLst/>
+              <a:defRPr/>
+            </a:pPr>
+            <a:endParaRPr kumimoji="0" lang="en-US" sz="1200" b="0" i="0" u="none" strike="noStrike" kern="1200" cap="none" spc="0" normalizeH="0" baseline="0" noProof="0" dirty="0">
+              <a:ln>
+                <a:noFill/>
+              </a:ln>
+              <a:solidFill>
+                <a:prstClr val="black"/>
+              </a:solidFill>
+              <a:effectLst/>
+              <a:uLnTx/>
+              <a:uFillTx/>
+              <a:latin typeface="Segoe UI" pitchFamily="34" charset="0"/>
+              <a:ea typeface="+mn-ea"/>
+              <a:cs typeface="+mn-cs"/>
+            </a:endParaRPr>
+          </a:p>
+        </p:txBody>
+      </p:sp>
+      <p:sp>
+        <p:nvSpPr>
+          <p:cNvPr id="5" name="Footer Placeholder 4"/>
+          <p:cNvSpPr>
+            <a:spLocks noGrp="1"/>
+          </p:cNvSpPr>
+          <p:nvPr>
+            <p:ph type="ftr" sz="quarter" idx="11"/>
+          </p:nvPr>
+        </p:nvSpPr>
+        <p:spPr/>
+        <p:txBody>
+          <a:bodyPr/>
+          <a:lstStyle/>
+          <a:p>
+            <a:pPr marL="571500" marR="0" lvl="0" indent="0" algn="l" defTabSz="914099" rtl="0" eaLnBrk="0" fontAlgn="auto" latinLnBrk="0" hangingPunct="0">
+              <a:lnSpc>
+                <a:spcPct val="100000"/>
+              </a:lnSpc>
+              <a:spcBef>
+                <a:spcPts val="0"/>
+              </a:spcBef>
+              <a:spcAft>
+                <a:spcPts val="0"/>
+              </a:spcAft>
+              <a:buClrTx/>
+              <a:buSzTx/>
+              <a:buFontTx/>
+              <a:buNone/>
+              <a:tabLst/>
+              <a:defRPr/>
+            </a:pPr>
+            <a:r>
+              <a:rPr kumimoji="0" lang="en-US" sz="400" b="0" i="0" u="none" strike="noStrike" kern="1200" cap="none" spc="0" normalizeH="0" baseline="0" noProof="0" dirty="0">
+                <a:ln>
+                  <a:noFill/>
+                </a:ln>
+                <a:gradFill>
+                  <a:gsLst>
+                    <a:gs pos="0">
+                      <a:prstClr val="black"/>
+                    </a:gs>
+                    <a:gs pos="100000">
+                      <a:prstClr val="black"/>
+                    </a:gs>
+                  </a:gsLst>
+                  <a:lin ang="5400000" scaled="0"/>
+                </a:gradFill>
+                <a:effectLst/>
+                <a:uLnTx/>
+                <a:uFillTx/>
+                <a:latin typeface="Segoe UI" pitchFamily="34" charset="0"/>
+                <a:ea typeface="Segoe UI" pitchFamily="34" charset="0"/>
+                <a:cs typeface="Segoe UI" pitchFamily="34" charset="0"/>
+              </a:rPr>
+              <a:t>© Microsoft Corporation. All rights reserved. MICROSOFT MAKES NO WARRANTIES, EXPRESS, IMPLIED OR STATUTORY, AS TO THE INFORMATION IN THIS PRESENTATION.</a:t>
+            </a:r>
+          </a:p>
+        </p:txBody>
+      </p:sp>
+      <p:sp>
+        <p:nvSpPr>
+          <p:cNvPr id="6" name="Date Placeholder 5"/>
+          <p:cNvSpPr>
+            <a:spLocks noGrp="1"/>
+          </p:cNvSpPr>
+          <p:nvPr>
+            <p:ph type="dt" idx="12"/>
+          </p:nvPr>
+        </p:nvSpPr>
+        <p:spPr/>
+        <p:txBody>
+          <a:bodyPr/>
+          <a:lstStyle/>
+          <a:p>
+            <a:pPr marL="0" marR="0" lvl="0" indent="0" algn="r" defTabSz="914367" rtl="0" eaLnBrk="1" fontAlgn="auto" latinLnBrk="0" hangingPunct="1">
+              <a:lnSpc>
+                <a:spcPct val="100000"/>
+              </a:lnSpc>
+              <a:spcBef>
+                <a:spcPts val="0"/>
+              </a:spcBef>
+              <a:spcAft>
+                <a:spcPts val="0"/>
+              </a:spcAft>
+              <a:buClrTx/>
+              <a:buSzTx/>
+              <a:buFontTx/>
+              <a:buNone/>
+              <a:tabLst/>
+              <a:defRPr/>
+            </a:pPr>
+            <a:fld id="{B16574EE-8191-4BCC-ABE6-D00A4F4D7690}" type="datetime8">
+              <a:rPr kumimoji="0" lang="en-US" sz="1200" b="0" i="0" u="none" strike="noStrike" kern="1200" cap="none" spc="0" normalizeH="0" baseline="0" noProof="0" smtClean="0">
+                <a:ln>
+                  <a:noFill/>
+                </a:ln>
+                <a:solidFill>
+                  <a:prstClr val="black"/>
+                </a:solidFill>
+                <a:effectLst/>
+                <a:uLnTx/>
+                <a:uFillTx/>
+                <a:latin typeface="Segoe UI" pitchFamily="34" charset="0"/>
+                <a:ea typeface="+mn-ea"/>
+                <a:cs typeface="+mn-cs"/>
+              </a:rPr>
+              <a:pPr marL="0" marR="0" lvl="0" indent="0" algn="r" defTabSz="914367" rtl="0" eaLnBrk="1" fontAlgn="auto" latinLnBrk="0" hangingPunct="1">
+                <a:lnSpc>
+                  <a:spcPct val="100000"/>
+                </a:lnSpc>
+                <a:spcBef>
+                  <a:spcPts val="0"/>
+                </a:spcBef>
+                <a:spcAft>
+                  <a:spcPts val="0"/>
+                </a:spcAft>
+                <a:buClrTx/>
+                <a:buSzTx/>
+                <a:buFontTx/>
+                <a:buNone/>
+                <a:tabLst/>
+                <a:defRPr/>
+              </a:pPr>
+              <a:t>2/20/2020 1:33 PM</a:t>
+            </a:fld>
+            <a:endParaRPr kumimoji="0" lang="en-US" sz="1200" b="0" i="0" u="none" strike="noStrike" kern="1200" cap="none" spc="0" normalizeH="0" baseline="0" noProof="0" dirty="0">
+              <a:ln>
+                <a:noFill/>
+              </a:ln>
+              <a:solidFill>
+                <a:prstClr val="black"/>
+              </a:solidFill>
+              <a:effectLst/>
+              <a:uLnTx/>
+              <a:uFillTx/>
+              <a:latin typeface="Segoe UI" pitchFamily="34" charset="0"/>
+              <a:ea typeface="+mn-ea"/>
+              <a:cs typeface="+mn-cs"/>
+            </a:endParaRPr>
+          </a:p>
+        </p:txBody>
+      </p:sp>
+      <p:sp>
+        <p:nvSpPr>
+          <p:cNvPr id="7" name="Slide Number Placeholder 6"/>
+          <p:cNvSpPr>
+            <a:spLocks noGrp="1"/>
+          </p:cNvSpPr>
+          <p:nvPr>
+            <p:ph type="sldNum" sz="quarter" idx="13"/>
+          </p:nvPr>
+        </p:nvSpPr>
+        <p:spPr/>
+        <p:txBody>
+          <a:bodyPr/>
+          <a:lstStyle/>
+          <a:p>
+            <a:pPr marL="0" marR="0" lvl="0" indent="0" algn="r" defTabSz="914367" rtl="0" eaLnBrk="1" fontAlgn="auto" latinLnBrk="0" hangingPunct="1">
+              <a:lnSpc>
+                <a:spcPct val="100000"/>
+              </a:lnSpc>
+              <a:spcBef>
+                <a:spcPts val="0"/>
+              </a:spcBef>
+              <a:spcAft>
+                <a:spcPts val="0"/>
+              </a:spcAft>
+              <a:buClrTx/>
+              <a:buSzTx/>
+              <a:buFontTx/>
+              <a:buNone/>
+              <a:tabLst/>
+              <a:defRPr/>
+            </a:pPr>
+            <a:fld id="{B4008EB6-D09E-4580-8CD6-DDB14511944F}" type="slidenum">
+              <a:rPr kumimoji="0" lang="en-US" sz="1200" b="0" i="0" u="none" strike="noStrike" kern="1200" cap="none" spc="0" normalizeH="0" baseline="0" noProof="0" smtClean="0">
+                <a:ln>
+                  <a:noFill/>
+                </a:ln>
+                <a:solidFill>
+                  <a:prstClr val="black"/>
+                </a:solidFill>
+                <a:effectLst/>
+                <a:uLnTx/>
+                <a:uFillTx/>
+                <a:latin typeface="Segoe UI" pitchFamily="34" charset="0"/>
+                <a:ea typeface="+mn-ea"/>
+                <a:cs typeface="+mn-cs"/>
+              </a:rPr>
+              <a:pPr marL="0" marR="0" lvl="0" indent="0" algn="r" defTabSz="914367" rtl="0" eaLnBrk="1" fontAlgn="auto" latinLnBrk="0" hangingPunct="1">
+                <a:lnSpc>
+                  <a:spcPct val="100000"/>
+                </a:lnSpc>
+                <a:spcBef>
+                  <a:spcPts val="0"/>
+                </a:spcBef>
+                <a:spcAft>
+                  <a:spcPts val="0"/>
+                </a:spcAft>
+                <a:buClrTx/>
+                <a:buSzTx/>
+                <a:buFontTx/>
+                <a:buNone/>
+                <a:tabLst/>
+                <a:defRPr/>
+              </a:pPr>
+              <a:t>20</a:t>
+            </a:fld>
+            <a:endParaRPr kumimoji="0" lang="en-US" sz="1200" b="0" i="0" u="none" strike="noStrike" kern="1200" cap="none" spc="0" normalizeH="0" baseline="0" noProof="0" dirty="0">
+              <a:ln>
+                <a:noFill/>
+              </a:ln>
+              <a:solidFill>
+                <a:prstClr val="black"/>
+              </a:solidFill>
+              <a:effectLst/>
+              <a:uLnTx/>
+              <a:uFillTx/>
+              <a:latin typeface="Segoe UI" pitchFamily="34" charset="0"/>
+              <a:ea typeface="+mn-ea"/>
+              <a:cs typeface="+mn-cs"/>
+            </a:endParaRPr>
+          </a:p>
+        </p:txBody>
+      </p:sp>
+    </p:spTree>
+    <p:extLst>
+      <p:ext uri="{BB962C8B-B14F-4D97-AF65-F5344CB8AC3E}">
+        <p14:creationId xmlns:p14="http://schemas.microsoft.com/office/powerpoint/2010/main" val="377096565"/>
+      </p:ext>
+    </p:extLst>
+  </p:cSld>
+  <p:clrMapOvr>
+    <a:masterClrMapping/>
+  </p:clrMapOvr>
+</p:notes>
+</file>
+
+<file path=ppt/notesSlides/notesSlide4.xml><?xml version="1.0" encoding="utf-8"?>
+<p:notes xmlns:a="http://schemas.openxmlformats.org/drawingml/2006/main" xmlns:r="http://schemas.openxmlformats.org/officeDocument/2006/relationships" xmlns:p="http://schemas.openxmlformats.org/presentationml/2006/main">
+  <p:cSld>
+    <p:spTree>
+      <p:nvGrpSpPr>
+        <p:cNvPr id="1" name=""/>
+        <p:cNvGrpSpPr/>
+        <p:nvPr/>
+      </p:nvGrpSpPr>
+      <p:grpSpPr>
+        <a:xfrm>
+          <a:off x="0" y="0"/>
+          <a:ext cx="0" cy="0"/>
+          <a:chOff x="0" y="0"/>
+          <a:chExt cx="0" cy="0"/>
+        </a:xfrm>
+      </p:grpSpPr>
+      <p:sp>
+        <p:nvSpPr>
+          <p:cNvPr id="2" name="Slide Image Placeholder 1"/>
+          <p:cNvSpPr>
+            <a:spLocks noGrp="1" noRot="1" noChangeAspect="1"/>
+          </p:cNvSpPr>
+          <p:nvPr>
+            <p:ph type="sldImg"/>
+          </p:nvPr>
+        </p:nvSpPr>
+        <p:spPr/>
+      </p:sp>
+      <p:sp>
+        <p:nvSpPr>
+          <p:cNvPr id="3" name="Notes Placeholder 2"/>
+          <p:cNvSpPr>
+            <a:spLocks noGrp="1"/>
+          </p:cNvSpPr>
+          <p:nvPr>
+            <p:ph type="body" idx="1"/>
+          </p:nvPr>
+        </p:nvSpPr>
+        <p:spPr/>
+        <p:txBody>
+          <a:bodyPr/>
+          <a:lstStyle/>
+          <a:p>
+            <a:endParaRPr lang="en-US" dirty="0"/>
+          </a:p>
+        </p:txBody>
+      </p:sp>
+      <p:sp>
+        <p:nvSpPr>
+          <p:cNvPr id="4" name="Header Placeholder 3"/>
+          <p:cNvSpPr>
+            <a:spLocks noGrp="1"/>
+          </p:cNvSpPr>
+          <p:nvPr>
+            <p:ph type="hdr" sz="quarter" idx="10"/>
+          </p:nvPr>
+        </p:nvSpPr>
+        <p:spPr/>
+        <p:txBody>
+          <a:bodyPr/>
+          <a:lstStyle/>
+          <a:p>
+            <a:pPr marL="0" marR="0" lvl="0" indent="0" algn="l" defTabSz="914367" rtl="0" eaLnBrk="1" fontAlgn="auto" latinLnBrk="0" hangingPunct="1">
+              <a:lnSpc>
+                <a:spcPct val="100000"/>
+              </a:lnSpc>
+              <a:spcBef>
+                <a:spcPts val="0"/>
+              </a:spcBef>
+              <a:spcAft>
+                <a:spcPts val="0"/>
+              </a:spcAft>
+              <a:buClrTx/>
+              <a:buSzTx/>
+              <a:buFontTx/>
+              <a:buNone/>
+              <a:tabLst/>
+              <a:defRPr/>
+            </a:pPr>
+            <a:endParaRPr kumimoji="0" lang="en-US" sz="1200" b="0" i="0" u="none" strike="noStrike" kern="1200" cap="none" spc="0" normalizeH="0" baseline="0" noProof="0" dirty="0">
+              <a:ln>
+                <a:noFill/>
+              </a:ln>
+              <a:solidFill>
+                <a:prstClr val="black"/>
+              </a:solidFill>
+              <a:effectLst/>
+              <a:uLnTx/>
+              <a:uFillTx/>
+              <a:latin typeface="Segoe UI" pitchFamily="34" charset="0"/>
+              <a:ea typeface="+mn-ea"/>
+              <a:cs typeface="+mn-cs"/>
+            </a:endParaRPr>
+          </a:p>
+        </p:txBody>
+      </p:sp>
+      <p:sp>
+        <p:nvSpPr>
+          <p:cNvPr id="5" name="Footer Placeholder 4"/>
+          <p:cNvSpPr>
+            <a:spLocks noGrp="1"/>
+          </p:cNvSpPr>
+          <p:nvPr>
+            <p:ph type="ftr" sz="quarter" idx="11"/>
+          </p:nvPr>
+        </p:nvSpPr>
+        <p:spPr/>
+        <p:txBody>
+          <a:bodyPr/>
+          <a:lstStyle/>
+          <a:p>
+            <a:pPr marL="571500" marR="0" lvl="0" indent="0" algn="l" defTabSz="914099" rtl="0" eaLnBrk="0" fontAlgn="auto" latinLnBrk="0" hangingPunct="0">
+              <a:lnSpc>
+                <a:spcPct val="100000"/>
+              </a:lnSpc>
+              <a:spcBef>
+                <a:spcPts val="0"/>
+              </a:spcBef>
+              <a:spcAft>
+                <a:spcPts val="0"/>
+              </a:spcAft>
+              <a:buClrTx/>
+              <a:buSzTx/>
+              <a:buFontTx/>
+              <a:buNone/>
+              <a:tabLst/>
+              <a:defRPr/>
+            </a:pPr>
+            <a:r>
+              <a:rPr kumimoji="0" lang="en-US" sz="400" b="0" i="0" u="none" strike="noStrike" kern="1200" cap="none" spc="0" normalizeH="0" baseline="0" noProof="0" dirty="0">
+                <a:ln>
+                  <a:noFill/>
+                </a:ln>
+                <a:gradFill>
+                  <a:gsLst>
+                    <a:gs pos="0">
+                      <a:prstClr val="black"/>
+                    </a:gs>
+                    <a:gs pos="100000">
+                      <a:prstClr val="black"/>
+                    </a:gs>
+                  </a:gsLst>
+                  <a:lin ang="5400000" scaled="0"/>
+                </a:gradFill>
+                <a:effectLst/>
+                <a:uLnTx/>
+                <a:uFillTx/>
+                <a:latin typeface="Segoe UI" pitchFamily="34" charset="0"/>
+                <a:ea typeface="Segoe UI" pitchFamily="34" charset="0"/>
+                <a:cs typeface="Segoe UI" pitchFamily="34" charset="0"/>
+              </a:rPr>
+              <a:t>© Microsoft Corporation. All rights reserved. MICROSOFT MAKES NO WARRANTIES, EXPRESS, IMPLIED OR STATUTORY, AS TO THE INFORMATION IN THIS PRESENTATION.</a:t>
+            </a:r>
+          </a:p>
+        </p:txBody>
+      </p:sp>
+      <p:sp>
+        <p:nvSpPr>
+          <p:cNvPr id="6" name="Date Placeholder 5"/>
+          <p:cNvSpPr>
+            <a:spLocks noGrp="1"/>
+          </p:cNvSpPr>
+          <p:nvPr>
+            <p:ph type="dt" idx="12"/>
+          </p:nvPr>
+        </p:nvSpPr>
+        <p:spPr/>
+        <p:txBody>
+          <a:bodyPr/>
+          <a:lstStyle/>
+          <a:p>
+            <a:pPr marL="0" marR="0" lvl="0" indent="0" algn="r" defTabSz="914367" rtl="0" eaLnBrk="1" fontAlgn="auto" latinLnBrk="0" hangingPunct="1">
+              <a:lnSpc>
+                <a:spcPct val="100000"/>
+              </a:lnSpc>
+              <a:spcBef>
+                <a:spcPts val="0"/>
+              </a:spcBef>
+              <a:spcAft>
+                <a:spcPts val="0"/>
+              </a:spcAft>
+              <a:buClrTx/>
+              <a:buSzTx/>
+              <a:buFontTx/>
+              <a:buNone/>
+              <a:tabLst/>
+              <a:defRPr/>
+            </a:pPr>
+            <a:fld id="{B16574EE-8191-4BCC-ABE6-D00A4F4D7690}" type="datetime8">
+              <a:rPr kumimoji="0" lang="en-US" sz="1200" b="0" i="0" u="none" strike="noStrike" kern="1200" cap="none" spc="0" normalizeH="0" baseline="0" noProof="0" smtClean="0">
+                <a:ln>
+                  <a:noFill/>
+                </a:ln>
+                <a:solidFill>
+                  <a:prstClr val="black"/>
+                </a:solidFill>
+                <a:effectLst/>
+                <a:uLnTx/>
+                <a:uFillTx/>
+                <a:latin typeface="Segoe UI" pitchFamily="34" charset="0"/>
+                <a:ea typeface="+mn-ea"/>
+                <a:cs typeface="+mn-cs"/>
+              </a:rPr>
+              <a:pPr marL="0" marR="0" lvl="0" indent="0" algn="r" defTabSz="914367" rtl="0" eaLnBrk="1" fontAlgn="auto" latinLnBrk="0" hangingPunct="1">
+                <a:lnSpc>
+                  <a:spcPct val="100000"/>
+                </a:lnSpc>
+                <a:spcBef>
+                  <a:spcPts val="0"/>
+                </a:spcBef>
+                <a:spcAft>
+                  <a:spcPts val="0"/>
+                </a:spcAft>
+                <a:buClrTx/>
+                <a:buSzTx/>
+                <a:buFontTx/>
+                <a:buNone/>
+                <a:tabLst/>
+                <a:defRPr/>
+              </a:pPr>
+              <a:t>2/20/2020 1:33 PM</a:t>
+            </a:fld>
+            <a:endParaRPr kumimoji="0" lang="en-US" sz="1200" b="0" i="0" u="none" strike="noStrike" kern="1200" cap="none" spc="0" normalizeH="0" baseline="0" noProof="0" dirty="0">
+              <a:ln>
+                <a:noFill/>
+              </a:ln>
+              <a:solidFill>
+                <a:prstClr val="black"/>
+              </a:solidFill>
+              <a:effectLst/>
+              <a:uLnTx/>
+              <a:uFillTx/>
+              <a:latin typeface="Segoe UI" pitchFamily="34" charset="0"/>
+              <a:ea typeface="+mn-ea"/>
+              <a:cs typeface="+mn-cs"/>
+            </a:endParaRPr>
+          </a:p>
+        </p:txBody>
+      </p:sp>
+      <p:sp>
+        <p:nvSpPr>
+          <p:cNvPr id="7" name="Slide Number Placeholder 6"/>
+          <p:cNvSpPr>
+            <a:spLocks noGrp="1"/>
+          </p:cNvSpPr>
+          <p:nvPr>
+            <p:ph type="sldNum" sz="quarter" idx="13"/>
+          </p:nvPr>
+        </p:nvSpPr>
+        <p:spPr/>
+        <p:txBody>
+          <a:bodyPr/>
+          <a:lstStyle/>
+          <a:p>
+            <a:pPr marL="0" marR="0" lvl="0" indent="0" algn="r" defTabSz="914367" rtl="0" eaLnBrk="1" fontAlgn="auto" latinLnBrk="0" hangingPunct="1">
+              <a:lnSpc>
+                <a:spcPct val="100000"/>
+              </a:lnSpc>
+              <a:spcBef>
+                <a:spcPts val="0"/>
+              </a:spcBef>
+              <a:spcAft>
+                <a:spcPts val="0"/>
+              </a:spcAft>
+              <a:buClrTx/>
+              <a:buSzTx/>
+              <a:buFontTx/>
+              <a:buNone/>
+              <a:tabLst/>
+              <a:defRPr/>
+            </a:pPr>
+            <a:fld id="{B4008EB6-D09E-4580-8CD6-DDB14511944F}" type="slidenum">
+              <a:rPr kumimoji="0" lang="en-US" sz="1200" b="0" i="0" u="none" strike="noStrike" kern="1200" cap="none" spc="0" normalizeH="0" baseline="0" noProof="0" smtClean="0">
+                <a:ln>
+                  <a:noFill/>
+                </a:ln>
+                <a:solidFill>
+                  <a:prstClr val="black"/>
+                </a:solidFill>
+                <a:effectLst/>
+                <a:uLnTx/>
+                <a:uFillTx/>
+                <a:latin typeface="Segoe UI" pitchFamily="34" charset="0"/>
+                <a:ea typeface="+mn-ea"/>
+                <a:cs typeface="+mn-cs"/>
+              </a:rPr>
+              <a:pPr marL="0" marR="0" lvl="0" indent="0" algn="r" defTabSz="914367" rtl="0" eaLnBrk="1" fontAlgn="auto" latinLnBrk="0" hangingPunct="1">
+                <a:lnSpc>
+                  <a:spcPct val="100000"/>
+                </a:lnSpc>
+                <a:spcBef>
+                  <a:spcPts val="0"/>
+                </a:spcBef>
+                <a:spcAft>
+                  <a:spcPts val="0"/>
+                </a:spcAft>
+                <a:buClrTx/>
+                <a:buSzTx/>
+                <a:buFontTx/>
+                <a:buNone/>
+                <a:tabLst/>
+                <a:defRPr/>
+              </a:pPr>
+              <a:t>31</a:t>
+            </a:fld>
+            <a:endParaRPr kumimoji="0" lang="en-US" sz="1200" b="0" i="0" u="none" strike="noStrike" kern="1200" cap="none" spc="0" normalizeH="0" baseline="0" noProof="0" dirty="0">
+              <a:ln>
+                <a:noFill/>
+              </a:ln>
+              <a:solidFill>
+                <a:prstClr val="black"/>
+              </a:solidFill>
+              <a:effectLst/>
+              <a:uLnTx/>
+              <a:uFillTx/>
+              <a:latin typeface="Segoe UI" pitchFamily="34" charset="0"/>
+              <a:ea typeface="+mn-ea"/>
+              <a:cs typeface="+mn-cs"/>
+            </a:endParaRPr>
+          </a:p>
+        </p:txBody>
+      </p:sp>
+    </p:spTree>
+    <p:extLst>
+      <p:ext uri="{BB962C8B-B14F-4D97-AF65-F5344CB8AC3E}">
+        <p14:creationId xmlns:p14="http://schemas.microsoft.com/office/powerpoint/2010/main" val="1754656125"/>
       </p:ext>
     </p:extLst>
   </p:cSld>
@@ -16910,17 +17620,17 @@
           <a:p>
             <a:r>
               <a:rPr lang="en-US" dirty="0"/>
-              <a:t>Wrapping up</a:t>
+              <a:t>Triggers &amp; Filters</a:t>
             </a:r>
           </a:p>
         </p:txBody>
       </p:sp>
       <p:sp>
         <p:nvSpPr>
-          <p:cNvPr id="3" name="Text Placeholder 2">
+          <p:cNvPr id="14" name="Text Placeholder 13">
             <a:extLst>
               <a:ext uri="{FF2B5EF4-FFF2-40B4-BE49-F238E27FC236}">
-                <a16:creationId xmlns:a16="http://schemas.microsoft.com/office/drawing/2014/main" id="{893FD9EB-CC03-4BE2-B491-6F62931E986E}"/>
+                <a16:creationId xmlns:a16="http://schemas.microsoft.com/office/drawing/2014/main" id="{8B004072-1B0B-4387-9E77-76A61E081B56}"/>
               </a:ext>
             </a:extLst>
           </p:cNvPr>
@@ -16936,14 +17646,21 @@
           <a:bodyPr/>
           <a:lstStyle/>
           <a:p>
-            <a:endParaRPr lang="en-US"/>
+            <a:r>
+              <a:rPr lang="en-US" dirty="0">
+                <a:solidFill>
+                  <a:schemeClr val="tx2"/>
+                </a:solidFill>
+              </a:rPr>
+              <a:t>When to build</a:t>
+            </a:r>
           </a:p>
         </p:txBody>
       </p:sp>
     </p:spTree>
     <p:extLst>
       <p:ext uri="{BB962C8B-B14F-4D97-AF65-F5344CB8AC3E}">
-        <p14:creationId xmlns:p14="http://schemas.microsoft.com/office/powerpoint/2010/main" val="2095735222"/>
+        <p14:creationId xmlns:p14="http://schemas.microsoft.com/office/powerpoint/2010/main" val="1373070362"/>
       </p:ext>
     </p:extLst>
   </p:cSld>
@@ -16975,28 +17692,10 @@
       </p:grpSpPr>
       <p:sp>
         <p:nvSpPr>
-          <p:cNvPr id="2" name="Picture Placeholder 1">
+          <p:cNvPr id="2" name="Title 1">
             <a:extLst>
               <a:ext uri="{FF2B5EF4-FFF2-40B4-BE49-F238E27FC236}">
-                <a16:creationId xmlns:a16="http://schemas.microsoft.com/office/drawing/2014/main" id="{37BE041B-1AAF-4032-B847-9142232770BD}"/>
-              </a:ext>
-            </a:extLst>
-          </p:cNvPr>
-          <p:cNvSpPr>
-            <a:spLocks noGrp="1"/>
-          </p:cNvSpPr>
-          <p:nvPr>
-            <p:ph type="pic" sz="quarter" idx="10"/>
-          </p:nvPr>
-        </p:nvSpPr>
-        <p:spPr/>
-      </p:sp>
-      <p:sp>
-        <p:nvSpPr>
-          <p:cNvPr id="4" name="Title 3">
-            <a:extLst>
-              <a:ext uri="{FF2B5EF4-FFF2-40B4-BE49-F238E27FC236}">
-                <a16:creationId xmlns:a16="http://schemas.microsoft.com/office/drawing/2014/main" id="{47F79CBC-FA83-4AAA-9737-C2DA81B891EC}"/>
+                <a16:creationId xmlns:a16="http://schemas.microsoft.com/office/drawing/2014/main" id="{B8BCB36E-3E64-4ED6-B7EA-9223E67A42B8}"/>
               </a:ext>
             </a:extLst>
           </p:cNvPr>
@@ -17014,131 +17713,326 @@
           <a:p>
             <a:r>
               <a:rPr lang="en-US" dirty="0"/>
-              <a:t>Lots of links!</a:t>
+              <a:t>Trigger filter</a:t>
             </a:r>
           </a:p>
         </p:txBody>
       </p:sp>
       <p:sp>
         <p:nvSpPr>
-          <p:cNvPr id="5" name="Text Placeholder 4">
+          <p:cNvPr id="10" name="Content Placeholder 2">
             <a:extLst>
               <a:ext uri="{FF2B5EF4-FFF2-40B4-BE49-F238E27FC236}">
-                <a16:creationId xmlns:a16="http://schemas.microsoft.com/office/drawing/2014/main" id="{6D8580DA-E0A4-4A5A-8591-C8E8B25753C6}"/>
+                <a16:creationId xmlns:a16="http://schemas.microsoft.com/office/drawing/2014/main" id="{DDDDECAB-9450-40D7-AAEE-86FEED8A2B32}"/>
               </a:ext>
             </a:extLst>
           </p:cNvPr>
-          <p:cNvSpPr>
-            <a:spLocks noGrp="1"/>
+          <p:cNvSpPr txBox="1">
+            <a:spLocks/>
           </p:cNvSpPr>
-          <p:nvPr>
-            <p:ph type="body" sz="quarter" idx="14"/>
-          </p:nvPr>
+          <p:nvPr/>
         </p:nvSpPr>
         <p:spPr>
           <a:xfrm>
-            <a:off x="455995" y="1922587"/>
-            <a:ext cx="4822951" cy="4103367"/>
+            <a:off x="838200" y="1825625"/>
+            <a:ext cx="10515600" cy="2815268"/>
           </a:xfrm>
+          <a:prstGeom prst="rect">
+            <a:avLst/>
+          </a:prstGeom>
         </p:spPr>
         <p:txBody>
-          <a:bodyPr/>
-          <a:lstStyle/>
-          <a:p>
-            <a:pPr>
+          <a:bodyPr vert="horz" wrap="square" lIns="0" tIns="0" rIns="0" bIns="0" rtlCol="0" anchor="t">
+            <a:normAutofit/>
+          </a:bodyPr>
+          <a:lstStyle>
+            <a:lvl1pPr marL="228600" marR="0" indent="-228600" algn="l" defTabSz="932742" rtl="0" eaLnBrk="1" fontAlgn="auto" latinLnBrk="0" hangingPunct="1">
               <a:lnSpc>
-                <a:spcPct val="150000"/>
+                <a:spcPct val="100000"/>
               </a:lnSpc>
+              <a:spcBef>
+                <a:spcPct val="20000"/>
+              </a:spcBef>
+              <a:spcAft>
+                <a:spcPts val="0"/>
+              </a:spcAft>
+              <a:buClrTx/>
+              <a:buSzPct val="90000"/>
+              <a:buFont typeface="Wingdings" panose="05000000000000000000" pitchFamily="2" charset="2"/>
+              <a:buChar char=""/>
+              <a:tabLst/>
+              <a:defRPr sz="2800" kern="1200" spc="0" baseline="0">
+                <a:gradFill>
+                  <a:gsLst>
+                    <a:gs pos="1250">
+                      <a:schemeClr val="tx1"/>
+                    </a:gs>
+                    <a:gs pos="100000">
+                      <a:schemeClr val="tx1"/>
+                    </a:gs>
+                  </a:gsLst>
+                  <a:lin ang="5400000" scaled="0"/>
+                </a:gradFill>
+                <a:latin typeface="Segoe UI Semilight" panose="020B0402040204020203" pitchFamily="34" charset="0"/>
+                <a:ea typeface="+mn-ea"/>
+                <a:cs typeface="Segoe UI Semilight" panose="020B0402040204020203" pitchFamily="34" charset="0"/>
+              </a:defRPr>
+            </a:lvl1pPr>
+            <a:lvl2pPr marL="457200" marR="0" indent="-228600" algn="l" defTabSz="932742" rtl="0" eaLnBrk="1" fontAlgn="auto" latinLnBrk="0" hangingPunct="1">
+              <a:lnSpc>
+                <a:spcPct val="100000"/>
+              </a:lnSpc>
+              <a:spcBef>
+                <a:spcPct val="20000"/>
+              </a:spcBef>
+              <a:spcAft>
+                <a:spcPts val="0"/>
+              </a:spcAft>
+              <a:buClrTx/>
+              <a:buSzPct val="90000"/>
+              <a:buFont typeface="Wingdings" panose="05000000000000000000" pitchFamily="2" charset="2"/>
+              <a:buChar char=""/>
+              <a:tabLst/>
+              <a:defRPr sz="2000" kern="1200" spc="0" baseline="0">
+                <a:gradFill>
+                  <a:gsLst>
+                    <a:gs pos="1250">
+                      <a:schemeClr val="tx1"/>
+                    </a:gs>
+                    <a:gs pos="100000">
+                      <a:schemeClr val="tx1"/>
+                    </a:gs>
+                  </a:gsLst>
+                  <a:lin ang="5400000" scaled="0"/>
+                </a:gradFill>
+                <a:latin typeface="+mn-lt"/>
+                <a:ea typeface="+mn-ea"/>
+                <a:cs typeface="+mn-cs"/>
+              </a:defRPr>
+            </a:lvl2pPr>
+            <a:lvl3pPr marL="657225" marR="0" indent="-200025" algn="l" defTabSz="932742" rtl="0" eaLnBrk="1" fontAlgn="auto" latinLnBrk="0" hangingPunct="1">
+              <a:lnSpc>
+                <a:spcPct val="100000"/>
+              </a:lnSpc>
+              <a:spcBef>
+                <a:spcPct val="20000"/>
+              </a:spcBef>
+              <a:spcAft>
+                <a:spcPts val="0"/>
+              </a:spcAft>
+              <a:buClrTx/>
+              <a:buSzPct val="90000"/>
+              <a:buFont typeface="Wingdings" panose="05000000000000000000" pitchFamily="2" charset="2"/>
+              <a:buChar char=""/>
+              <a:tabLst/>
+              <a:defRPr sz="1600" kern="1200" spc="0" baseline="0">
+                <a:gradFill>
+                  <a:gsLst>
+                    <a:gs pos="1250">
+                      <a:schemeClr val="tx1"/>
+                    </a:gs>
+                    <a:gs pos="100000">
+                      <a:schemeClr val="tx1"/>
+                    </a:gs>
+                  </a:gsLst>
+                  <a:lin ang="5400000" scaled="0"/>
+                </a:gradFill>
+                <a:latin typeface="+mn-lt"/>
+                <a:ea typeface="+mn-ea"/>
+                <a:cs typeface="+mn-cs"/>
+              </a:defRPr>
+            </a:lvl3pPr>
+            <a:lvl4pPr marL="842963" marR="0" indent="-180975" algn="l" defTabSz="932742" rtl="0" eaLnBrk="1" fontAlgn="auto" latinLnBrk="0" hangingPunct="1">
+              <a:lnSpc>
+                <a:spcPct val="100000"/>
+              </a:lnSpc>
+              <a:spcBef>
+                <a:spcPct val="20000"/>
+              </a:spcBef>
+              <a:spcAft>
+                <a:spcPts val="0"/>
+              </a:spcAft>
+              <a:buClrTx/>
+              <a:buSzPct val="90000"/>
+              <a:buFont typeface="Wingdings" panose="05000000000000000000" pitchFamily="2" charset="2"/>
+              <a:buChar char=""/>
+              <a:tabLst/>
+              <a:defRPr sz="1400" kern="1200" spc="0" baseline="0">
+                <a:gradFill>
+                  <a:gsLst>
+                    <a:gs pos="1250">
+                      <a:schemeClr val="tx1"/>
+                    </a:gs>
+                    <a:gs pos="100000">
+                      <a:schemeClr val="tx1"/>
+                    </a:gs>
+                  </a:gsLst>
+                  <a:lin ang="5400000" scaled="0"/>
+                </a:gradFill>
+                <a:latin typeface="+mn-lt"/>
+                <a:ea typeface="+mn-ea"/>
+                <a:cs typeface="+mn-cs"/>
+              </a:defRPr>
+            </a:lvl4pPr>
+            <a:lvl5pPr marL="1023938" marR="0" indent="-168275" algn="l" defTabSz="932742" rtl="0" eaLnBrk="1" fontAlgn="auto" latinLnBrk="0" hangingPunct="1">
+              <a:lnSpc>
+                <a:spcPct val="100000"/>
+              </a:lnSpc>
+              <a:spcBef>
+                <a:spcPct val="20000"/>
+              </a:spcBef>
+              <a:spcAft>
+                <a:spcPts val="0"/>
+              </a:spcAft>
+              <a:buClrTx/>
+              <a:buSzPct val="90000"/>
+              <a:buFont typeface="Wingdings" panose="05000000000000000000" pitchFamily="2" charset="2"/>
+              <a:buChar char=""/>
+              <a:tabLst/>
+              <a:defRPr sz="1400" kern="1200" spc="0" baseline="0">
+                <a:gradFill>
+                  <a:gsLst>
+                    <a:gs pos="1250">
+                      <a:schemeClr val="tx1"/>
+                    </a:gs>
+                    <a:gs pos="100000">
+                      <a:schemeClr val="tx1"/>
+                    </a:gs>
+                  </a:gsLst>
+                  <a:lin ang="5400000" scaled="0"/>
+                </a:gradFill>
+                <a:latin typeface="+mn-lt"/>
+                <a:ea typeface="+mn-ea"/>
+                <a:cs typeface="+mn-cs"/>
+              </a:defRPr>
+            </a:lvl5pPr>
+            <a:lvl6pPr marL="2565040" indent="-233186" algn="l" defTabSz="932742" rtl="0" eaLnBrk="1" latinLnBrk="0" hangingPunct="1">
+              <a:spcBef>
+                <a:spcPct val="20000"/>
+              </a:spcBef>
+              <a:buFont typeface="Arial" pitchFamily="34" charset="0"/>
+              <a:buChar char="•"/>
+              <a:defRPr sz="2000" kern="1200">
+                <a:solidFill>
+                  <a:schemeClr val="tx1"/>
+                </a:solidFill>
+                <a:latin typeface="+mn-lt"/>
+                <a:ea typeface="+mn-ea"/>
+                <a:cs typeface="+mn-cs"/>
+              </a:defRPr>
+            </a:lvl6pPr>
+            <a:lvl7pPr marL="3031412" indent="-233186" algn="l" defTabSz="932742" rtl="0" eaLnBrk="1" latinLnBrk="0" hangingPunct="1">
+              <a:spcBef>
+                <a:spcPct val="20000"/>
+              </a:spcBef>
+              <a:buFont typeface="Arial" pitchFamily="34" charset="0"/>
+              <a:buChar char="•"/>
+              <a:defRPr sz="2000" kern="1200">
+                <a:solidFill>
+                  <a:schemeClr val="tx1"/>
+                </a:solidFill>
+                <a:latin typeface="+mn-lt"/>
+                <a:ea typeface="+mn-ea"/>
+                <a:cs typeface="+mn-cs"/>
+              </a:defRPr>
+            </a:lvl7pPr>
+            <a:lvl8pPr marL="3497783" indent="-233186" algn="l" defTabSz="932742" rtl="0" eaLnBrk="1" latinLnBrk="0" hangingPunct="1">
+              <a:spcBef>
+                <a:spcPct val="20000"/>
+              </a:spcBef>
+              <a:buFont typeface="Arial" pitchFamily="34" charset="0"/>
+              <a:buChar char="•"/>
+              <a:defRPr sz="2000" kern="1200">
+                <a:solidFill>
+                  <a:schemeClr val="tx1"/>
+                </a:solidFill>
+                <a:latin typeface="+mn-lt"/>
+                <a:ea typeface="+mn-ea"/>
+                <a:cs typeface="+mn-cs"/>
+              </a:defRPr>
+            </a:lvl8pPr>
+            <a:lvl9pPr marL="3964155" indent="-233186" algn="l" defTabSz="932742" rtl="0" eaLnBrk="1" latinLnBrk="0" hangingPunct="1">
+              <a:spcBef>
+                <a:spcPct val="20000"/>
+              </a:spcBef>
+              <a:buFont typeface="Arial" pitchFamily="34" charset="0"/>
+              <a:buChar char="•"/>
+              <a:defRPr sz="2000" kern="1200">
+                <a:solidFill>
+                  <a:schemeClr val="tx1"/>
+                </a:solidFill>
+                <a:latin typeface="+mn-lt"/>
+                <a:ea typeface="+mn-ea"/>
+                <a:cs typeface="+mn-cs"/>
+              </a:defRPr>
+            </a:lvl9pPr>
+          </a:lstStyle>
+          <a:p>
+            <a:pPr marL="0" indent="0">
+              <a:buNone/>
             </a:pPr>
             <a:r>
               <a:rPr lang="en-US" sz="1800" dirty="0">
-                <a:hlinkClick r:id="rId2"/>
+                <a:latin typeface="Cascadia Code" panose="020B0509020204030204" pitchFamily="49" charset="0"/>
               </a:rPr>
-              <a:t>https://docs.microsoft.com/azure/devops/pipelines/yaml-schema</a:t>
-            </a:r>
-            <a:endParaRPr lang="en-US" sz="1800" dirty="0"/>
-          </a:p>
-          <a:p>
-            <a:pPr>
-              <a:lnSpc>
-                <a:spcPct val="150000"/>
-              </a:lnSpc>
+              <a:t>trigger:</a:t>
+            </a:r>
+          </a:p>
+          <a:p>
+            <a:pPr marL="0" indent="0">
+              <a:buNone/>
             </a:pPr>
-            <a:endParaRPr lang="en-US" sz="1800" dirty="0"/>
-          </a:p>
-          <a:p>
-            <a:pPr>
-              <a:lnSpc>
-                <a:spcPct val="150000"/>
-              </a:lnSpc>
+            <a:r>
+              <a:rPr lang="en-US" sz="1800" dirty="0">
+                <a:latin typeface="Cascadia Code" panose="020B0509020204030204" pitchFamily="49" charset="0"/>
+              </a:rPr>
+              <a:t>- master</a:t>
+            </a:r>
+          </a:p>
+          <a:p>
+            <a:pPr marL="0" indent="0">
+              <a:buNone/>
             </a:pPr>
             <a:r>
               <a:rPr lang="en-US" sz="1800" dirty="0">
-                <a:hlinkClick r:id="rId3"/>
+                <a:latin typeface="Cascadia Code" panose="020B0509020204030204" pitchFamily="49" charset="0"/>
               </a:rPr>
-              <a:t>https://github.com/seesharprun/webinar</a:t>
-            </a:r>
-            <a:endParaRPr lang="en-US" sz="1800" dirty="0"/>
-          </a:p>
-          <a:p>
-            <a:pPr>
-              <a:lnSpc>
-                <a:spcPct val="150000"/>
-              </a:lnSpc>
-            </a:pPr>
-            <a:endParaRPr lang="en-US" sz="1800" dirty="0"/>
-          </a:p>
-          <a:p>
-            <a:pPr>
-              <a:lnSpc>
-                <a:spcPct val="150000"/>
-              </a:lnSpc>
-            </a:pPr>
-            <a:r>
-              <a:rPr lang="en-US" sz="1800" dirty="0">
-                <a:hlinkClick r:id="rId4"/>
+              <a:t>- </a:t>
+            </a:r>
+            <a:r>
+              <a:rPr lang="en-US" sz="1800" dirty="0" err="1">
+                <a:latin typeface="Cascadia Code" panose="020B0509020204030204" pitchFamily="49" charset="0"/>
               </a:rPr>
-              <a:t>https://docs.microsoft.com/en-us/dotnet/core/rid-catalog</a:t>
-            </a:r>
-            <a:endParaRPr lang="en-US" sz="1800" dirty="0"/>
-          </a:p>
-          <a:p>
-            <a:pPr>
-              <a:lnSpc>
-                <a:spcPct val="150000"/>
-              </a:lnSpc>
-            </a:pPr>
-            <a:endParaRPr lang="en-US" sz="1800" dirty="0"/>
-          </a:p>
-          <a:p>
-            <a:pPr>
-              <a:lnSpc>
-                <a:spcPct val="150000"/>
-              </a:lnSpc>
-            </a:pPr>
-            <a:r>
-              <a:rPr lang="en-US" sz="1800" dirty="0">
-                <a:hlinkClick r:id="rId5"/>
-              </a:rPr>
-              <a:t>https://docs.microsoft.com/azure/devops/pipelines/process/conditions</a:t>
-            </a:r>
-            <a:endParaRPr lang="en-US" sz="1800" dirty="0"/>
+              <a:t>some_other_branch</a:t>
+            </a:r>
+            <a:endParaRPr lang="en-US" sz="1800" dirty="0">
+              <a:latin typeface="Cascadia Code" panose="020B0509020204030204" pitchFamily="49" charset="0"/>
+            </a:endParaRPr>
           </a:p>
         </p:txBody>
       </p:sp>
     </p:spTree>
     <p:extLst>
       <p:ext uri="{BB962C8B-B14F-4D97-AF65-F5344CB8AC3E}">
-        <p14:creationId xmlns:p14="http://schemas.microsoft.com/office/powerpoint/2010/main" val="946385705"/>
+        <p14:creationId xmlns:p14="http://schemas.microsoft.com/office/powerpoint/2010/main" val="139244778"/>
       </p:ext>
     </p:extLst>
   </p:cSld>
   <p:clrMapOvr>
     <a:masterClrMapping/>
   </p:clrMapOvr>
-  <p:transition>
-    <p:fade/>
-  </p:transition>
+  <mc:AlternateContent xmlns:mc="http://schemas.openxmlformats.org/markup-compatibility/2006">
+    <mc:Choice xmlns:p159="http://schemas.microsoft.com/office/powerpoint/2015/09/main" Requires="p159">
+      <p:transition xmlns:p14="http://schemas.microsoft.com/office/powerpoint/2010/main" spd="slow" p14:dur="1250">
+        <p159:morph option="byWord"/>
+      </p:transition>
+    </mc:Choice>
+    <mc:Fallback>
+      <p:transition spd="slow">
+        <p:fade/>
+      </p:transition>
+    </mc:Fallback>
+  </mc:AlternateContent>
 </p:sld>
 </file>
 
@@ -17164,7 +18058,7 @@
           <p:cNvPr id="2" name="Title 1">
             <a:extLst>
               <a:ext uri="{FF2B5EF4-FFF2-40B4-BE49-F238E27FC236}">
-                <a16:creationId xmlns:a16="http://schemas.microsoft.com/office/drawing/2014/main" id="{E79F0319-13E5-4C96-8247-8ECF14BC9F52}"/>
+                <a16:creationId xmlns:a16="http://schemas.microsoft.com/office/drawing/2014/main" id="{B8BCB36E-3E64-4ED6-B7EA-9223E67A42B8}"/>
               </a:ext>
             </a:extLst>
           </p:cNvPr>
@@ -17182,106 +18076,348 @@
           <a:p>
             <a:r>
               <a:rPr lang="en-US" dirty="0"/>
-              <a:t>Today's agenda</a:t>
+              <a:t>Trigger filter (longer syntax)</a:t>
             </a:r>
           </a:p>
         </p:txBody>
       </p:sp>
       <p:sp>
         <p:nvSpPr>
-          <p:cNvPr id="21" name="Text Placeholder 20">
+          <p:cNvPr id="10" name="Content Placeholder 2">
             <a:extLst>
               <a:ext uri="{FF2B5EF4-FFF2-40B4-BE49-F238E27FC236}">
-                <a16:creationId xmlns:a16="http://schemas.microsoft.com/office/drawing/2014/main" id="{03720527-00BA-4887-A7CA-8452D7D006E3}"/>
+                <a16:creationId xmlns:a16="http://schemas.microsoft.com/office/drawing/2014/main" id="{DDDDECAB-9450-40D7-AAEE-86FEED8A2B32}"/>
               </a:ext>
             </a:extLst>
           </p:cNvPr>
-          <p:cNvSpPr>
-            <a:spLocks noGrp="1"/>
+          <p:cNvSpPr txBox="1">
+            <a:spLocks/>
           </p:cNvSpPr>
-          <p:nvPr>
-            <p:ph type="body" sz="quarter" idx="10"/>
-          </p:nvPr>
+          <p:nvPr/>
         </p:nvSpPr>
         <p:spPr>
           <a:xfrm>
-            <a:off x="584200" y="1435497"/>
-            <a:ext cx="11018520" cy="3692870"/>
+            <a:off x="838200" y="1825625"/>
+            <a:ext cx="10515600" cy="2815268"/>
           </a:xfrm>
+          <a:prstGeom prst="rect">
+            <a:avLst/>
+          </a:prstGeom>
         </p:spPr>
         <p:txBody>
-          <a:bodyPr/>
-          <a:lstStyle/>
-          <a:p>
-            <a:pPr>
+          <a:bodyPr vert="horz" wrap="square" lIns="0" tIns="0" rIns="0" bIns="0" rtlCol="0" anchor="t">
+            <a:normAutofit/>
+          </a:bodyPr>
+          <a:lstStyle>
+            <a:lvl1pPr marL="228600" marR="0" indent="-228600" algn="l" defTabSz="932742" rtl="0" eaLnBrk="1" fontAlgn="auto" latinLnBrk="0" hangingPunct="1">
               <a:lnSpc>
-                <a:spcPct val="200000"/>
+                <a:spcPct val="100000"/>
               </a:lnSpc>
+              <a:spcBef>
+                <a:spcPct val="20000"/>
+              </a:spcBef>
+              <a:spcAft>
+                <a:spcPts val="0"/>
+              </a:spcAft>
+              <a:buClrTx/>
+              <a:buSzPct val="90000"/>
+              <a:buFont typeface="Wingdings" panose="05000000000000000000" pitchFamily="2" charset="2"/>
+              <a:buChar char=""/>
+              <a:tabLst/>
+              <a:defRPr sz="2800" kern="1200" spc="0" baseline="0">
+                <a:gradFill>
+                  <a:gsLst>
+                    <a:gs pos="1250">
+                      <a:schemeClr val="tx1"/>
+                    </a:gs>
+                    <a:gs pos="100000">
+                      <a:schemeClr val="tx1"/>
+                    </a:gs>
+                  </a:gsLst>
+                  <a:lin ang="5400000" scaled="0"/>
+                </a:gradFill>
+                <a:latin typeface="Segoe UI Semilight" panose="020B0402040204020203" pitchFamily="34" charset="0"/>
+                <a:ea typeface="+mn-ea"/>
+                <a:cs typeface="Segoe UI Semilight" panose="020B0402040204020203" pitchFamily="34" charset="0"/>
+              </a:defRPr>
+            </a:lvl1pPr>
+            <a:lvl2pPr marL="457200" marR="0" indent="-228600" algn="l" defTabSz="932742" rtl="0" eaLnBrk="1" fontAlgn="auto" latinLnBrk="0" hangingPunct="1">
+              <a:lnSpc>
+                <a:spcPct val="100000"/>
+              </a:lnSpc>
+              <a:spcBef>
+                <a:spcPct val="20000"/>
+              </a:spcBef>
+              <a:spcAft>
+                <a:spcPts val="0"/>
+              </a:spcAft>
+              <a:buClrTx/>
+              <a:buSzPct val="90000"/>
+              <a:buFont typeface="Wingdings" panose="05000000000000000000" pitchFamily="2" charset="2"/>
+              <a:buChar char=""/>
+              <a:tabLst/>
+              <a:defRPr sz="2000" kern="1200" spc="0" baseline="0">
+                <a:gradFill>
+                  <a:gsLst>
+                    <a:gs pos="1250">
+                      <a:schemeClr val="tx1"/>
+                    </a:gs>
+                    <a:gs pos="100000">
+                      <a:schemeClr val="tx1"/>
+                    </a:gs>
+                  </a:gsLst>
+                  <a:lin ang="5400000" scaled="0"/>
+                </a:gradFill>
+                <a:latin typeface="+mn-lt"/>
+                <a:ea typeface="+mn-ea"/>
+                <a:cs typeface="+mn-cs"/>
+              </a:defRPr>
+            </a:lvl2pPr>
+            <a:lvl3pPr marL="657225" marR="0" indent="-200025" algn="l" defTabSz="932742" rtl="0" eaLnBrk="1" fontAlgn="auto" latinLnBrk="0" hangingPunct="1">
+              <a:lnSpc>
+                <a:spcPct val="100000"/>
+              </a:lnSpc>
+              <a:spcBef>
+                <a:spcPct val="20000"/>
+              </a:spcBef>
+              <a:spcAft>
+                <a:spcPts val="0"/>
+              </a:spcAft>
+              <a:buClrTx/>
+              <a:buSzPct val="90000"/>
+              <a:buFont typeface="Wingdings" panose="05000000000000000000" pitchFamily="2" charset="2"/>
+              <a:buChar char=""/>
+              <a:tabLst/>
+              <a:defRPr sz="1600" kern="1200" spc="0" baseline="0">
+                <a:gradFill>
+                  <a:gsLst>
+                    <a:gs pos="1250">
+                      <a:schemeClr val="tx1"/>
+                    </a:gs>
+                    <a:gs pos="100000">
+                      <a:schemeClr val="tx1"/>
+                    </a:gs>
+                  </a:gsLst>
+                  <a:lin ang="5400000" scaled="0"/>
+                </a:gradFill>
+                <a:latin typeface="+mn-lt"/>
+                <a:ea typeface="+mn-ea"/>
+                <a:cs typeface="+mn-cs"/>
+              </a:defRPr>
+            </a:lvl3pPr>
+            <a:lvl4pPr marL="842963" marR="0" indent="-180975" algn="l" defTabSz="932742" rtl="0" eaLnBrk="1" fontAlgn="auto" latinLnBrk="0" hangingPunct="1">
+              <a:lnSpc>
+                <a:spcPct val="100000"/>
+              </a:lnSpc>
+              <a:spcBef>
+                <a:spcPct val="20000"/>
+              </a:spcBef>
+              <a:spcAft>
+                <a:spcPts val="0"/>
+              </a:spcAft>
+              <a:buClrTx/>
+              <a:buSzPct val="90000"/>
+              <a:buFont typeface="Wingdings" panose="05000000000000000000" pitchFamily="2" charset="2"/>
+              <a:buChar char=""/>
+              <a:tabLst/>
+              <a:defRPr sz="1400" kern="1200" spc="0" baseline="0">
+                <a:gradFill>
+                  <a:gsLst>
+                    <a:gs pos="1250">
+                      <a:schemeClr val="tx1"/>
+                    </a:gs>
+                    <a:gs pos="100000">
+                      <a:schemeClr val="tx1"/>
+                    </a:gs>
+                  </a:gsLst>
+                  <a:lin ang="5400000" scaled="0"/>
+                </a:gradFill>
+                <a:latin typeface="+mn-lt"/>
+                <a:ea typeface="+mn-ea"/>
+                <a:cs typeface="+mn-cs"/>
+              </a:defRPr>
+            </a:lvl4pPr>
+            <a:lvl5pPr marL="1023938" marR="0" indent="-168275" algn="l" defTabSz="932742" rtl="0" eaLnBrk="1" fontAlgn="auto" latinLnBrk="0" hangingPunct="1">
+              <a:lnSpc>
+                <a:spcPct val="100000"/>
+              </a:lnSpc>
+              <a:spcBef>
+                <a:spcPct val="20000"/>
+              </a:spcBef>
+              <a:spcAft>
+                <a:spcPts val="0"/>
+              </a:spcAft>
+              <a:buClrTx/>
+              <a:buSzPct val="90000"/>
+              <a:buFont typeface="Wingdings" panose="05000000000000000000" pitchFamily="2" charset="2"/>
+              <a:buChar char=""/>
+              <a:tabLst/>
+              <a:defRPr sz="1400" kern="1200" spc="0" baseline="0">
+                <a:gradFill>
+                  <a:gsLst>
+                    <a:gs pos="1250">
+                      <a:schemeClr val="tx1"/>
+                    </a:gs>
+                    <a:gs pos="100000">
+                      <a:schemeClr val="tx1"/>
+                    </a:gs>
+                  </a:gsLst>
+                  <a:lin ang="5400000" scaled="0"/>
+                </a:gradFill>
+                <a:latin typeface="+mn-lt"/>
+                <a:ea typeface="+mn-ea"/>
+                <a:cs typeface="+mn-cs"/>
+              </a:defRPr>
+            </a:lvl5pPr>
+            <a:lvl6pPr marL="2565040" indent="-233186" algn="l" defTabSz="932742" rtl="0" eaLnBrk="1" latinLnBrk="0" hangingPunct="1">
+              <a:spcBef>
+                <a:spcPct val="20000"/>
+              </a:spcBef>
+              <a:buFont typeface="Arial" pitchFamily="34" charset="0"/>
+              <a:buChar char="•"/>
+              <a:defRPr sz="2000" kern="1200">
+                <a:solidFill>
+                  <a:schemeClr val="tx1"/>
+                </a:solidFill>
+                <a:latin typeface="+mn-lt"/>
+                <a:ea typeface="+mn-ea"/>
+                <a:cs typeface="+mn-cs"/>
+              </a:defRPr>
+            </a:lvl6pPr>
+            <a:lvl7pPr marL="3031412" indent="-233186" algn="l" defTabSz="932742" rtl="0" eaLnBrk="1" latinLnBrk="0" hangingPunct="1">
+              <a:spcBef>
+                <a:spcPct val="20000"/>
+              </a:spcBef>
+              <a:buFont typeface="Arial" pitchFamily="34" charset="0"/>
+              <a:buChar char="•"/>
+              <a:defRPr sz="2000" kern="1200">
+                <a:solidFill>
+                  <a:schemeClr val="tx1"/>
+                </a:solidFill>
+                <a:latin typeface="+mn-lt"/>
+                <a:ea typeface="+mn-ea"/>
+                <a:cs typeface="+mn-cs"/>
+              </a:defRPr>
+            </a:lvl7pPr>
+            <a:lvl8pPr marL="3497783" indent="-233186" algn="l" defTabSz="932742" rtl="0" eaLnBrk="1" latinLnBrk="0" hangingPunct="1">
+              <a:spcBef>
+                <a:spcPct val="20000"/>
+              </a:spcBef>
+              <a:buFont typeface="Arial" pitchFamily="34" charset="0"/>
+              <a:buChar char="•"/>
+              <a:defRPr sz="2000" kern="1200">
+                <a:solidFill>
+                  <a:schemeClr val="tx1"/>
+                </a:solidFill>
+                <a:latin typeface="+mn-lt"/>
+                <a:ea typeface="+mn-ea"/>
+                <a:cs typeface="+mn-cs"/>
+              </a:defRPr>
+            </a:lvl8pPr>
+            <a:lvl9pPr marL="3964155" indent="-233186" algn="l" defTabSz="932742" rtl="0" eaLnBrk="1" latinLnBrk="0" hangingPunct="1">
+              <a:spcBef>
+                <a:spcPct val="20000"/>
+              </a:spcBef>
+              <a:buFont typeface="Arial" pitchFamily="34" charset="0"/>
+              <a:buChar char="•"/>
+              <a:defRPr sz="2000" kern="1200">
+                <a:solidFill>
+                  <a:schemeClr val="tx1"/>
+                </a:solidFill>
+                <a:latin typeface="+mn-lt"/>
+                <a:ea typeface="+mn-ea"/>
+                <a:cs typeface="+mn-cs"/>
+              </a:defRPr>
+            </a:lvl9pPr>
+          </a:lstStyle>
+          <a:p>
+            <a:pPr marL="0" indent="0">
+              <a:buNone/>
             </a:pPr>
             <a:r>
-              <a:rPr lang="en-US" dirty="0"/>
-              <a:t>	Testing and Publishing .NET</a:t>
-            </a:r>
-          </a:p>
-          <a:p>
-            <a:pPr>
-              <a:lnSpc>
-                <a:spcPct val="200000"/>
-              </a:lnSpc>
+              <a:rPr lang="en-US" sz="1800" dirty="0">
+                <a:latin typeface="Cascadia Code" panose="020B0509020204030204" pitchFamily="49" charset="0"/>
+              </a:rPr>
+              <a:t>trigger:</a:t>
+            </a:r>
+          </a:p>
+          <a:p>
+            <a:pPr marL="0" indent="0">
+              <a:buNone/>
             </a:pPr>
             <a:r>
-              <a:rPr lang="en-US" dirty="0"/>
-              <a:t>	Creating a Build Pipeline from GitHub</a:t>
-            </a:r>
-          </a:p>
-          <a:p>
-            <a:pPr>
-              <a:lnSpc>
-                <a:spcPct val="200000"/>
-              </a:lnSpc>
+              <a:rPr lang="en-US" sz="1800" dirty="0">
+                <a:latin typeface="Cascadia Code" panose="020B0509020204030204" pitchFamily="49" charset="0"/>
+              </a:rPr>
+              <a:t>  branches:</a:t>
+            </a:r>
+          </a:p>
+          <a:p>
+            <a:pPr marL="0" indent="0">
+              <a:buNone/>
             </a:pPr>
             <a:r>
-              <a:rPr lang="en-US" dirty="0"/>
-              <a:t>	Triggers &amp; Filters</a:t>
-            </a:r>
-          </a:p>
-          <a:p>
-            <a:pPr>
-              <a:lnSpc>
-                <a:spcPct val="200000"/>
-              </a:lnSpc>
+              <a:rPr lang="en-US" sz="1800" dirty="0">
+                <a:latin typeface="Cascadia Code" panose="020B0509020204030204" pitchFamily="49" charset="0"/>
+              </a:rPr>
+              <a:t>    include:</a:t>
+            </a:r>
+          </a:p>
+          <a:p>
+            <a:pPr marL="0" indent="0">
+              <a:buNone/>
             </a:pPr>
             <a:r>
-              <a:rPr lang="en-US" dirty="0"/>
-              <a:t>	Artifacts</a:t>
-            </a:r>
-          </a:p>
-          <a:p>
-            <a:pPr>
-              <a:lnSpc>
-                <a:spcPct val="200000"/>
-              </a:lnSpc>
+              <a:rPr lang="en-US" sz="1800" dirty="0">
+                <a:latin typeface="Cascadia Code" panose="020B0509020204030204" pitchFamily="49" charset="0"/>
+              </a:rPr>
+              <a:t>    - master</a:t>
+            </a:r>
+          </a:p>
+          <a:p>
+            <a:pPr marL="0" indent="0">
+              <a:buNone/>
             </a:pPr>
             <a:r>
-              <a:rPr lang="en-US" dirty="0"/>
-              <a:t>	Conditions &amp; Expressions</a:t>
-            </a:r>
+              <a:rPr lang="en-US" sz="1800" dirty="0">
+                <a:latin typeface="Cascadia Code" panose="020B0509020204030204" pitchFamily="49" charset="0"/>
+              </a:rPr>
+              <a:t>    - </a:t>
+            </a:r>
+            <a:r>
+              <a:rPr lang="en-US" sz="1800" dirty="0" err="1">
+                <a:latin typeface="Cascadia Code" panose="020B0509020204030204" pitchFamily="49" charset="0"/>
+              </a:rPr>
+              <a:t>some_other_branch</a:t>
+            </a:r>
+            <a:endParaRPr lang="en-US" sz="1800" dirty="0">
+              <a:latin typeface="Cascadia Code" panose="020B0509020204030204" pitchFamily="49" charset="0"/>
+            </a:endParaRPr>
           </a:p>
         </p:txBody>
       </p:sp>
     </p:spTree>
     <p:extLst>
       <p:ext uri="{BB962C8B-B14F-4D97-AF65-F5344CB8AC3E}">
-        <p14:creationId xmlns:p14="http://schemas.microsoft.com/office/powerpoint/2010/main" val="3418640250"/>
+        <p14:creationId xmlns:p14="http://schemas.microsoft.com/office/powerpoint/2010/main" val="1874611844"/>
       </p:ext>
     </p:extLst>
   </p:cSld>
   <p:clrMapOvr>
     <a:masterClrMapping/>
   </p:clrMapOvr>
-  <p:transition>
-    <p:fade/>
-  </p:transition>
+  <mc:AlternateContent xmlns:mc="http://schemas.openxmlformats.org/markup-compatibility/2006">
+    <mc:Choice xmlns:p159="http://schemas.microsoft.com/office/powerpoint/2015/09/main" Requires="p159">
+      <p:transition xmlns:p14="http://schemas.microsoft.com/office/powerpoint/2010/main" spd="slow" p14:dur="1250">
+        <p159:morph option="byWord"/>
+      </p:transition>
+    </mc:Choice>
+    <mc:Fallback>
+      <p:transition spd="slow">
+        <p:fade/>
+      </p:transition>
+    </mc:Fallback>
+  </mc:AlternateContent>
 </p:sld>
 </file>
 
@@ -17307,7 +18443,7 @@
           <p:cNvPr id="2" name="Title 1">
             <a:extLst>
               <a:ext uri="{FF2B5EF4-FFF2-40B4-BE49-F238E27FC236}">
-                <a16:creationId xmlns:a16="http://schemas.microsoft.com/office/drawing/2014/main" id="{E79F0319-13E5-4C96-8247-8ECF14BC9F52}"/>
+                <a16:creationId xmlns:a16="http://schemas.microsoft.com/office/drawing/2014/main" id="{B8BCB36E-3E64-4ED6-B7EA-9223E67A42B8}"/>
               </a:ext>
             </a:extLst>
           </p:cNvPr>
@@ -17324,19 +18460,406 @@
           <a:lstStyle/>
           <a:p>
             <a:r>
-              <a:rPr lang="fr-BE" dirty="0"/>
-              <a:t>Questions and support</a:t>
-            </a:r>
-            <a:endParaRPr lang="en-US" dirty="0"/>
+              <a:rPr lang="en-US" dirty="0"/>
+              <a:t>Trigger filter (exclude)</a:t>
+            </a:r>
           </a:p>
         </p:txBody>
       </p:sp>
       <p:sp>
         <p:nvSpPr>
-          <p:cNvPr id="21" name="Text Placeholder 20">
+          <p:cNvPr id="10" name="Content Placeholder 2">
             <a:extLst>
               <a:ext uri="{FF2B5EF4-FFF2-40B4-BE49-F238E27FC236}">
-                <a16:creationId xmlns:a16="http://schemas.microsoft.com/office/drawing/2014/main" id="{03720527-00BA-4887-A7CA-8452D7D006E3}"/>
+                <a16:creationId xmlns:a16="http://schemas.microsoft.com/office/drawing/2014/main" id="{DDDDECAB-9450-40D7-AAEE-86FEED8A2B32}"/>
+              </a:ext>
+            </a:extLst>
+          </p:cNvPr>
+          <p:cNvSpPr txBox="1">
+            <a:spLocks/>
+          </p:cNvSpPr>
+          <p:nvPr/>
+        </p:nvSpPr>
+        <p:spPr>
+          <a:xfrm>
+            <a:off x="838200" y="1825625"/>
+            <a:ext cx="10515600" cy="2815268"/>
+          </a:xfrm>
+          <a:prstGeom prst="rect">
+            <a:avLst/>
+          </a:prstGeom>
+        </p:spPr>
+        <p:txBody>
+          <a:bodyPr vert="horz" wrap="square" lIns="0" tIns="0" rIns="0" bIns="0" rtlCol="0" anchor="t">
+            <a:normAutofit/>
+          </a:bodyPr>
+          <a:lstStyle>
+            <a:lvl1pPr marL="228600" marR="0" indent="-228600" algn="l" defTabSz="932742" rtl="0" eaLnBrk="1" fontAlgn="auto" latinLnBrk="0" hangingPunct="1">
+              <a:lnSpc>
+                <a:spcPct val="100000"/>
+              </a:lnSpc>
+              <a:spcBef>
+                <a:spcPct val="20000"/>
+              </a:spcBef>
+              <a:spcAft>
+                <a:spcPts val="0"/>
+              </a:spcAft>
+              <a:buClrTx/>
+              <a:buSzPct val="90000"/>
+              <a:buFont typeface="Wingdings" panose="05000000000000000000" pitchFamily="2" charset="2"/>
+              <a:buChar char=""/>
+              <a:tabLst/>
+              <a:defRPr sz="2800" kern="1200" spc="0" baseline="0">
+                <a:gradFill>
+                  <a:gsLst>
+                    <a:gs pos="1250">
+                      <a:schemeClr val="tx1"/>
+                    </a:gs>
+                    <a:gs pos="100000">
+                      <a:schemeClr val="tx1"/>
+                    </a:gs>
+                  </a:gsLst>
+                  <a:lin ang="5400000" scaled="0"/>
+                </a:gradFill>
+                <a:latin typeface="Segoe UI Semilight" panose="020B0402040204020203" pitchFamily="34" charset="0"/>
+                <a:ea typeface="+mn-ea"/>
+                <a:cs typeface="Segoe UI Semilight" panose="020B0402040204020203" pitchFamily="34" charset="0"/>
+              </a:defRPr>
+            </a:lvl1pPr>
+            <a:lvl2pPr marL="457200" marR="0" indent="-228600" algn="l" defTabSz="932742" rtl="0" eaLnBrk="1" fontAlgn="auto" latinLnBrk="0" hangingPunct="1">
+              <a:lnSpc>
+                <a:spcPct val="100000"/>
+              </a:lnSpc>
+              <a:spcBef>
+                <a:spcPct val="20000"/>
+              </a:spcBef>
+              <a:spcAft>
+                <a:spcPts val="0"/>
+              </a:spcAft>
+              <a:buClrTx/>
+              <a:buSzPct val="90000"/>
+              <a:buFont typeface="Wingdings" panose="05000000000000000000" pitchFamily="2" charset="2"/>
+              <a:buChar char=""/>
+              <a:tabLst/>
+              <a:defRPr sz="2000" kern="1200" spc="0" baseline="0">
+                <a:gradFill>
+                  <a:gsLst>
+                    <a:gs pos="1250">
+                      <a:schemeClr val="tx1"/>
+                    </a:gs>
+                    <a:gs pos="100000">
+                      <a:schemeClr val="tx1"/>
+                    </a:gs>
+                  </a:gsLst>
+                  <a:lin ang="5400000" scaled="0"/>
+                </a:gradFill>
+                <a:latin typeface="+mn-lt"/>
+                <a:ea typeface="+mn-ea"/>
+                <a:cs typeface="+mn-cs"/>
+              </a:defRPr>
+            </a:lvl2pPr>
+            <a:lvl3pPr marL="657225" marR="0" indent="-200025" algn="l" defTabSz="932742" rtl="0" eaLnBrk="1" fontAlgn="auto" latinLnBrk="0" hangingPunct="1">
+              <a:lnSpc>
+                <a:spcPct val="100000"/>
+              </a:lnSpc>
+              <a:spcBef>
+                <a:spcPct val="20000"/>
+              </a:spcBef>
+              <a:spcAft>
+                <a:spcPts val="0"/>
+              </a:spcAft>
+              <a:buClrTx/>
+              <a:buSzPct val="90000"/>
+              <a:buFont typeface="Wingdings" panose="05000000000000000000" pitchFamily="2" charset="2"/>
+              <a:buChar char=""/>
+              <a:tabLst/>
+              <a:defRPr sz="1600" kern="1200" spc="0" baseline="0">
+                <a:gradFill>
+                  <a:gsLst>
+                    <a:gs pos="1250">
+                      <a:schemeClr val="tx1"/>
+                    </a:gs>
+                    <a:gs pos="100000">
+                      <a:schemeClr val="tx1"/>
+                    </a:gs>
+                  </a:gsLst>
+                  <a:lin ang="5400000" scaled="0"/>
+                </a:gradFill>
+                <a:latin typeface="+mn-lt"/>
+                <a:ea typeface="+mn-ea"/>
+                <a:cs typeface="+mn-cs"/>
+              </a:defRPr>
+            </a:lvl3pPr>
+            <a:lvl4pPr marL="842963" marR="0" indent="-180975" algn="l" defTabSz="932742" rtl="0" eaLnBrk="1" fontAlgn="auto" latinLnBrk="0" hangingPunct="1">
+              <a:lnSpc>
+                <a:spcPct val="100000"/>
+              </a:lnSpc>
+              <a:spcBef>
+                <a:spcPct val="20000"/>
+              </a:spcBef>
+              <a:spcAft>
+                <a:spcPts val="0"/>
+              </a:spcAft>
+              <a:buClrTx/>
+              <a:buSzPct val="90000"/>
+              <a:buFont typeface="Wingdings" panose="05000000000000000000" pitchFamily="2" charset="2"/>
+              <a:buChar char=""/>
+              <a:tabLst/>
+              <a:defRPr sz="1400" kern="1200" spc="0" baseline="0">
+                <a:gradFill>
+                  <a:gsLst>
+                    <a:gs pos="1250">
+                      <a:schemeClr val="tx1"/>
+                    </a:gs>
+                    <a:gs pos="100000">
+                      <a:schemeClr val="tx1"/>
+                    </a:gs>
+                  </a:gsLst>
+                  <a:lin ang="5400000" scaled="0"/>
+                </a:gradFill>
+                <a:latin typeface="+mn-lt"/>
+                <a:ea typeface="+mn-ea"/>
+                <a:cs typeface="+mn-cs"/>
+              </a:defRPr>
+            </a:lvl4pPr>
+            <a:lvl5pPr marL="1023938" marR="0" indent="-168275" algn="l" defTabSz="932742" rtl="0" eaLnBrk="1" fontAlgn="auto" latinLnBrk="0" hangingPunct="1">
+              <a:lnSpc>
+                <a:spcPct val="100000"/>
+              </a:lnSpc>
+              <a:spcBef>
+                <a:spcPct val="20000"/>
+              </a:spcBef>
+              <a:spcAft>
+                <a:spcPts val="0"/>
+              </a:spcAft>
+              <a:buClrTx/>
+              <a:buSzPct val="90000"/>
+              <a:buFont typeface="Wingdings" panose="05000000000000000000" pitchFamily="2" charset="2"/>
+              <a:buChar char=""/>
+              <a:tabLst/>
+              <a:defRPr sz="1400" kern="1200" spc="0" baseline="0">
+                <a:gradFill>
+                  <a:gsLst>
+                    <a:gs pos="1250">
+                      <a:schemeClr val="tx1"/>
+                    </a:gs>
+                    <a:gs pos="100000">
+                      <a:schemeClr val="tx1"/>
+                    </a:gs>
+                  </a:gsLst>
+                  <a:lin ang="5400000" scaled="0"/>
+                </a:gradFill>
+                <a:latin typeface="+mn-lt"/>
+                <a:ea typeface="+mn-ea"/>
+                <a:cs typeface="+mn-cs"/>
+              </a:defRPr>
+            </a:lvl5pPr>
+            <a:lvl6pPr marL="2565040" indent="-233186" algn="l" defTabSz="932742" rtl="0" eaLnBrk="1" latinLnBrk="0" hangingPunct="1">
+              <a:spcBef>
+                <a:spcPct val="20000"/>
+              </a:spcBef>
+              <a:buFont typeface="Arial" pitchFamily="34" charset="0"/>
+              <a:buChar char="•"/>
+              <a:defRPr sz="2000" kern="1200">
+                <a:solidFill>
+                  <a:schemeClr val="tx1"/>
+                </a:solidFill>
+                <a:latin typeface="+mn-lt"/>
+                <a:ea typeface="+mn-ea"/>
+                <a:cs typeface="+mn-cs"/>
+              </a:defRPr>
+            </a:lvl6pPr>
+            <a:lvl7pPr marL="3031412" indent="-233186" algn="l" defTabSz="932742" rtl="0" eaLnBrk="1" latinLnBrk="0" hangingPunct="1">
+              <a:spcBef>
+                <a:spcPct val="20000"/>
+              </a:spcBef>
+              <a:buFont typeface="Arial" pitchFamily="34" charset="0"/>
+              <a:buChar char="•"/>
+              <a:defRPr sz="2000" kern="1200">
+                <a:solidFill>
+                  <a:schemeClr val="tx1"/>
+                </a:solidFill>
+                <a:latin typeface="+mn-lt"/>
+                <a:ea typeface="+mn-ea"/>
+                <a:cs typeface="+mn-cs"/>
+              </a:defRPr>
+            </a:lvl7pPr>
+            <a:lvl8pPr marL="3497783" indent="-233186" algn="l" defTabSz="932742" rtl="0" eaLnBrk="1" latinLnBrk="0" hangingPunct="1">
+              <a:spcBef>
+                <a:spcPct val="20000"/>
+              </a:spcBef>
+              <a:buFont typeface="Arial" pitchFamily="34" charset="0"/>
+              <a:buChar char="•"/>
+              <a:defRPr sz="2000" kern="1200">
+                <a:solidFill>
+                  <a:schemeClr val="tx1"/>
+                </a:solidFill>
+                <a:latin typeface="+mn-lt"/>
+                <a:ea typeface="+mn-ea"/>
+                <a:cs typeface="+mn-cs"/>
+              </a:defRPr>
+            </a:lvl8pPr>
+            <a:lvl9pPr marL="3964155" indent="-233186" algn="l" defTabSz="932742" rtl="0" eaLnBrk="1" latinLnBrk="0" hangingPunct="1">
+              <a:spcBef>
+                <a:spcPct val="20000"/>
+              </a:spcBef>
+              <a:buFont typeface="Arial" pitchFamily="34" charset="0"/>
+              <a:buChar char="•"/>
+              <a:defRPr sz="2000" kern="1200">
+                <a:solidFill>
+                  <a:schemeClr val="tx1"/>
+                </a:solidFill>
+                <a:latin typeface="+mn-lt"/>
+                <a:ea typeface="+mn-ea"/>
+                <a:cs typeface="+mn-cs"/>
+              </a:defRPr>
+            </a:lvl9pPr>
+          </a:lstStyle>
+          <a:p>
+            <a:pPr marL="0" indent="0">
+              <a:buNone/>
+            </a:pPr>
+            <a:r>
+              <a:rPr lang="en-US" sz="1800" dirty="0">
+                <a:latin typeface="Cascadia Code" panose="020B0509020204030204" pitchFamily="49" charset="0"/>
+              </a:rPr>
+              <a:t>trigger:</a:t>
+            </a:r>
+          </a:p>
+          <a:p>
+            <a:pPr marL="0" indent="0">
+              <a:buNone/>
+            </a:pPr>
+            <a:r>
+              <a:rPr lang="en-US" sz="1800" dirty="0">
+                <a:latin typeface="Cascadia Code" panose="020B0509020204030204" pitchFamily="49" charset="0"/>
+              </a:rPr>
+              <a:t>  branches:</a:t>
+            </a:r>
+          </a:p>
+          <a:p>
+            <a:pPr marL="0" indent="0">
+              <a:buNone/>
+            </a:pPr>
+            <a:r>
+              <a:rPr lang="en-US" sz="1800" dirty="0">
+                <a:latin typeface="Cascadia Code" panose="020B0509020204030204" pitchFamily="49" charset="0"/>
+              </a:rPr>
+              <a:t>    include:</a:t>
+            </a:r>
+          </a:p>
+          <a:p>
+            <a:pPr marL="0" indent="0">
+              <a:buNone/>
+            </a:pPr>
+            <a:r>
+              <a:rPr lang="en-US" sz="1800" dirty="0">
+                <a:latin typeface="Cascadia Code" panose="020B0509020204030204" pitchFamily="49" charset="0"/>
+              </a:rPr>
+              <a:t>    - master</a:t>
+            </a:r>
+          </a:p>
+          <a:p>
+            <a:pPr marL="0" indent="0">
+              <a:buNone/>
+            </a:pPr>
+            <a:r>
+              <a:rPr lang="en-US" sz="1800" dirty="0">
+                <a:latin typeface="Cascadia Code" panose="020B0509020204030204" pitchFamily="49" charset="0"/>
+              </a:rPr>
+              <a:t>    - </a:t>
+            </a:r>
+            <a:r>
+              <a:rPr lang="en-US" sz="1800" dirty="0" err="1">
+                <a:latin typeface="Cascadia Code" panose="020B0509020204030204" pitchFamily="49" charset="0"/>
+              </a:rPr>
+              <a:t>some_other_branch</a:t>
+            </a:r>
+            <a:endParaRPr lang="en-US" sz="1800" dirty="0">
+              <a:latin typeface="Cascadia Code" panose="020B0509020204030204" pitchFamily="49" charset="0"/>
+            </a:endParaRPr>
+          </a:p>
+          <a:p>
+            <a:pPr marL="0" indent="0">
+              <a:buNone/>
+            </a:pPr>
+            <a:r>
+              <a:rPr lang="en-US" sz="1800" dirty="0">
+                <a:latin typeface="Cascadia Code" panose="020B0509020204030204" pitchFamily="49" charset="0"/>
+              </a:rPr>
+              <a:t>    exclude:</a:t>
+            </a:r>
+          </a:p>
+          <a:p>
+            <a:pPr marL="0" indent="0">
+              <a:buNone/>
+            </a:pPr>
+            <a:r>
+              <a:rPr lang="en-US" sz="1800" dirty="0">
+                <a:latin typeface="Cascadia Code" panose="020B0509020204030204" pitchFamily="49" charset="0"/>
+              </a:rPr>
+              <a:t>    - </a:t>
+            </a:r>
+            <a:r>
+              <a:rPr lang="en-US" sz="1800" dirty="0" err="1">
+                <a:latin typeface="Cascadia Code" panose="020B0509020204030204" pitchFamily="49" charset="0"/>
+              </a:rPr>
+              <a:t>poor_branch</a:t>
+            </a:r>
+            <a:endParaRPr lang="en-US" sz="1800" dirty="0">
+              <a:latin typeface="Cascadia Code" panose="020B0509020204030204" pitchFamily="49" charset="0"/>
+            </a:endParaRPr>
+          </a:p>
+        </p:txBody>
+      </p:sp>
+    </p:spTree>
+    <p:extLst>
+      <p:ext uri="{BB962C8B-B14F-4D97-AF65-F5344CB8AC3E}">
+        <p14:creationId xmlns:p14="http://schemas.microsoft.com/office/powerpoint/2010/main" val="3484497087"/>
+      </p:ext>
+    </p:extLst>
+  </p:cSld>
+  <p:clrMapOvr>
+    <a:masterClrMapping/>
+  </p:clrMapOvr>
+  <mc:AlternateContent xmlns:mc="http://schemas.openxmlformats.org/markup-compatibility/2006">
+    <mc:Choice xmlns:p159="http://schemas.microsoft.com/office/powerpoint/2015/09/main" Requires="p159">
+      <p:transition xmlns:p14="http://schemas.microsoft.com/office/powerpoint/2010/main" spd="slow" p14:dur="1250">
+        <p159:morph option="byWord"/>
+      </p:transition>
+    </mc:Choice>
+    <mc:Fallback>
+      <p:transition spd="slow">
+        <p:fade/>
+      </p:transition>
+    </mc:Fallback>
+  </mc:AlternateContent>
+</p:sld>
+</file>
+
+<file path=ppt/slides/slide17.xml><?xml version="1.0" encoding="utf-8"?>
+<p:sld xmlns:a="http://schemas.openxmlformats.org/drawingml/2006/main" xmlns:r="http://schemas.openxmlformats.org/officeDocument/2006/relationships" xmlns:p="http://schemas.openxmlformats.org/presentationml/2006/main">
+  <p:cSld>
+    <p:spTree>
+      <p:nvGrpSpPr>
+        <p:cNvPr id="1" name=""/>
+        <p:cNvGrpSpPr/>
+        <p:nvPr/>
+      </p:nvGrpSpPr>
+      <p:grpSpPr>
+        <a:xfrm>
+          <a:off x="0" y="0"/>
+          <a:ext cx="0" cy="0"/>
+          <a:chOff x="0" y="0"/>
+          <a:chExt cx="0" cy="0"/>
+        </a:xfrm>
+      </p:grpSpPr>
+      <p:sp>
+        <p:nvSpPr>
+          <p:cNvPr id="2" name="Title 1">
+            <a:extLst>
+              <a:ext uri="{FF2B5EF4-FFF2-40B4-BE49-F238E27FC236}">
+                <a16:creationId xmlns:a16="http://schemas.microsoft.com/office/drawing/2014/main" id="{B8BCB36E-3E64-4ED6-B7EA-9223E67A42B8}"/>
               </a:ext>
             </a:extLst>
           </p:cNvPr>
@@ -17344,66 +18867,1382 @@
             <a:spLocks noGrp="1"/>
           </p:cNvSpPr>
           <p:nvPr>
-            <p:ph type="body" sz="quarter" idx="10"/>
+            <p:ph type="title"/>
           </p:nvPr>
+        </p:nvSpPr>
+        <p:spPr/>
+        <p:txBody>
+          <a:bodyPr/>
+          <a:lstStyle/>
+          <a:p>
+            <a:r>
+              <a:rPr lang="en-US" dirty="0"/>
+              <a:t>Trigger filter (files)</a:t>
+            </a:r>
+          </a:p>
+        </p:txBody>
+      </p:sp>
+      <p:sp>
+        <p:nvSpPr>
+          <p:cNvPr id="10" name="Content Placeholder 2">
+            <a:extLst>
+              <a:ext uri="{FF2B5EF4-FFF2-40B4-BE49-F238E27FC236}">
+                <a16:creationId xmlns:a16="http://schemas.microsoft.com/office/drawing/2014/main" id="{DDDDECAB-9450-40D7-AAEE-86FEED8A2B32}"/>
+              </a:ext>
+            </a:extLst>
+          </p:cNvPr>
+          <p:cNvSpPr txBox="1">
+            <a:spLocks/>
+          </p:cNvSpPr>
+          <p:nvPr/>
         </p:nvSpPr>
         <p:spPr>
           <a:xfrm>
-            <a:off x="584200" y="1435497"/>
-            <a:ext cx="11018520" cy="2031325"/>
+            <a:off x="838200" y="1825624"/>
+            <a:ext cx="10515600" cy="4575175"/>
           </a:xfrm>
+          <a:prstGeom prst="rect">
+            <a:avLst/>
+          </a:prstGeom>
         </p:spPr>
         <p:txBody>
-          <a:bodyPr/>
-          <a:lstStyle/>
-          <a:p>
-            <a:r>
-              <a:rPr lang="en-US" sz="2400" dirty="0"/>
-              <a:t>For questions or help with this series</a:t>
-            </a:r>
-          </a:p>
-          <a:p>
-            <a:r>
-              <a:rPr lang="en-US" sz="2400" dirty="0">
-                <a:hlinkClick r:id="rId2"/>
+          <a:bodyPr vert="horz" wrap="square" lIns="0" tIns="0" rIns="0" bIns="0" rtlCol="0" anchor="t">
+            <a:normAutofit/>
+          </a:bodyPr>
+          <a:lstStyle>
+            <a:lvl1pPr marL="228600" marR="0" indent="-228600" algn="l" defTabSz="932742" rtl="0" eaLnBrk="1" fontAlgn="auto" latinLnBrk="0" hangingPunct="1">
+              <a:lnSpc>
+                <a:spcPct val="100000"/>
+              </a:lnSpc>
+              <a:spcBef>
+                <a:spcPct val="20000"/>
+              </a:spcBef>
+              <a:spcAft>
+                <a:spcPts val="0"/>
+              </a:spcAft>
+              <a:buClrTx/>
+              <a:buSzPct val="90000"/>
+              <a:buFont typeface="Wingdings" panose="05000000000000000000" pitchFamily="2" charset="2"/>
+              <a:buChar char=""/>
+              <a:tabLst/>
+              <a:defRPr sz="2800" kern="1200" spc="0" baseline="0">
+                <a:gradFill>
+                  <a:gsLst>
+                    <a:gs pos="1250">
+                      <a:schemeClr val="tx1"/>
+                    </a:gs>
+                    <a:gs pos="100000">
+                      <a:schemeClr val="tx1"/>
+                    </a:gs>
+                  </a:gsLst>
+                  <a:lin ang="5400000" scaled="0"/>
+                </a:gradFill>
+                <a:latin typeface="Segoe UI Semilight" panose="020B0402040204020203" pitchFamily="34" charset="0"/>
+                <a:ea typeface="+mn-ea"/>
+                <a:cs typeface="Segoe UI Semilight" panose="020B0402040204020203" pitchFamily="34" charset="0"/>
+              </a:defRPr>
+            </a:lvl1pPr>
+            <a:lvl2pPr marL="457200" marR="0" indent="-228600" algn="l" defTabSz="932742" rtl="0" eaLnBrk="1" fontAlgn="auto" latinLnBrk="0" hangingPunct="1">
+              <a:lnSpc>
+                <a:spcPct val="100000"/>
+              </a:lnSpc>
+              <a:spcBef>
+                <a:spcPct val="20000"/>
+              </a:spcBef>
+              <a:spcAft>
+                <a:spcPts val="0"/>
+              </a:spcAft>
+              <a:buClrTx/>
+              <a:buSzPct val="90000"/>
+              <a:buFont typeface="Wingdings" panose="05000000000000000000" pitchFamily="2" charset="2"/>
+              <a:buChar char=""/>
+              <a:tabLst/>
+              <a:defRPr sz="2000" kern="1200" spc="0" baseline="0">
+                <a:gradFill>
+                  <a:gsLst>
+                    <a:gs pos="1250">
+                      <a:schemeClr val="tx1"/>
+                    </a:gs>
+                    <a:gs pos="100000">
+                      <a:schemeClr val="tx1"/>
+                    </a:gs>
+                  </a:gsLst>
+                  <a:lin ang="5400000" scaled="0"/>
+                </a:gradFill>
+                <a:latin typeface="+mn-lt"/>
+                <a:ea typeface="+mn-ea"/>
+                <a:cs typeface="+mn-cs"/>
+              </a:defRPr>
+            </a:lvl2pPr>
+            <a:lvl3pPr marL="657225" marR="0" indent="-200025" algn="l" defTabSz="932742" rtl="0" eaLnBrk="1" fontAlgn="auto" latinLnBrk="0" hangingPunct="1">
+              <a:lnSpc>
+                <a:spcPct val="100000"/>
+              </a:lnSpc>
+              <a:spcBef>
+                <a:spcPct val="20000"/>
+              </a:spcBef>
+              <a:spcAft>
+                <a:spcPts val="0"/>
+              </a:spcAft>
+              <a:buClrTx/>
+              <a:buSzPct val="90000"/>
+              <a:buFont typeface="Wingdings" panose="05000000000000000000" pitchFamily="2" charset="2"/>
+              <a:buChar char=""/>
+              <a:tabLst/>
+              <a:defRPr sz="1600" kern="1200" spc="0" baseline="0">
+                <a:gradFill>
+                  <a:gsLst>
+                    <a:gs pos="1250">
+                      <a:schemeClr val="tx1"/>
+                    </a:gs>
+                    <a:gs pos="100000">
+                      <a:schemeClr val="tx1"/>
+                    </a:gs>
+                  </a:gsLst>
+                  <a:lin ang="5400000" scaled="0"/>
+                </a:gradFill>
+                <a:latin typeface="+mn-lt"/>
+                <a:ea typeface="+mn-ea"/>
+                <a:cs typeface="+mn-cs"/>
+              </a:defRPr>
+            </a:lvl3pPr>
+            <a:lvl4pPr marL="842963" marR="0" indent="-180975" algn="l" defTabSz="932742" rtl="0" eaLnBrk="1" fontAlgn="auto" latinLnBrk="0" hangingPunct="1">
+              <a:lnSpc>
+                <a:spcPct val="100000"/>
+              </a:lnSpc>
+              <a:spcBef>
+                <a:spcPct val="20000"/>
+              </a:spcBef>
+              <a:spcAft>
+                <a:spcPts val="0"/>
+              </a:spcAft>
+              <a:buClrTx/>
+              <a:buSzPct val="90000"/>
+              <a:buFont typeface="Wingdings" panose="05000000000000000000" pitchFamily="2" charset="2"/>
+              <a:buChar char=""/>
+              <a:tabLst/>
+              <a:defRPr sz="1400" kern="1200" spc="0" baseline="0">
+                <a:gradFill>
+                  <a:gsLst>
+                    <a:gs pos="1250">
+                      <a:schemeClr val="tx1"/>
+                    </a:gs>
+                    <a:gs pos="100000">
+                      <a:schemeClr val="tx1"/>
+                    </a:gs>
+                  </a:gsLst>
+                  <a:lin ang="5400000" scaled="0"/>
+                </a:gradFill>
+                <a:latin typeface="+mn-lt"/>
+                <a:ea typeface="+mn-ea"/>
+                <a:cs typeface="+mn-cs"/>
+              </a:defRPr>
+            </a:lvl4pPr>
+            <a:lvl5pPr marL="1023938" marR="0" indent="-168275" algn="l" defTabSz="932742" rtl="0" eaLnBrk="1" fontAlgn="auto" latinLnBrk="0" hangingPunct="1">
+              <a:lnSpc>
+                <a:spcPct val="100000"/>
+              </a:lnSpc>
+              <a:spcBef>
+                <a:spcPct val="20000"/>
+              </a:spcBef>
+              <a:spcAft>
+                <a:spcPts val="0"/>
+              </a:spcAft>
+              <a:buClrTx/>
+              <a:buSzPct val="90000"/>
+              <a:buFont typeface="Wingdings" panose="05000000000000000000" pitchFamily="2" charset="2"/>
+              <a:buChar char=""/>
+              <a:tabLst/>
+              <a:defRPr sz="1400" kern="1200" spc="0" baseline="0">
+                <a:gradFill>
+                  <a:gsLst>
+                    <a:gs pos="1250">
+                      <a:schemeClr val="tx1"/>
+                    </a:gs>
+                    <a:gs pos="100000">
+                      <a:schemeClr val="tx1"/>
+                    </a:gs>
+                  </a:gsLst>
+                  <a:lin ang="5400000" scaled="0"/>
+                </a:gradFill>
+                <a:latin typeface="+mn-lt"/>
+                <a:ea typeface="+mn-ea"/>
+                <a:cs typeface="+mn-cs"/>
+              </a:defRPr>
+            </a:lvl5pPr>
+            <a:lvl6pPr marL="2565040" indent="-233186" algn="l" defTabSz="932742" rtl="0" eaLnBrk="1" latinLnBrk="0" hangingPunct="1">
+              <a:spcBef>
+                <a:spcPct val="20000"/>
+              </a:spcBef>
+              <a:buFont typeface="Arial" pitchFamily="34" charset="0"/>
+              <a:buChar char="•"/>
+              <a:defRPr sz="2000" kern="1200">
+                <a:solidFill>
+                  <a:schemeClr val="tx1"/>
+                </a:solidFill>
+                <a:latin typeface="+mn-lt"/>
+                <a:ea typeface="+mn-ea"/>
+                <a:cs typeface="+mn-cs"/>
+              </a:defRPr>
+            </a:lvl6pPr>
+            <a:lvl7pPr marL="3031412" indent="-233186" algn="l" defTabSz="932742" rtl="0" eaLnBrk="1" latinLnBrk="0" hangingPunct="1">
+              <a:spcBef>
+                <a:spcPct val="20000"/>
+              </a:spcBef>
+              <a:buFont typeface="Arial" pitchFamily="34" charset="0"/>
+              <a:buChar char="•"/>
+              <a:defRPr sz="2000" kern="1200">
+                <a:solidFill>
+                  <a:schemeClr val="tx1"/>
+                </a:solidFill>
+                <a:latin typeface="+mn-lt"/>
+                <a:ea typeface="+mn-ea"/>
+                <a:cs typeface="+mn-cs"/>
+              </a:defRPr>
+            </a:lvl7pPr>
+            <a:lvl8pPr marL="3497783" indent="-233186" algn="l" defTabSz="932742" rtl="0" eaLnBrk="1" latinLnBrk="0" hangingPunct="1">
+              <a:spcBef>
+                <a:spcPct val="20000"/>
+              </a:spcBef>
+              <a:buFont typeface="Arial" pitchFamily="34" charset="0"/>
+              <a:buChar char="•"/>
+              <a:defRPr sz="2000" kern="1200">
+                <a:solidFill>
+                  <a:schemeClr val="tx1"/>
+                </a:solidFill>
+                <a:latin typeface="+mn-lt"/>
+                <a:ea typeface="+mn-ea"/>
+                <a:cs typeface="+mn-cs"/>
+              </a:defRPr>
+            </a:lvl8pPr>
+            <a:lvl9pPr marL="3964155" indent="-233186" algn="l" defTabSz="932742" rtl="0" eaLnBrk="1" latinLnBrk="0" hangingPunct="1">
+              <a:spcBef>
+                <a:spcPct val="20000"/>
+              </a:spcBef>
+              <a:buFont typeface="Arial" pitchFamily="34" charset="0"/>
+              <a:buChar char="•"/>
+              <a:defRPr sz="2000" kern="1200">
+                <a:solidFill>
+                  <a:schemeClr val="tx1"/>
+                </a:solidFill>
+                <a:latin typeface="+mn-lt"/>
+                <a:ea typeface="+mn-ea"/>
+                <a:cs typeface="+mn-cs"/>
+              </a:defRPr>
+            </a:lvl9pPr>
+          </a:lstStyle>
+          <a:p>
+            <a:pPr marL="0" indent="0">
+              <a:buNone/>
+            </a:pPr>
+            <a:r>
+              <a:rPr lang="en-US" sz="1800" dirty="0">
+                <a:latin typeface="Cascadia Code" panose="020B0509020204030204" pitchFamily="49" charset="0"/>
               </a:rPr>
-              <a:t>MSUSDev@Microsoft.com</a:t>
-            </a:r>
-            <a:endParaRPr lang="en-US" sz="2400" dirty="0"/>
-          </a:p>
-          <a:p>
-            <a:endParaRPr lang="en-US" sz="2400" dirty="0"/>
-          </a:p>
-          <a:p>
-            <a:r>
-              <a:rPr lang="en-US" sz="2400" dirty="0"/>
-              <a:t>For the presentations and sample code</a:t>
-            </a:r>
-          </a:p>
-          <a:p>
-            <a:r>
-              <a:rPr lang="en-US" sz="2400" dirty="0">
-                <a:hlinkClick r:id="rId3"/>
+              <a:t>trigger:</a:t>
+            </a:r>
+          </a:p>
+          <a:p>
+            <a:pPr marL="0" indent="0">
+              <a:buNone/>
+            </a:pPr>
+            <a:r>
+              <a:rPr lang="en-US" sz="1800" dirty="0">
+                <a:latin typeface="Cascadia Code" panose="020B0509020204030204" pitchFamily="49" charset="0"/>
               </a:rPr>
-              <a:t>https://github.com/MSUSDEV/Azure-pipelines-with-GitHub</a:t>
-            </a:r>
-            <a:endParaRPr lang="en-US" sz="2400" dirty="0"/>
+              <a:t>  branches:</a:t>
+            </a:r>
+          </a:p>
+          <a:p>
+            <a:pPr marL="0" indent="0">
+              <a:buNone/>
+            </a:pPr>
+            <a:r>
+              <a:rPr lang="en-US" sz="1800" dirty="0">
+                <a:latin typeface="Cascadia Code" panose="020B0509020204030204" pitchFamily="49" charset="0"/>
+              </a:rPr>
+              <a:t>    include:</a:t>
+            </a:r>
+          </a:p>
+          <a:p>
+            <a:pPr marL="0" indent="0">
+              <a:buNone/>
+            </a:pPr>
+            <a:r>
+              <a:rPr lang="en-US" sz="1800" dirty="0">
+                <a:latin typeface="Cascadia Code" panose="020B0509020204030204" pitchFamily="49" charset="0"/>
+              </a:rPr>
+              <a:t>    - master</a:t>
+            </a:r>
+          </a:p>
+          <a:p>
+            <a:pPr marL="0" indent="0">
+              <a:buNone/>
+            </a:pPr>
+            <a:r>
+              <a:rPr lang="en-US" sz="1800" dirty="0">
+                <a:latin typeface="Cascadia Code" panose="020B0509020204030204" pitchFamily="49" charset="0"/>
+              </a:rPr>
+              <a:t>    - </a:t>
+            </a:r>
+            <a:r>
+              <a:rPr lang="en-US" sz="1800" dirty="0" err="1">
+                <a:latin typeface="Cascadia Code" panose="020B0509020204030204" pitchFamily="49" charset="0"/>
+              </a:rPr>
+              <a:t>some_other_branch</a:t>
+            </a:r>
+            <a:endParaRPr lang="en-US" sz="1800" dirty="0">
+              <a:latin typeface="Cascadia Code" panose="020B0509020204030204" pitchFamily="49" charset="0"/>
+            </a:endParaRPr>
+          </a:p>
+          <a:p>
+            <a:pPr marL="0" indent="0">
+              <a:buNone/>
+            </a:pPr>
+            <a:r>
+              <a:rPr lang="en-US" sz="1800" dirty="0">
+                <a:latin typeface="Cascadia Code" panose="020B0509020204030204" pitchFamily="49" charset="0"/>
+              </a:rPr>
+              <a:t>    exclude:</a:t>
+            </a:r>
+          </a:p>
+          <a:p>
+            <a:pPr marL="0" indent="0">
+              <a:buNone/>
+            </a:pPr>
+            <a:r>
+              <a:rPr lang="en-US" sz="1800" dirty="0">
+                <a:latin typeface="Cascadia Code" panose="020B0509020204030204" pitchFamily="49" charset="0"/>
+              </a:rPr>
+              <a:t>    - </a:t>
+            </a:r>
+            <a:r>
+              <a:rPr lang="en-US" sz="1800" dirty="0" err="1">
+                <a:latin typeface="Cascadia Code" panose="020B0509020204030204" pitchFamily="49" charset="0"/>
+              </a:rPr>
+              <a:t>poor_branch</a:t>
+            </a:r>
+            <a:endParaRPr lang="en-US" sz="1800" dirty="0">
+              <a:latin typeface="Cascadia Code" panose="020B0509020204030204" pitchFamily="49" charset="0"/>
+            </a:endParaRPr>
+          </a:p>
+          <a:p>
+            <a:pPr marL="0" indent="0">
+              <a:buNone/>
+            </a:pPr>
+            <a:r>
+              <a:rPr lang="en-US" sz="1800" dirty="0">
+                <a:latin typeface="Cascadia Code" panose="020B0509020204030204" pitchFamily="49" charset="0"/>
+              </a:rPr>
+              <a:t>  paths:</a:t>
+            </a:r>
+          </a:p>
+          <a:p>
+            <a:pPr marL="0" indent="0">
+              <a:buNone/>
+            </a:pPr>
+            <a:r>
+              <a:rPr lang="en-US" sz="1800" dirty="0">
+                <a:latin typeface="Cascadia Code" panose="020B0509020204030204" pitchFamily="49" charset="0"/>
+              </a:rPr>
+              <a:t>    include:</a:t>
+            </a:r>
+          </a:p>
+          <a:p>
+            <a:pPr marL="0" indent="0">
+              <a:buNone/>
+            </a:pPr>
+            <a:r>
+              <a:rPr lang="en-US" sz="1800" dirty="0">
+                <a:latin typeface="Cascadia Code" panose="020B0509020204030204" pitchFamily="49" charset="0"/>
+              </a:rPr>
+              <a:t>    - </a:t>
+            </a:r>
+            <a:r>
+              <a:rPr lang="en-US" sz="1800" dirty="0" err="1">
+                <a:latin typeface="Cascadia Code" panose="020B0509020204030204" pitchFamily="49" charset="0"/>
+              </a:rPr>
+              <a:t>src</a:t>
+            </a:r>
+            <a:r>
+              <a:rPr lang="en-US" sz="1800" dirty="0">
+                <a:latin typeface="Cascadia Code" panose="020B0509020204030204" pitchFamily="49" charset="0"/>
+              </a:rPr>
+              <a:t>/*</a:t>
+            </a:r>
+          </a:p>
+          <a:p>
+            <a:pPr marL="0" indent="0">
+              <a:buNone/>
+            </a:pPr>
+            <a:r>
+              <a:rPr lang="en-US" sz="1800" dirty="0">
+                <a:latin typeface="Cascadia Code" panose="020B0509020204030204" pitchFamily="49" charset="0"/>
+              </a:rPr>
+              <a:t>    exclude:</a:t>
+            </a:r>
+          </a:p>
+          <a:p>
+            <a:pPr marL="0" indent="0">
+              <a:buNone/>
+            </a:pPr>
+            <a:r>
+              <a:rPr lang="en-US" sz="1800" dirty="0">
+                <a:latin typeface="Cascadia Code" panose="020B0509020204030204" pitchFamily="49" charset="0"/>
+              </a:rPr>
+              <a:t>    - readme.me</a:t>
+            </a:r>
           </a:p>
         </p:txBody>
       </p:sp>
     </p:spTree>
     <p:extLst>
       <p:ext uri="{BB962C8B-B14F-4D97-AF65-F5344CB8AC3E}">
-        <p14:creationId xmlns:p14="http://schemas.microsoft.com/office/powerpoint/2010/main" val="706823756"/>
+        <p14:creationId xmlns:p14="http://schemas.microsoft.com/office/powerpoint/2010/main" val="1751831000"/>
       </p:ext>
     </p:extLst>
   </p:cSld>
   <p:clrMapOvr>
     <a:masterClrMapping/>
   </p:clrMapOvr>
-  <p:transition>
-    <p:fade/>
-  </p:transition>
+  <mc:AlternateContent xmlns:mc="http://schemas.openxmlformats.org/markup-compatibility/2006">
+    <mc:Choice xmlns:p159="http://schemas.microsoft.com/office/powerpoint/2015/09/main" Requires="p159">
+      <p:transition xmlns:p14="http://schemas.microsoft.com/office/powerpoint/2010/main" spd="slow" p14:dur="1250">
+        <p159:morph option="byWord"/>
+      </p:transition>
+    </mc:Choice>
+    <mc:Fallback>
+      <p:transition spd="slow">
+        <p:fade/>
+      </p:transition>
+    </mc:Fallback>
+  </mc:AlternateContent>
+</p:sld>
+</file>
+
+<file path=ppt/slides/slide18.xml><?xml version="1.0" encoding="utf-8"?>
+<p:sld xmlns:a="http://schemas.openxmlformats.org/drawingml/2006/main" xmlns:r="http://schemas.openxmlformats.org/officeDocument/2006/relationships" xmlns:p="http://schemas.openxmlformats.org/presentationml/2006/main">
+  <p:cSld>
+    <p:spTree>
+      <p:nvGrpSpPr>
+        <p:cNvPr id="1" name=""/>
+        <p:cNvGrpSpPr/>
+        <p:nvPr/>
+      </p:nvGrpSpPr>
+      <p:grpSpPr>
+        <a:xfrm>
+          <a:off x="0" y="0"/>
+          <a:ext cx="0" cy="0"/>
+          <a:chOff x="0" y="0"/>
+          <a:chExt cx="0" cy="0"/>
+        </a:xfrm>
+      </p:grpSpPr>
+      <p:sp>
+        <p:nvSpPr>
+          <p:cNvPr id="2" name="Title 1">
+            <a:extLst>
+              <a:ext uri="{FF2B5EF4-FFF2-40B4-BE49-F238E27FC236}">
+                <a16:creationId xmlns:a16="http://schemas.microsoft.com/office/drawing/2014/main" id="{B8BCB36E-3E64-4ED6-B7EA-9223E67A42B8}"/>
+              </a:ext>
+            </a:extLst>
+          </p:cNvPr>
+          <p:cNvSpPr>
+            <a:spLocks noGrp="1"/>
+          </p:cNvSpPr>
+          <p:nvPr>
+            <p:ph type="title"/>
+          </p:nvPr>
+        </p:nvSpPr>
+        <p:spPr/>
+        <p:txBody>
+          <a:bodyPr/>
+          <a:lstStyle/>
+          <a:p>
+            <a:r>
+              <a:rPr lang="en-US" dirty="0"/>
+              <a:t>PR filter</a:t>
+            </a:r>
+          </a:p>
+        </p:txBody>
+      </p:sp>
+      <p:sp>
+        <p:nvSpPr>
+          <p:cNvPr id="10" name="Content Placeholder 2">
+            <a:extLst>
+              <a:ext uri="{FF2B5EF4-FFF2-40B4-BE49-F238E27FC236}">
+                <a16:creationId xmlns:a16="http://schemas.microsoft.com/office/drawing/2014/main" id="{DDDDECAB-9450-40D7-AAEE-86FEED8A2B32}"/>
+              </a:ext>
+            </a:extLst>
+          </p:cNvPr>
+          <p:cNvSpPr txBox="1">
+            <a:spLocks/>
+          </p:cNvSpPr>
+          <p:nvPr/>
+        </p:nvSpPr>
+        <p:spPr>
+          <a:xfrm>
+            <a:off x="838200" y="1825624"/>
+            <a:ext cx="10515600" cy="4575175"/>
+          </a:xfrm>
+          <a:prstGeom prst="rect">
+            <a:avLst/>
+          </a:prstGeom>
+        </p:spPr>
+        <p:txBody>
+          <a:bodyPr vert="horz" wrap="square" lIns="0" tIns="0" rIns="0" bIns="0" rtlCol="0" anchor="t">
+            <a:normAutofit/>
+          </a:bodyPr>
+          <a:lstStyle>
+            <a:lvl1pPr marL="228600" marR="0" indent="-228600" algn="l" defTabSz="932742" rtl="0" eaLnBrk="1" fontAlgn="auto" latinLnBrk="0" hangingPunct="1">
+              <a:lnSpc>
+                <a:spcPct val="100000"/>
+              </a:lnSpc>
+              <a:spcBef>
+                <a:spcPct val="20000"/>
+              </a:spcBef>
+              <a:spcAft>
+                <a:spcPts val="0"/>
+              </a:spcAft>
+              <a:buClrTx/>
+              <a:buSzPct val="90000"/>
+              <a:buFont typeface="Wingdings" panose="05000000000000000000" pitchFamily="2" charset="2"/>
+              <a:buChar char=""/>
+              <a:tabLst/>
+              <a:defRPr sz="2800" kern="1200" spc="0" baseline="0">
+                <a:gradFill>
+                  <a:gsLst>
+                    <a:gs pos="1250">
+                      <a:schemeClr val="tx1"/>
+                    </a:gs>
+                    <a:gs pos="100000">
+                      <a:schemeClr val="tx1"/>
+                    </a:gs>
+                  </a:gsLst>
+                  <a:lin ang="5400000" scaled="0"/>
+                </a:gradFill>
+                <a:latin typeface="Segoe UI Semilight" panose="020B0402040204020203" pitchFamily="34" charset="0"/>
+                <a:ea typeface="+mn-ea"/>
+                <a:cs typeface="Segoe UI Semilight" panose="020B0402040204020203" pitchFamily="34" charset="0"/>
+              </a:defRPr>
+            </a:lvl1pPr>
+            <a:lvl2pPr marL="457200" marR="0" indent="-228600" algn="l" defTabSz="932742" rtl="0" eaLnBrk="1" fontAlgn="auto" latinLnBrk="0" hangingPunct="1">
+              <a:lnSpc>
+                <a:spcPct val="100000"/>
+              </a:lnSpc>
+              <a:spcBef>
+                <a:spcPct val="20000"/>
+              </a:spcBef>
+              <a:spcAft>
+                <a:spcPts val="0"/>
+              </a:spcAft>
+              <a:buClrTx/>
+              <a:buSzPct val="90000"/>
+              <a:buFont typeface="Wingdings" panose="05000000000000000000" pitchFamily="2" charset="2"/>
+              <a:buChar char=""/>
+              <a:tabLst/>
+              <a:defRPr sz="2000" kern="1200" spc="0" baseline="0">
+                <a:gradFill>
+                  <a:gsLst>
+                    <a:gs pos="1250">
+                      <a:schemeClr val="tx1"/>
+                    </a:gs>
+                    <a:gs pos="100000">
+                      <a:schemeClr val="tx1"/>
+                    </a:gs>
+                  </a:gsLst>
+                  <a:lin ang="5400000" scaled="0"/>
+                </a:gradFill>
+                <a:latin typeface="+mn-lt"/>
+                <a:ea typeface="+mn-ea"/>
+                <a:cs typeface="+mn-cs"/>
+              </a:defRPr>
+            </a:lvl2pPr>
+            <a:lvl3pPr marL="657225" marR="0" indent="-200025" algn="l" defTabSz="932742" rtl="0" eaLnBrk="1" fontAlgn="auto" latinLnBrk="0" hangingPunct="1">
+              <a:lnSpc>
+                <a:spcPct val="100000"/>
+              </a:lnSpc>
+              <a:spcBef>
+                <a:spcPct val="20000"/>
+              </a:spcBef>
+              <a:spcAft>
+                <a:spcPts val="0"/>
+              </a:spcAft>
+              <a:buClrTx/>
+              <a:buSzPct val="90000"/>
+              <a:buFont typeface="Wingdings" panose="05000000000000000000" pitchFamily="2" charset="2"/>
+              <a:buChar char=""/>
+              <a:tabLst/>
+              <a:defRPr sz="1600" kern="1200" spc="0" baseline="0">
+                <a:gradFill>
+                  <a:gsLst>
+                    <a:gs pos="1250">
+                      <a:schemeClr val="tx1"/>
+                    </a:gs>
+                    <a:gs pos="100000">
+                      <a:schemeClr val="tx1"/>
+                    </a:gs>
+                  </a:gsLst>
+                  <a:lin ang="5400000" scaled="0"/>
+                </a:gradFill>
+                <a:latin typeface="+mn-lt"/>
+                <a:ea typeface="+mn-ea"/>
+                <a:cs typeface="+mn-cs"/>
+              </a:defRPr>
+            </a:lvl3pPr>
+            <a:lvl4pPr marL="842963" marR="0" indent="-180975" algn="l" defTabSz="932742" rtl="0" eaLnBrk="1" fontAlgn="auto" latinLnBrk="0" hangingPunct="1">
+              <a:lnSpc>
+                <a:spcPct val="100000"/>
+              </a:lnSpc>
+              <a:spcBef>
+                <a:spcPct val="20000"/>
+              </a:spcBef>
+              <a:spcAft>
+                <a:spcPts val="0"/>
+              </a:spcAft>
+              <a:buClrTx/>
+              <a:buSzPct val="90000"/>
+              <a:buFont typeface="Wingdings" panose="05000000000000000000" pitchFamily="2" charset="2"/>
+              <a:buChar char=""/>
+              <a:tabLst/>
+              <a:defRPr sz="1400" kern="1200" spc="0" baseline="0">
+                <a:gradFill>
+                  <a:gsLst>
+                    <a:gs pos="1250">
+                      <a:schemeClr val="tx1"/>
+                    </a:gs>
+                    <a:gs pos="100000">
+                      <a:schemeClr val="tx1"/>
+                    </a:gs>
+                  </a:gsLst>
+                  <a:lin ang="5400000" scaled="0"/>
+                </a:gradFill>
+                <a:latin typeface="+mn-lt"/>
+                <a:ea typeface="+mn-ea"/>
+                <a:cs typeface="+mn-cs"/>
+              </a:defRPr>
+            </a:lvl4pPr>
+            <a:lvl5pPr marL="1023938" marR="0" indent="-168275" algn="l" defTabSz="932742" rtl="0" eaLnBrk="1" fontAlgn="auto" latinLnBrk="0" hangingPunct="1">
+              <a:lnSpc>
+                <a:spcPct val="100000"/>
+              </a:lnSpc>
+              <a:spcBef>
+                <a:spcPct val="20000"/>
+              </a:spcBef>
+              <a:spcAft>
+                <a:spcPts val="0"/>
+              </a:spcAft>
+              <a:buClrTx/>
+              <a:buSzPct val="90000"/>
+              <a:buFont typeface="Wingdings" panose="05000000000000000000" pitchFamily="2" charset="2"/>
+              <a:buChar char=""/>
+              <a:tabLst/>
+              <a:defRPr sz="1400" kern="1200" spc="0" baseline="0">
+                <a:gradFill>
+                  <a:gsLst>
+                    <a:gs pos="1250">
+                      <a:schemeClr val="tx1"/>
+                    </a:gs>
+                    <a:gs pos="100000">
+                      <a:schemeClr val="tx1"/>
+                    </a:gs>
+                  </a:gsLst>
+                  <a:lin ang="5400000" scaled="0"/>
+                </a:gradFill>
+                <a:latin typeface="+mn-lt"/>
+                <a:ea typeface="+mn-ea"/>
+                <a:cs typeface="+mn-cs"/>
+              </a:defRPr>
+            </a:lvl5pPr>
+            <a:lvl6pPr marL="2565040" indent="-233186" algn="l" defTabSz="932742" rtl="0" eaLnBrk="1" latinLnBrk="0" hangingPunct="1">
+              <a:spcBef>
+                <a:spcPct val="20000"/>
+              </a:spcBef>
+              <a:buFont typeface="Arial" pitchFamily="34" charset="0"/>
+              <a:buChar char="•"/>
+              <a:defRPr sz="2000" kern="1200">
+                <a:solidFill>
+                  <a:schemeClr val="tx1"/>
+                </a:solidFill>
+                <a:latin typeface="+mn-lt"/>
+                <a:ea typeface="+mn-ea"/>
+                <a:cs typeface="+mn-cs"/>
+              </a:defRPr>
+            </a:lvl6pPr>
+            <a:lvl7pPr marL="3031412" indent="-233186" algn="l" defTabSz="932742" rtl="0" eaLnBrk="1" latinLnBrk="0" hangingPunct="1">
+              <a:spcBef>
+                <a:spcPct val="20000"/>
+              </a:spcBef>
+              <a:buFont typeface="Arial" pitchFamily="34" charset="0"/>
+              <a:buChar char="•"/>
+              <a:defRPr sz="2000" kern="1200">
+                <a:solidFill>
+                  <a:schemeClr val="tx1"/>
+                </a:solidFill>
+                <a:latin typeface="+mn-lt"/>
+                <a:ea typeface="+mn-ea"/>
+                <a:cs typeface="+mn-cs"/>
+              </a:defRPr>
+            </a:lvl7pPr>
+            <a:lvl8pPr marL="3497783" indent="-233186" algn="l" defTabSz="932742" rtl="0" eaLnBrk="1" latinLnBrk="0" hangingPunct="1">
+              <a:spcBef>
+                <a:spcPct val="20000"/>
+              </a:spcBef>
+              <a:buFont typeface="Arial" pitchFamily="34" charset="0"/>
+              <a:buChar char="•"/>
+              <a:defRPr sz="2000" kern="1200">
+                <a:solidFill>
+                  <a:schemeClr val="tx1"/>
+                </a:solidFill>
+                <a:latin typeface="+mn-lt"/>
+                <a:ea typeface="+mn-ea"/>
+                <a:cs typeface="+mn-cs"/>
+              </a:defRPr>
+            </a:lvl8pPr>
+            <a:lvl9pPr marL="3964155" indent="-233186" algn="l" defTabSz="932742" rtl="0" eaLnBrk="1" latinLnBrk="0" hangingPunct="1">
+              <a:spcBef>
+                <a:spcPct val="20000"/>
+              </a:spcBef>
+              <a:buFont typeface="Arial" pitchFamily="34" charset="0"/>
+              <a:buChar char="•"/>
+              <a:defRPr sz="2000" kern="1200">
+                <a:solidFill>
+                  <a:schemeClr val="tx1"/>
+                </a:solidFill>
+                <a:latin typeface="+mn-lt"/>
+                <a:ea typeface="+mn-ea"/>
+                <a:cs typeface="+mn-cs"/>
+              </a:defRPr>
+            </a:lvl9pPr>
+          </a:lstStyle>
+          <a:p>
+            <a:pPr marL="0" indent="0">
+              <a:buNone/>
+            </a:pPr>
+            <a:r>
+              <a:rPr lang="en-US" sz="1800" dirty="0" err="1">
+                <a:latin typeface="Cascadia Code" panose="020B0509020204030204" pitchFamily="49" charset="0"/>
+              </a:rPr>
+              <a:t>pr</a:t>
+            </a:r>
+            <a:r>
+              <a:rPr lang="en-US" sz="1800" dirty="0">
+                <a:latin typeface="Cascadia Code" panose="020B0509020204030204" pitchFamily="49" charset="0"/>
+              </a:rPr>
+              <a:t>:</a:t>
+            </a:r>
+          </a:p>
+          <a:p>
+            <a:pPr>
+              <a:buFontTx/>
+              <a:buChar char="-"/>
+            </a:pPr>
+            <a:r>
+              <a:rPr lang="en-US" sz="1800" dirty="0">
+                <a:latin typeface="Cascadia Code" panose="020B0509020204030204" pitchFamily="49" charset="0"/>
+              </a:rPr>
+              <a:t>master</a:t>
+            </a:r>
+          </a:p>
+          <a:p>
+            <a:pPr>
+              <a:buFontTx/>
+              <a:buChar char="-"/>
+            </a:pPr>
+            <a:r>
+              <a:rPr lang="en-US" sz="1800" dirty="0" err="1">
+                <a:latin typeface="Cascadia Code" panose="020B0509020204030204" pitchFamily="49" charset="0"/>
+              </a:rPr>
+              <a:t>some_other_branch</a:t>
+            </a:r>
+            <a:endParaRPr lang="en-US" sz="1800" dirty="0">
+              <a:latin typeface="Cascadia Code" panose="020B0509020204030204" pitchFamily="49" charset="0"/>
+            </a:endParaRPr>
+          </a:p>
+        </p:txBody>
+      </p:sp>
+      <p:pic>
+        <p:nvPicPr>
+          <p:cNvPr id="4" name="Graphic 3">
+            <a:extLst>
+              <a:ext uri="{FF2B5EF4-FFF2-40B4-BE49-F238E27FC236}">
+                <a16:creationId xmlns:a16="http://schemas.microsoft.com/office/drawing/2014/main" id="{AA28F7FD-6B06-40F3-9E0A-91E4D6CCDFF1}"/>
+              </a:ext>
+            </a:extLst>
+          </p:cNvPr>
+          <p:cNvPicPr>
+            <a:picLocks noChangeAspect="1"/>
+          </p:cNvPicPr>
+          <p:nvPr/>
+        </p:nvPicPr>
+        <p:blipFill>
+          <a:blip r:embed="rId2">
+            <a:extLst>
+              <a:ext uri="{96DAC541-7B7A-43D3-8B79-37D633B846F1}">
+                <asvg:svgBlip xmlns:asvg="http://schemas.microsoft.com/office/drawing/2016/SVG/main" r:embed="rId3"/>
+              </a:ext>
+            </a:extLst>
+          </a:blip>
+          <a:stretch>
+            <a:fillRect/>
+          </a:stretch>
+        </p:blipFill>
+        <p:spPr>
+          <a:xfrm>
+            <a:off x="10572445" y="556381"/>
+            <a:ext cx="781355" cy="761983"/>
+          </a:xfrm>
+          <a:prstGeom prst="rect">
+            <a:avLst/>
+          </a:prstGeom>
+        </p:spPr>
+      </p:pic>
+    </p:spTree>
+    <p:extLst>
+      <p:ext uri="{BB962C8B-B14F-4D97-AF65-F5344CB8AC3E}">
+        <p14:creationId xmlns:p14="http://schemas.microsoft.com/office/powerpoint/2010/main" val="3956224771"/>
+      </p:ext>
+    </p:extLst>
+  </p:cSld>
+  <p:clrMapOvr>
+    <a:masterClrMapping/>
+  </p:clrMapOvr>
+  <mc:AlternateContent xmlns:mc="http://schemas.openxmlformats.org/markup-compatibility/2006">
+    <mc:Choice xmlns:p14="http://schemas.microsoft.com/office/powerpoint/2010/main" Requires="p14">
+      <p:transition spd="med" p14:dur="700">
+        <p:fade/>
+      </p:transition>
+    </mc:Choice>
+    <mc:Fallback>
+      <p:transition spd="med">
+        <p:fade/>
+      </p:transition>
+    </mc:Fallback>
+  </mc:AlternateContent>
+</p:sld>
+</file>
+
+<file path=ppt/slides/slide19.xml><?xml version="1.0" encoding="utf-8"?>
+<p:sld xmlns:a="http://schemas.openxmlformats.org/drawingml/2006/main" xmlns:r="http://schemas.openxmlformats.org/officeDocument/2006/relationships" xmlns:p="http://schemas.openxmlformats.org/presentationml/2006/main">
+  <p:cSld>
+    <p:spTree>
+      <p:nvGrpSpPr>
+        <p:cNvPr id="1" name=""/>
+        <p:cNvGrpSpPr/>
+        <p:nvPr/>
+      </p:nvGrpSpPr>
+      <p:grpSpPr>
+        <a:xfrm>
+          <a:off x="0" y="0"/>
+          <a:ext cx="0" cy="0"/>
+          <a:chOff x="0" y="0"/>
+          <a:chExt cx="0" cy="0"/>
+        </a:xfrm>
+      </p:grpSpPr>
+      <p:sp>
+        <p:nvSpPr>
+          <p:cNvPr id="2" name="Title 1">
+            <a:extLst>
+              <a:ext uri="{FF2B5EF4-FFF2-40B4-BE49-F238E27FC236}">
+                <a16:creationId xmlns:a16="http://schemas.microsoft.com/office/drawing/2014/main" id="{B8BCB36E-3E64-4ED6-B7EA-9223E67A42B8}"/>
+              </a:ext>
+            </a:extLst>
+          </p:cNvPr>
+          <p:cNvSpPr>
+            <a:spLocks noGrp="1"/>
+          </p:cNvSpPr>
+          <p:nvPr>
+            <p:ph type="title"/>
+          </p:nvPr>
+        </p:nvSpPr>
+        <p:spPr/>
+        <p:txBody>
+          <a:bodyPr/>
+          <a:lstStyle/>
+          <a:p>
+            <a:r>
+              <a:rPr lang="en-US" dirty="0"/>
+              <a:t>PR filter (and more…)</a:t>
+            </a:r>
+          </a:p>
+        </p:txBody>
+      </p:sp>
+      <p:sp>
+        <p:nvSpPr>
+          <p:cNvPr id="10" name="Content Placeholder 2">
+            <a:extLst>
+              <a:ext uri="{FF2B5EF4-FFF2-40B4-BE49-F238E27FC236}">
+                <a16:creationId xmlns:a16="http://schemas.microsoft.com/office/drawing/2014/main" id="{DDDDECAB-9450-40D7-AAEE-86FEED8A2B32}"/>
+              </a:ext>
+            </a:extLst>
+          </p:cNvPr>
+          <p:cNvSpPr txBox="1">
+            <a:spLocks/>
+          </p:cNvSpPr>
+          <p:nvPr/>
+        </p:nvSpPr>
+        <p:spPr>
+          <a:xfrm>
+            <a:off x="838200" y="1825624"/>
+            <a:ext cx="10515600" cy="4575175"/>
+          </a:xfrm>
+          <a:prstGeom prst="rect">
+            <a:avLst/>
+          </a:prstGeom>
+        </p:spPr>
+        <p:txBody>
+          <a:bodyPr vert="horz" wrap="square" lIns="0" tIns="0" rIns="0" bIns="0" rtlCol="0" anchor="t">
+            <a:normAutofit/>
+          </a:bodyPr>
+          <a:lstStyle>
+            <a:lvl1pPr marL="228600" marR="0" indent="-228600" algn="l" defTabSz="932742" rtl="0" eaLnBrk="1" fontAlgn="auto" latinLnBrk="0" hangingPunct="1">
+              <a:lnSpc>
+                <a:spcPct val="100000"/>
+              </a:lnSpc>
+              <a:spcBef>
+                <a:spcPct val="20000"/>
+              </a:spcBef>
+              <a:spcAft>
+                <a:spcPts val="0"/>
+              </a:spcAft>
+              <a:buClrTx/>
+              <a:buSzPct val="90000"/>
+              <a:buFont typeface="Wingdings" panose="05000000000000000000" pitchFamily="2" charset="2"/>
+              <a:buChar char=""/>
+              <a:tabLst/>
+              <a:defRPr sz="2800" kern="1200" spc="0" baseline="0">
+                <a:gradFill>
+                  <a:gsLst>
+                    <a:gs pos="1250">
+                      <a:schemeClr val="tx1"/>
+                    </a:gs>
+                    <a:gs pos="100000">
+                      <a:schemeClr val="tx1"/>
+                    </a:gs>
+                  </a:gsLst>
+                  <a:lin ang="5400000" scaled="0"/>
+                </a:gradFill>
+                <a:latin typeface="Segoe UI Semilight" panose="020B0402040204020203" pitchFamily="34" charset="0"/>
+                <a:ea typeface="+mn-ea"/>
+                <a:cs typeface="Segoe UI Semilight" panose="020B0402040204020203" pitchFamily="34" charset="0"/>
+              </a:defRPr>
+            </a:lvl1pPr>
+            <a:lvl2pPr marL="457200" marR="0" indent="-228600" algn="l" defTabSz="932742" rtl="0" eaLnBrk="1" fontAlgn="auto" latinLnBrk="0" hangingPunct="1">
+              <a:lnSpc>
+                <a:spcPct val="100000"/>
+              </a:lnSpc>
+              <a:spcBef>
+                <a:spcPct val="20000"/>
+              </a:spcBef>
+              <a:spcAft>
+                <a:spcPts val="0"/>
+              </a:spcAft>
+              <a:buClrTx/>
+              <a:buSzPct val="90000"/>
+              <a:buFont typeface="Wingdings" panose="05000000000000000000" pitchFamily="2" charset="2"/>
+              <a:buChar char=""/>
+              <a:tabLst/>
+              <a:defRPr sz="2000" kern="1200" spc="0" baseline="0">
+                <a:gradFill>
+                  <a:gsLst>
+                    <a:gs pos="1250">
+                      <a:schemeClr val="tx1"/>
+                    </a:gs>
+                    <a:gs pos="100000">
+                      <a:schemeClr val="tx1"/>
+                    </a:gs>
+                  </a:gsLst>
+                  <a:lin ang="5400000" scaled="0"/>
+                </a:gradFill>
+                <a:latin typeface="+mn-lt"/>
+                <a:ea typeface="+mn-ea"/>
+                <a:cs typeface="+mn-cs"/>
+              </a:defRPr>
+            </a:lvl2pPr>
+            <a:lvl3pPr marL="657225" marR="0" indent="-200025" algn="l" defTabSz="932742" rtl="0" eaLnBrk="1" fontAlgn="auto" latinLnBrk="0" hangingPunct="1">
+              <a:lnSpc>
+                <a:spcPct val="100000"/>
+              </a:lnSpc>
+              <a:spcBef>
+                <a:spcPct val="20000"/>
+              </a:spcBef>
+              <a:spcAft>
+                <a:spcPts val="0"/>
+              </a:spcAft>
+              <a:buClrTx/>
+              <a:buSzPct val="90000"/>
+              <a:buFont typeface="Wingdings" panose="05000000000000000000" pitchFamily="2" charset="2"/>
+              <a:buChar char=""/>
+              <a:tabLst/>
+              <a:defRPr sz="1600" kern="1200" spc="0" baseline="0">
+                <a:gradFill>
+                  <a:gsLst>
+                    <a:gs pos="1250">
+                      <a:schemeClr val="tx1"/>
+                    </a:gs>
+                    <a:gs pos="100000">
+                      <a:schemeClr val="tx1"/>
+                    </a:gs>
+                  </a:gsLst>
+                  <a:lin ang="5400000" scaled="0"/>
+                </a:gradFill>
+                <a:latin typeface="+mn-lt"/>
+                <a:ea typeface="+mn-ea"/>
+                <a:cs typeface="+mn-cs"/>
+              </a:defRPr>
+            </a:lvl3pPr>
+            <a:lvl4pPr marL="842963" marR="0" indent="-180975" algn="l" defTabSz="932742" rtl="0" eaLnBrk="1" fontAlgn="auto" latinLnBrk="0" hangingPunct="1">
+              <a:lnSpc>
+                <a:spcPct val="100000"/>
+              </a:lnSpc>
+              <a:spcBef>
+                <a:spcPct val="20000"/>
+              </a:spcBef>
+              <a:spcAft>
+                <a:spcPts val="0"/>
+              </a:spcAft>
+              <a:buClrTx/>
+              <a:buSzPct val="90000"/>
+              <a:buFont typeface="Wingdings" panose="05000000000000000000" pitchFamily="2" charset="2"/>
+              <a:buChar char=""/>
+              <a:tabLst/>
+              <a:defRPr sz="1400" kern="1200" spc="0" baseline="0">
+                <a:gradFill>
+                  <a:gsLst>
+                    <a:gs pos="1250">
+                      <a:schemeClr val="tx1"/>
+                    </a:gs>
+                    <a:gs pos="100000">
+                      <a:schemeClr val="tx1"/>
+                    </a:gs>
+                  </a:gsLst>
+                  <a:lin ang="5400000" scaled="0"/>
+                </a:gradFill>
+                <a:latin typeface="+mn-lt"/>
+                <a:ea typeface="+mn-ea"/>
+                <a:cs typeface="+mn-cs"/>
+              </a:defRPr>
+            </a:lvl4pPr>
+            <a:lvl5pPr marL="1023938" marR="0" indent="-168275" algn="l" defTabSz="932742" rtl="0" eaLnBrk="1" fontAlgn="auto" latinLnBrk="0" hangingPunct="1">
+              <a:lnSpc>
+                <a:spcPct val="100000"/>
+              </a:lnSpc>
+              <a:spcBef>
+                <a:spcPct val="20000"/>
+              </a:spcBef>
+              <a:spcAft>
+                <a:spcPts val="0"/>
+              </a:spcAft>
+              <a:buClrTx/>
+              <a:buSzPct val="90000"/>
+              <a:buFont typeface="Wingdings" panose="05000000000000000000" pitchFamily="2" charset="2"/>
+              <a:buChar char=""/>
+              <a:tabLst/>
+              <a:defRPr sz="1400" kern="1200" spc="0" baseline="0">
+                <a:gradFill>
+                  <a:gsLst>
+                    <a:gs pos="1250">
+                      <a:schemeClr val="tx1"/>
+                    </a:gs>
+                    <a:gs pos="100000">
+                      <a:schemeClr val="tx1"/>
+                    </a:gs>
+                  </a:gsLst>
+                  <a:lin ang="5400000" scaled="0"/>
+                </a:gradFill>
+                <a:latin typeface="+mn-lt"/>
+                <a:ea typeface="+mn-ea"/>
+                <a:cs typeface="+mn-cs"/>
+              </a:defRPr>
+            </a:lvl5pPr>
+            <a:lvl6pPr marL="2565040" indent="-233186" algn="l" defTabSz="932742" rtl="0" eaLnBrk="1" latinLnBrk="0" hangingPunct="1">
+              <a:spcBef>
+                <a:spcPct val="20000"/>
+              </a:spcBef>
+              <a:buFont typeface="Arial" pitchFamily="34" charset="0"/>
+              <a:buChar char="•"/>
+              <a:defRPr sz="2000" kern="1200">
+                <a:solidFill>
+                  <a:schemeClr val="tx1"/>
+                </a:solidFill>
+                <a:latin typeface="+mn-lt"/>
+                <a:ea typeface="+mn-ea"/>
+                <a:cs typeface="+mn-cs"/>
+              </a:defRPr>
+            </a:lvl6pPr>
+            <a:lvl7pPr marL="3031412" indent="-233186" algn="l" defTabSz="932742" rtl="0" eaLnBrk="1" latinLnBrk="0" hangingPunct="1">
+              <a:spcBef>
+                <a:spcPct val="20000"/>
+              </a:spcBef>
+              <a:buFont typeface="Arial" pitchFamily="34" charset="0"/>
+              <a:buChar char="•"/>
+              <a:defRPr sz="2000" kern="1200">
+                <a:solidFill>
+                  <a:schemeClr val="tx1"/>
+                </a:solidFill>
+                <a:latin typeface="+mn-lt"/>
+                <a:ea typeface="+mn-ea"/>
+                <a:cs typeface="+mn-cs"/>
+              </a:defRPr>
+            </a:lvl7pPr>
+            <a:lvl8pPr marL="3497783" indent="-233186" algn="l" defTabSz="932742" rtl="0" eaLnBrk="1" latinLnBrk="0" hangingPunct="1">
+              <a:spcBef>
+                <a:spcPct val="20000"/>
+              </a:spcBef>
+              <a:buFont typeface="Arial" pitchFamily="34" charset="0"/>
+              <a:buChar char="•"/>
+              <a:defRPr sz="2000" kern="1200">
+                <a:solidFill>
+                  <a:schemeClr val="tx1"/>
+                </a:solidFill>
+                <a:latin typeface="+mn-lt"/>
+                <a:ea typeface="+mn-ea"/>
+                <a:cs typeface="+mn-cs"/>
+              </a:defRPr>
+            </a:lvl8pPr>
+            <a:lvl9pPr marL="3964155" indent="-233186" algn="l" defTabSz="932742" rtl="0" eaLnBrk="1" latinLnBrk="0" hangingPunct="1">
+              <a:spcBef>
+                <a:spcPct val="20000"/>
+              </a:spcBef>
+              <a:buFont typeface="Arial" pitchFamily="34" charset="0"/>
+              <a:buChar char="•"/>
+              <a:defRPr sz="2000" kern="1200">
+                <a:solidFill>
+                  <a:schemeClr val="tx1"/>
+                </a:solidFill>
+                <a:latin typeface="+mn-lt"/>
+                <a:ea typeface="+mn-ea"/>
+                <a:cs typeface="+mn-cs"/>
+              </a:defRPr>
+            </a:lvl9pPr>
+          </a:lstStyle>
+          <a:p>
+            <a:pPr marL="0" indent="0">
+              <a:buNone/>
+            </a:pPr>
+            <a:r>
+              <a:rPr lang="en-US" sz="1800" dirty="0" err="1">
+                <a:latin typeface="Cascadia Code" panose="020B0509020204030204" pitchFamily="49" charset="0"/>
+              </a:rPr>
+              <a:t>pr</a:t>
+            </a:r>
+            <a:r>
+              <a:rPr lang="en-US" sz="1800" dirty="0">
+                <a:latin typeface="Cascadia Code" panose="020B0509020204030204" pitchFamily="49" charset="0"/>
+              </a:rPr>
+              <a:t>:</a:t>
+            </a:r>
+          </a:p>
+          <a:p>
+            <a:pPr marL="0" indent="0">
+              <a:buNone/>
+            </a:pPr>
+            <a:r>
+              <a:rPr lang="en-US" sz="1800" dirty="0">
+                <a:latin typeface="Cascadia Code" panose="020B0509020204030204" pitchFamily="49" charset="0"/>
+              </a:rPr>
+              <a:t>  branches:</a:t>
+            </a:r>
+          </a:p>
+          <a:p>
+            <a:pPr marL="0" indent="0">
+              <a:buNone/>
+            </a:pPr>
+            <a:r>
+              <a:rPr lang="en-US" sz="1800" dirty="0">
+                <a:latin typeface="Cascadia Code" panose="020B0509020204030204" pitchFamily="49" charset="0"/>
+              </a:rPr>
+              <a:t>    include:</a:t>
+            </a:r>
+          </a:p>
+          <a:p>
+            <a:pPr marL="0" indent="0">
+              <a:buNone/>
+            </a:pPr>
+            <a:r>
+              <a:rPr lang="en-US" sz="1800" dirty="0">
+                <a:latin typeface="Cascadia Code" panose="020B0509020204030204" pitchFamily="49" charset="0"/>
+              </a:rPr>
+              <a:t>    - master</a:t>
+            </a:r>
+          </a:p>
+          <a:p>
+            <a:pPr marL="0" indent="0">
+              <a:buNone/>
+            </a:pPr>
+            <a:r>
+              <a:rPr lang="en-US" sz="1800" dirty="0">
+                <a:latin typeface="Cascadia Code" panose="020B0509020204030204" pitchFamily="49" charset="0"/>
+              </a:rPr>
+              <a:t>    - </a:t>
+            </a:r>
+            <a:r>
+              <a:rPr lang="en-US" sz="1800" dirty="0" err="1">
+                <a:latin typeface="Cascadia Code" panose="020B0509020204030204" pitchFamily="49" charset="0"/>
+              </a:rPr>
+              <a:t>some_other_branch</a:t>
+            </a:r>
+            <a:endParaRPr lang="en-US" sz="1800" dirty="0">
+              <a:latin typeface="Cascadia Code" panose="020B0509020204030204" pitchFamily="49" charset="0"/>
+            </a:endParaRPr>
+          </a:p>
+          <a:p>
+            <a:pPr marL="0" indent="0">
+              <a:buNone/>
+            </a:pPr>
+            <a:r>
+              <a:rPr lang="en-US" sz="1800" dirty="0">
+                <a:latin typeface="Cascadia Code" panose="020B0509020204030204" pitchFamily="49" charset="0"/>
+              </a:rPr>
+              <a:t>    exclude:</a:t>
+            </a:r>
+          </a:p>
+          <a:p>
+            <a:pPr marL="0" indent="0">
+              <a:buNone/>
+            </a:pPr>
+            <a:r>
+              <a:rPr lang="en-US" sz="1800" dirty="0">
+                <a:latin typeface="Cascadia Code" panose="020B0509020204030204" pitchFamily="49" charset="0"/>
+              </a:rPr>
+              <a:t>    - </a:t>
+            </a:r>
+            <a:r>
+              <a:rPr lang="en-US" sz="1800" dirty="0" err="1">
+                <a:latin typeface="Cascadia Code" panose="020B0509020204030204" pitchFamily="49" charset="0"/>
+              </a:rPr>
+              <a:t>poor_branch</a:t>
+            </a:r>
+            <a:endParaRPr lang="en-US" sz="1800" dirty="0">
+              <a:latin typeface="Cascadia Code" panose="020B0509020204030204" pitchFamily="49" charset="0"/>
+            </a:endParaRPr>
+          </a:p>
+          <a:p>
+            <a:pPr marL="0" indent="0">
+              <a:buNone/>
+            </a:pPr>
+            <a:r>
+              <a:rPr lang="en-US" sz="1800" dirty="0">
+                <a:latin typeface="Cascadia Code" panose="020B0509020204030204" pitchFamily="49" charset="0"/>
+              </a:rPr>
+              <a:t>  paths:</a:t>
+            </a:r>
+          </a:p>
+          <a:p>
+            <a:pPr marL="0" indent="0">
+              <a:buNone/>
+            </a:pPr>
+            <a:r>
+              <a:rPr lang="en-US" sz="1800" dirty="0">
+                <a:latin typeface="Cascadia Code" panose="020B0509020204030204" pitchFamily="49" charset="0"/>
+              </a:rPr>
+              <a:t>    include:</a:t>
+            </a:r>
+          </a:p>
+          <a:p>
+            <a:pPr marL="0" indent="0">
+              <a:buNone/>
+            </a:pPr>
+            <a:r>
+              <a:rPr lang="en-US" sz="1800" dirty="0">
+                <a:latin typeface="Cascadia Code" panose="020B0509020204030204" pitchFamily="49" charset="0"/>
+              </a:rPr>
+              <a:t>    - </a:t>
+            </a:r>
+            <a:r>
+              <a:rPr lang="en-US" sz="1800" dirty="0" err="1">
+                <a:latin typeface="Cascadia Code" panose="020B0509020204030204" pitchFamily="49" charset="0"/>
+              </a:rPr>
+              <a:t>src</a:t>
+            </a:r>
+            <a:r>
+              <a:rPr lang="en-US" sz="1800" dirty="0">
+                <a:latin typeface="Cascadia Code" panose="020B0509020204030204" pitchFamily="49" charset="0"/>
+              </a:rPr>
+              <a:t>/*</a:t>
+            </a:r>
+          </a:p>
+          <a:p>
+            <a:pPr marL="0" indent="0">
+              <a:buNone/>
+            </a:pPr>
+            <a:r>
+              <a:rPr lang="en-US" sz="1800" dirty="0">
+                <a:latin typeface="Cascadia Code" panose="020B0509020204030204" pitchFamily="49" charset="0"/>
+              </a:rPr>
+              <a:t>    exclude:</a:t>
+            </a:r>
+          </a:p>
+          <a:p>
+            <a:pPr marL="0" indent="0">
+              <a:buNone/>
+            </a:pPr>
+            <a:r>
+              <a:rPr lang="en-US" sz="1800" dirty="0">
+                <a:latin typeface="Cascadia Code" panose="020B0509020204030204" pitchFamily="49" charset="0"/>
+              </a:rPr>
+              <a:t>    - readme.me</a:t>
+            </a:r>
+          </a:p>
+        </p:txBody>
+      </p:sp>
+      <p:pic>
+        <p:nvPicPr>
+          <p:cNvPr id="4" name="Graphic 3">
+            <a:extLst>
+              <a:ext uri="{FF2B5EF4-FFF2-40B4-BE49-F238E27FC236}">
+                <a16:creationId xmlns:a16="http://schemas.microsoft.com/office/drawing/2014/main" id="{AA28F7FD-6B06-40F3-9E0A-91E4D6CCDFF1}"/>
+              </a:ext>
+            </a:extLst>
+          </p:cNvPr>
+          <p:cNvPicPr>
+            <a:picLocks noChangeAspect="1"/>
+          </p:cNvPicPr>
+          <p:nvPr/>
+        </p:nvPicPr>
+        <p:blipFill>
+          <a:blip r:embed="rId2">
+            <a:extLst>
+              <a:ext uri="{96DAC541-7B7A-43D3-8B79-37D633B846F1}">
+                <asvg:svgBlip xmlns:asvg="http://schemas.microsoft.com/office/drawing/2016/SVG/main" r:embed="rId3"/>
+              </a:ext>
+            </a:extLst>
+          </a:blip>
+          <a:stretch>
+            <a:fillRect/>
+          </a:stretch>
+        </p:blipFill>
+        <p:spPr>
+          <a:xfrm>
+            <a:off x="10572445" y="556381"/>
+            <a:ext cx="781355" cy="761983"/>
+          </a:xfrm>
+          <a:prstGeom prst="rect">
+            <a:avLst/>
+          </a:prstGeom>
+        </p:spPr>
+      </p:pic>
+    </p:spTree>
+    <p:extLst>
+      <p:ext uri="{BB962C8B-B14F-4D97-AF65-F5344CB8AC3E}">
+        <p14:creationId xmlns:p14="http://schemas.microsoft.com/office/powerpoint/2010/main" val="1958239091"/>
+      </p:ext>
+    </p:extLst>
+  </p:cSld>
+  <p:clrMapOvr>
+    <a:masterClrMapping/>
+  </p:clrMapOvr>
+  <mc:AlternateContent xmlns:mc="http://schemas.openxmlformats.org/markup-compatibility/2006">
+    <mc:Choice xmlns:p159="http://schemas.microsoft.com/office/powerpoint/2015/09/main" Requires="p159">
+      <p:transition xmlns:p14="http://schemas.microsoft.com/office/powerpoint/2010/main" spd="slow" p14:dur="1250">
+        <p159:morph option="byWord"/>
+      </p:transition>
+    </mc:Choice>
+    <mc:Fallback>
+      <p:transition spd="slow">
+        <p:fade/>
+      </p:transition>
+    </mc:Fallback>
+  </mc:AlternateContent>
 </p:sld>
 </file>
 
@@ -18026,6 +20865,3063 @@
   <p:transition>
     <p:fade/>
   </p:transition>
+</p:sld>
+</file>
+
+<file path=ppt/slides/slide20.xml><?xml version="1.0" encoding="utf-8"?>
+<p:sld xmlns:a="http://schemas.openxmlformats.org/drawingml/2006/main" xmlns:r="http://schemas.openxmlformats.org/officeDocument/2006/relationships" xmlns:p="http://schemas.openxmlformats.org/presentationml/2006/main">
+  <p:cSld>
+    <p:spTree>
+      <p:nvGrpSpPr>
+        <p:cNvPr id="1" name=""/>
+        <p:cNvGrpSpPr/>
+        <p:nvPr/>
+      </p:nvGrpSpPr>
+      <p:grpSpPr>
+        <a:xfrm>
+          <a:off x="0" y="0"/>
+          <a:ext cx="0" cy="0"/>
+          <a:chOff x="0" y="0"/>
+          <a:chExt cx="0" cy="0"/>
+        </a:xfrm>
+      </p:grpSpPr>
+      <p:sp>
+        <p:nvSpPr>
+          <p:cNvPr id="3" name="Title 2"/>
+          <p:cNvSpPr>
+            <a:spLocks noGrp="1"/>
+          </p:cNvSpPr>
+          <p:nvPr>
+            <p:ph type="title"/>
+          </p:nvPr>
+        </p:nvSpPr>
+        <p:spPr/>
+        <p:txBody>
+          <a:bodyPr/>
+          <a:lstStyle/>
+          <a:p>
+            <a:r>
+              <a:rPr lang="en-US" dirty="0"/>
+              <a:t>Demo</a:t>
+            </a:r>
+          </a:p>
+        </p:txBody>
+      </p:sp>
+      <p:sp>
+        <p:nvSpPr>
+          <p:cNvPr id="4" name="Text Placeholder 3"/>
+          <p:cNvSpPr>
+            <a:spLocks noGrp="1"/>
+          </p:cNvSpPr>
+          <p:nvPr>
+            <p:ph type="body" sz="quarter" idx="12"/>
+          </p:nvPr>
+        </p:nvSpPr>
+        <p:spPr/>
+        <p:txBody>
+          <a:bodyPr/>
+          <a:lstStyle/>
+          <a:p>
+            <a:r>
+              <a:rPr lang="en-US" dirty="0"/>
+              <a:t>Filtering on branches and files</a:t>
+            </a:r>
+          </a:p>
+        </p:txBody>
+      </p:sp>
+    </p:spTree>
+    <p:extLst>
+      <p:ext uri="{BB962C8B-B14F-4D97-AF65-F5344CB8AC3E}">
+        <p14:creationId xmlns:p14="http://schemas.microsoft.com/office/powerpoint/2010/main" val="3373130499"/>
+      </p:ext>
+    </p:extLst>
+  </p:cSld>
+  <p:clrMapOvr>
+    <a:masterClrMapping/>
+  </p:clrMapOvr>
+  <p:transition>
+    <p:fade/>
+  </p:transition>
+</p:sld>
+</file>
+
+<file path=ppt/slides/slide21.xml><?xml version="1.0" encoding="utf-8"?>
+<p:sld xmlns:a="http://schemas.openxmlformats.org/drawingml/2006/main" xmlns:r="http://schemas.openxmlformats.org/officeDocument/2006/relationships" xmlns:p="http://schemas.openxmlformats.org/presentationml/2006/main">
+  <p:cSld>
+    <p:spTree>
+      <p:nvGrpSpPr>
+        <p:cNvPr id="1" name=""/>
+        <p:cNvGrpSpPr/>
+        <p:nvPr/>
+      </p:nvGrpSpPr>
+      <p:grpSpPr>
+        <a:xfrm>
+          <a:off x="0" y="0"/>
+          <a:ext cx="0" cy="0"/>
+          <a:chOff x="0" y="0"/>
+          <a:chExt cx="0" cy="0"/>
+        </a:xfrm>
+      </p:grpSpPr>
+      <p:sp>
+        <p:nvSpPr>
+          <p:cNvPr id="13" name="Title 12">
+            <a:extLst>
+              <a:ext uri="{FF2B5EF4-FFF2-40B4-BE49-F238E27FC236}">
+                <a16:creationId xmlns:a16="http://schemas.microsoft.com/office/drawing/2014/main" id="{A7899278-BD67-4AAC-9874-65FAF4AED117}"/>
+              </a:ext>
+            </a:extLst>
+          </p:cNvPr>
+          <p:cNvSpPr>
+            <a:spLocks noGrp="1"/>
+          </p:cNvSpPr>
+          <p:nvPr>
+            <p:ph type="title"/>
+          </p:nvPr>
+        </p:nvSpPr>
+        <p:spPr/>
+        <p:txBody>
+          <a:bodyPr/>
+          <a:lstStyle/>
+          <a:p>
+            <a:r>
+              <a:rPr lang="en-US" dirty="0"/>
+              <a:t>Conditions &amp; Expressions</a:t>
+            </a:r>
+          </a:p>
+        </p:txBody>
+      </p:sp>
+      <p:sp>
+        <p:nvSpPr>
+          <p:cNvPr id="14" name="Text Placeholder 13">
+            <a:extLst>
+              <a:ext uri="{FF2B5EF4-FFF2-40B4-BE49-F238E27FC236}">
+                <a16:creationId xmlns:a16="http://schemas.microsoft.com/office/drawing/2014/main" id="{8B004072-1B0B-4387-9E77-76A61E081B56}"/>
+              </a:ext>
+            </a:extLst>
+          </p:cNvPr>
+          <p:cNvSpPr>
+            <a:spLocks noGrp="1"/>
+          </p:cNvSpPr>
+          <p:nvPr>
+            <p:ph type="body" idx="7"/>
+          </p:nvPr>
+        </p:nvSpPr>
+        <p:spPr/>
+        <p:txBody>
+          <a:bodyPr/>
+          <a:lstStyle/>
+          <a:p>
+            <a:r>
+              <a:rPr lang="en-US" dirty="0">
+                <a:solidFill>
+                  <a:schemeClr val="tx2"/>
+                </a:solidFill>
+              </a:rPr>
+              <a:t>Should we build?</a:t>
+            </a:r>
+          </a:p>
+        </p:txBody>
+      </p:sp>
+    </p:spTree>
+    <p:extLst>
+      <p:ext uri="{BB962C8B-B14F-4D97-AF65-F5344CB8AC3E}">
+        <p14:creationId xmlns:p14="http://schemas.microsoft.com/office/powerpoint/2010/main" val="3679787814"/>
+      </p:ext>
+    </p:extLst>
+  </p:cSld>
+  <p:clrMapOvr>
+    <a:masterClrMapping/>
+  </p:clrMapOvr>
+  <p:transition>
+    <p:fade/>
+  </p:transition>
+</p:sld>
+</file>
+
+<file path=ppt/slides/slide22.xml><?xml version="1.0" encoding="utf-8"?>
+<p:sld xmlns:a="http://schemas.openxmlformats.org/drawingml/2006/main" xmlns:r="http://schemas.openxmlformats.org/officeDocument/2006/relationships" xmlns:p="http://schemas.openxmlformats.org/presentationml/2006/main">
+  <p:cSld>
+    <p:spTree>
+      <p:nvGrpSpPr>
+        <p:cNvPr id="1" name=""/>
+        <p:cNvGrpSpPr/>
+        <p:nvPr/>
+      </p:nvGrpSpPr>
+      <p:grpSpPr>
+        <a:xfrm>
+          <a:off x="0" y="0"/>
+          <a:ext cx="0" cy="0"/>
+          <a:chOff x="0" y="0"/>
+          <a:chExt cx="0" cy="0"/>
+        </a:xfrm>
+      </p:grpSpPr>
+      <p:sp>
+        <p:nvSpPr>
+          <p:cNvPr id="2" name="Title 1">
+            <a:extLst>
+              <a:ext uri="{FF2B5EF4-FFF2-40B4-BE49-F238E27FC236}">
+                <a16:creationId xmlns:a16="http://schemas.microsoft.com/office/drawing/2014/main" id="{B8BCB36E-3E64-4ED6-B7EA-9223E67A42B8}"/>
+              </a:ext>
+            </a:extLst>
+          </p:cNvPr>
+          <p:cNvSpPr>
+            <a:spLocks noGrp="1"/>
+          </p:cNvSpPr>
+          <p:nvPr>
+            <p:ph type="title"/>
+          </p:nvPr>
+        </p:nvSpPr>
+        <p:spPr/>
+        <p:txBody>
+          <a:bodyPr/>
+          <a:lstStyle/>
+          <a:p>
+            <a:r>
+              <a:rPr lang="en-US" dirty="0"/>
+              <a:t>Conditions (default)</a:t>
+            </a:r>
+          </a:p>
+        </p:txBody>
+      </p:sp>
+      <p:sp>
+        <p:nvSpPr>
+          <p:cNvPr id="10" name="Content Placeholder 2">
+            <a:extLst>
+              <a:ext uri="{FF2B5EF4-FFF2-40B4-BE49-F238E27FC236}">
+                <a16:creationId xmlns:a16="http://schemas.microsoft.com/office/drawing/2014/main" id="{DDDDECAB-9450-40D7-AAEE-86FEED8A2B32}"/>
+              </a:ext>
+            </a:extLst>
+          </p:cNvPr>
+          <p:cNvSpPr txBox="1">
+            <a:spLocks/>
+          </p:cNvSpPr>
+          <p:nvPr/>
+        </p:nvSpPr>
+        <p:spPr>
+          <a:xfrm>
+            <a:off x="838200" y="1825624"/>
+            <a:ext cx="10515600" cy="4575175"/>
+          </a:xfrm>
+          <a:prstGeom prst="rect">
+            <a:avLst/>
+          </a:prstGeom>
+        </p:spPr>
+        <p:txBody>
+          <a:bodyPr vert="horz" wrap="square" lIns="0" tIns="0" rIns="0" bIns="0" rtlCol="0" anchor="t">
+            <a:normAutofit/>
+          </a:bodyPr>
+          <a:lstStyle>
+            <a:lvl1pPr marL="228600" marR="0" indent="-228600" algn="l" defTabSz="932742" rtl="0" eaLnBrk="1" fontAlgn="auto" latinLnBrk="0" hangingPunct="1">
+              <a:lnSpc>
+                <a:spcPct val="100000"/>
+              </a:lnSpc>
+              <a:spcBef>
+                <a:spcPct val="20000"/>
+              </a:spcBef>
+              <a:spcAft>
+                <a:spcPts val="0"/>
+              </a:spcAft>
+              <a:buClrTx/>
+              <a:buSzPct val="90000"/>
+              <a:buFont typeface="Wingdings" panose="05000000000000000000" pitchFamily="2" charset="2"/>
+              <a:buChar char=""/>
+              <a:tabLst/>
+              <a:defRPr sz="2800" kern="1200" spc="0" baseline="0">
+                <a:gradFill>
+                  <a:gsLst>
+                    <a:gs pos="1250">
+                      <a:schemeClr val="tx1"/>
+                    </a:gs>
+                    <a:gs pos="100000">
+                      <a:schemeClr val="tx1"/>
+                    </a:gs>
+                  </a:gsLst>
+                  <a:lin ang="5400000" scaled="0"/>
+                </a:gradFill>
+                <a:latin typeface="Segoe UI Semilight" panose="020B0402040204020203" pitchFamily="34" charset="0"/>
+                <a:ea typeface="+mn-ea"/>
+                <a:cs typeface="Segoe UI Semilight" panose="020B0402040204020203" pitchFamily="34" charset="0"/>
+              </a:defRPr>
+            </a:lvl1pPr>
+            <a:lvl2pPr marL="457200" marR="0" indent="-228600" algn="l" defTabSz="932742" rtl="0" eaLnBrk="1" fontAlgn="auto" latinLnBrk="0" hangingPunct="1">
+              <a:lnSpc>
+                <a:spcPct val="100000"/>
+              </a:lnSpc>
+              <a:spcBef>
+                <a:spcPct val="20000"/>
+              </a:spcBef>
+              <a:spcAft>
+                <a:spcPts val="0"/>
+              </a:spcAft>
+              <a:buClrTx/>
+              <a:buSzPct val="90000"/>
+              <a:buFont typeface="Wingdings" panose="05000000000000000000" pitchFamily="2" charset="2"/>
+              <a:buChar char=""/>
+              <a:tabLst/>
+              <a:defRPr sz="2000" kern="1200" spc="0" baseline="0">
+                <a:gradFill>
+                  <a:gsLst>
+                    <a:gs pos="1250">
+                      <a:schemeClr val="tx1"/>
+                    </a:gs>
+                    <a:gs pos="100000">
+                      <a:schemeClr val="tx1"/>
+                    </a:gs>
+                  </a:gsLst>
+                  <a:lin ang="5400000" scaled="0"/>
+                </a:gradFill>
+                <a:latin typeface="+mn-lt"/>
+                <a:ea typeface="+mn-ea"/>
+                <a:cs typeface="+mn-cs"/>
+              </a:defRPr>
+            </a:lvl2pPr>
+            <a:lvl3pPr marL="657225" marR="0" indent="-200025" algn="l" defTabSz="932742" rtl="0" eaLnBrk="1" fontAlgn="auto" latinLnBrk="0" hangingPunct="1">
+              <a:lnSpc>
+                <a:spcPct val="100000"/>
+              </a:lnSpc>
+              <a:spcBef>
+                <a:spcPct val="20000"/>
+              </a:spcBef>
+              <a:spcAft>
+                <a:spcPts val="0"/>
+              </a:spcAft>
+              <a:buClrTx/>
+              <a:buSzPct val="90000"/>
+              <a:buFont typeface="Wingdings" panose="05000000000000000000" pitchFamily="2" charset="2"/>
+              <a:buChar char=""/>
+              <a:tabLst/>
+              <a:defRPr sz="1600" kern="1200" spc="0" baseline="0">
+                <a:gradFill>
+                  <a:gsLst>
+                    <a:gs pos="1250">
+                      <a:schemeClr val="tx1"/>
+                    </a:gs>
+                    <a:gs pos="100000">
+                      <a:schemeClr val="tx1"/>
+                    </a:gs>
+                  </a:gsLst>
+                  <a:lin ang="5400000" scaled="0"/>
+                </a:gradFill>
+                <a:latin typeface="+mn-lt"/>
+                <a:ea typeface="+mn-ea"/>
+                <a:cs typeface="+mn-cs"/>
+              </a:defRPr>
+            </a:lvl3pPr>
+            <a:lvl4pPr marL="842963" marR="0" indent="-180975" algn="l" defTabSz="932742" rtl="0" eaLnBrk="1" fontAlgn="auto" latinLnBrk="0" hangingPunct="1">
+              <a:lnSpc>
+                <a:spcPct val="100000"/>
+              </a:lnSpc>
+              <a:spcBef>
+                <a:spcPct val="20000"/>
+              </a:spcBef>
+              <a:spcAft>
+                <a:spcPts val="0"/>
+              </a:spcAft>
+              <a:buClrTx/>
+              <a:buSzPct val="90000"/>
+              <a:buFont typeface="Wingdings" panose="05000000000000000000" pitchFamily="2" charset="2"/>
+              <a:buChar char=""/>
+              <a:tabLst/>
+              <a:defRPr sz="1400" kern="1200" spc="0" baseline="0">
+                <a:gradFill>
+                  <a:gsLst>
+                    <a:gs pos="1250">
+                      <a:schemeClr val="tx1"/>
+                    </a:gs>
+                    <a:gs pos="100000">
+                      <a:schemeClr val="tx1"/>
+                    </a:gs>
+                  </a:gsLst>
+                  <a:lin ang="5400000" scaled="0"/>
+                </a:gradFill>
+                <a:latin typeface="+mn-lt"/>
+                <a:ea typeface="+mn-ea"/>
+                <a:cs typeface="+mn-cs"/>
+              </a:defRPr>
+            </a:lvl4pPr>
+            <a:lvl5pPr marL="1023938" marR="0" indent="-168275" algn="l" defTabSz="932742" rtl="0" eaLnBrk="1" fontAlgn="auto" latinLnBrk="0" hangingPunct="1">
+              <a:lnSpc>
+                <a:spcPct val="100000"/>
+              </a:lnSpc>
+              <a:spcBef>
+                <a:spcPct val="20000"/>
+              </a:spcBef>
+              <a:spcAft>
+                <a:spcPts val="0"/>
+              </a:spcAft>
+              <a:buClrTx/>
+              <a:buSzPct val="90000"/>
+              <a:buFont typeface="Wingdings" panose="05000000000000000000" pitchFamily="2" charset="2"/>
+              <a:buChar char=""/>
+              <a:tabLst/>
+              <a:defRPr sz="1400" kern="1200" spc="0" baseline="0">
+                <a:gradFill>
+                  <a:gsLst>
+                    <a:gs pos="1250">
+                      <a:schemeClr val="tx1"/>
+                    </a:gs>
+                    <a:gs pos="100000">
+                      <a:schemeClr val="tx1"/>
+                    </a:gs>
+                  </a:gsLst>
+                  <a:lin ang="5400000" scaled="0"/>
+                </a:gradFill>
+                <a:latin typeface="+mn-lt"/>
+                <a:ea typeface="+mn-ea"/>
+                <a:cs typeface="+mn-cs"/>
+              </a:defRPr>
+            </a:lvl5pPr>
+            <a:lvl6pPr marL="2565040" indent="-233186" algn="l" defTabSz="932742" rtl="0" eaLnBrk="1" latinLnBrk="0" hangingPunct="1">
+              <a:spcBef>
+                <a:spcPct val="20000"/>
+              </a:spcBef>
+              <a:buFont typeface="Arial" pitchFamily="34" charset="0"/>
+              <a:buChar char="•"/>
+              <a:defRPr sz="2000" kern="1200">
+                <a:solidFill>
+                  <a:schemeClr val="tx1"/>
+                </a:solidFill>
+                <a:latin typeface="+mn-lt"/>
+                <a:ea typeface="+mn-ea"/>
+                <a:cs typeface="+mn-cs"/>
+              </a:defRPr>
+            </a:lvl6pPr>
+            <a:lvl7pPr marL="3031412" indent="-233186" algn="l" defTabSz="932742" rtl="0" eaLnBrk="1" latinLnBrk="0" hangingPunct="1">
+              <a:spcBef>
+                <a:spcPct val="20000"/>
+              </a:spcBef>
+              <a:buFont typeface="Arial" pitchFamily="34" charset="0"/>
+              <a:buChar char="•"/>
+              <a:defRPr sz="2000" kern="1200">
+                <a:solidFill>
+                  <a:schemeClr val="tx1"/>
+                </a:solidFill>
+                <a:latin typeface="+mn-lt"/>
+                <a:ea typeface="+mn-ea"/>
+                <a:cs typeface="+mn-cs"/>
+              </a:defRPr>
+            </a:lvl7pPr>
+            <a:lvl8pPr marL="3497783" indent="-233186" algn="l" defTabSz="932742" rtl="0" eaLnBrk="1" latinLnBrk="0" hangingPunct="1">
+              <a:spcBef>
+                <a:spcPct val="20000"/>
+              </a:spcBef>
+              <a:buFont typeface="Arial" pitchFamily="34" charset="0"/>
+              <a:buChar char="•"/>
+              <a:defRPr sz="2000" kern="1200">
+                <a:solidFill>
+                  <a:schemeClr val="tx1"/>
+                </a:solidFill>
+                <a:latin typeface="+mn-lt"/>
+                <a:ea typeface="+mn-ea"/>
+                <a:cs typeface="+mn-cs"/>
+              </a:defRPr>
+            </a:lvl8pPr>
+            <a:lvl9pPr marL="3964155" indent="-233186" algn="l" defTabSz="932742" rtl="0" eaLnBrk="1" latinLnBrk="0" hangingPunct="1">
+              <a:spcBef>
+                <a:spcPct val="20000"/>
+              </a:spcBef>
+              <a:buFont typeface="Arial" pitchFamily="34" charset="0"/>
+              <a:buChar char="•"/>
+              <a:defRPr sz="2000" kern="1200">
+                <a:solidFill>
+                  <a:schemeClr val="tx1"/>
+                </a:solidFill>
+                <a:latin typeface="+mn-lt"/>
+                <a:ea typeface="+mn-ea"/>
+                <a:cs typeface="+mn-cs"/>
+              </a:defRPr>
+            </a:lvl9pPr>
+          </a:lstStyle>
+          <a:p>
+            <a:pPr marL="0" indent="0">
+              <a:buNone/>
+            </a:pPr>
+            <a:r>
+              <a:rPr lang="en-US" sz="1800" dirty="0">
+                <a:latin typeface="Cascadia Code" panose="020B0509020204030204" pitchFamily="49" charset="0"/>
+              </a:rPr>
+              <a:t>succeeded()</a:t>
+            </a:r>
+          </a:p>
+        </p:txBody>
+      </p:sp>
+    </p:spTree>
+    <p:extLst>
+      <p:ext uri="{BB962C8B-B14F-4D97-AF65-F5344CB8AC3E}">
+        <p14:creationId xmlns:p14="http://schemas.microsoft.com/office/powerpoint/2010/main" val="3876598566"/>
+      </p:ext>
+    </p:extLst>
+  </p:cSld>
+  <p:clrMapOvr>
+    <a:masterClrMapping/>
+  </p:clrMapOvr>
+  <mc:AlternateContent xmlns:mc="http://schemas.openxmlformats.org/markup-compatibility/2006">
+    <mc:Choice xmlns:p14="http://schemas.microsoft.com/office/powerpoint/2010/main" Requires="p14">
+      <p:transition spd="med" p14:dur="700">
+        <p:fade/>
+      </p:transition>
+    </mc:Choice>
+    <mc:Fallback>
+      <p:transition spd="med">
+        <p:fade/>
+      </p:transition>
+    </mc:Fallback>
+  </mc:AlternateContent>
+</p:sld>
+</file>
+
+<file path=ppt/slides/slide23.xml><?xml version="1.0" encoding="utf-8"?>
+<p:sld xmlns:a="http://schemas.openxmlformats.org/drawingml/2006/main" xmlns:r="http://schemas.openxmlformats.org/officeDocument/2006/relationships" xmlns:p="http://schemas.openxmlformats.org/presentationml/2006/main">
+  <p:cSld>
+    <p:spTree>
+      <p:nvGrpSpPr>
+        <p:cNvPr id="1" name=""/>
+        <p:cNvGrpSpPr/>
+        <p:nvPr/>
+      </p:nvGrpSpPr>
+      <p:grpSpPr>
+        <a:xfrm>
+          <a:off x="0" y="0"/>
+          <a:ext cx="0" cy="0"/>
+          <a:chOff x="0" y="0"/>
+          <a:chExt cx="0" cy="0"/>
+        </a:xfrm>
+      </p:grpSpPr>
+      <p:sp>
+        <p:nvSpPr>
+          <p:cNvPr id="2" name="Title 1">
+            <a:extLst>
+              <a:ext uri="{FF2B5EF4-FFF2-40B4-BE49-F238E27FC236}">
+                <a16:creationId xmlns:a16="http://schemas.microsoft.com/office/drawing/2014/main" id="{B8BCB36E-3E64-4ED6-B7EA-9223E67A42B8}"/>
+              </a:ext>
+            </a:extLst>
+          </p:cNvPr>
+          <p:cNvSpPr>
+            <a:spLocks noGrp="1"/>
+          </p:cNvSpPr>
+          <p:nvPr>
+            <p:ph type="title"/>
+          </p:nvPr>
+        </p:nvSpPr>
+        <p:spPr/>
+        <p:txBody>
+          <a:bodyPr/>
+          <a:lstStyle/>
+          <a:p>
+            <a:r>
+              <a:rPr lang="en-US" dirty="0"/>
+              <a:t>Conditions (every time)</a:t>
+            </a:r>
+          </a:p>
+        </p:txBody>
+      </p:sp>
+      <p:sp>
+        <p:nvSpPr>
+          <p:cNvPr id="10" name="Content Placeholder 2">
+            <a:extLst>
+              <a:ext uri="{FF2B5EF4-FFF2-40B4-BE49-F238E27FC236}">
+                <a16:creationId xmlns:a16="http://schemas.microsoft.com/office/drawing/2014/main" id="{DDDDECAB-9450-40D7-AAEE-86FEED8A2B32}"/>
+              </a:ext>
+            </a:extLst>
+          </p:cNvPr>
+          <p:cNvSpPr txBox="1">
+            <a:spLocks/>
+          </p:cNvSpPr>
+          <p:nvPr/>
+        </p:nvSpPr>
+        <p:spPr>
+          <a:xfrm>
+            <a:off x="838200" y="1825624"/>
+            <a:ext cx="10515600" cy="4575175"/>
+          </a:xfrm>
+          <a:prstGeom prst="rect">
+            <a:avLst/>
+          </a:prstGeom>
+        </p:spPr>
+        <p:txBody>
+          <a:bodyPr vert="horz" wrap="square" lIns="0" tIns="0" rIns="0" bIns="0" rtlCol="0" anchor="t">
+            <a:normAutofit/>
+          </a:bodyPr>
+          <a:lstStyle>
+            <a:lvl1pPr marL="228600" marR="0" indent="-228600" algn="l" defTabSz="932742" rtl="0" eaLnBrk="1" fontAlgn="auto" latinLnBrk="0" hangingPunct="1">
+              <a:lnSpc>
+                <a:spcPct val="100000"/>
+              </a:lnSpc>
+              <a:spcBef>
+                <a:spcPct val="20000"/>
+              </a:spcBef>
+              <a:spcAft>
+                <a:spcPts val="0"/>
+              </a:spcAft>
+              <a:buClrTx/>
+              <a:buSzPct val="90000"/>
+              <a:buFont typeface="Wingdings" panose="05000000000000000000" pitchFamily="2" charset="2"/>
+              <a:buChar char=""/>
+              <a:tabLst/>
+              <a:defRPr sz="2800" kern="1200" spc="0" baseline="0">
+                <a:gradFill>
+                  <a:gsLst>
+                    <a:gs pos="1250">
+                      <a:schemeClr val="tx1"/>
+                    </a:gs>
+                    <a:gs pos="100000">
+                      <a:schemeClr val="tx1"/>
+                    </a:gs>
+                  </a:gsLst>
+                  <a:lin ang="5400000" scaled="0"/>
+                </a:gradFill>
+                <a:latin typeface="Segoe UI Semilight" panose="020B0402040204020203" pitchFamily="34" charset="0"/>
+                <a:ea typeface="+mn-ea"/>
+                <a:cs typeface="Segoe UI Semilight" panose="020B0402040204020203" pitchFamily="34" charset="0"/>
+              </a:defRPr>
+            </a:lvl1pPr>
+            <a:lvl2pPr marL="457200" marR="0" indent="-228600" algn="l" defTabSz="932742" rtl="0" eaLnBrk="1" fontAlgn="auto" latinLnBrk="0" hangingPunct="1">
+              <a:lnSpc>
+                <a:spcPct val="100000"/>
+              </a:lnSpc>
+              <a:spcBef>
+                <a:spcPct val="20000"/>
+              </a:spcBef>
+              <a:spcAft>
+                <a:spcPts val="0"/>
+              </a:spcAft>
+              <a:buClrTx/>
+              <a:buSzPct val="90000"/>
+              <a:buFont typeface="Wingdings" panose="05000000000000000000" pitchFamily="2" charset="2"/>
+              <a:buChar char=""/>
+              <a:tabLst/>
+              <a:defRPr sz="2000" kern="1200" spc="0" baseline="0">
+                <a:gradFill>
+                  <a:gsLst>
+                    <a:gs pos="1250">
+                      <a:schemeClr val="tx1"/>
+                    </a:gs>
+                    <a:gs pos="100000">
+                      <a:schemeClr val="tx1"/>
+                    </a:gs>
+                  </a:gsLst>
+                  <a:lin ang="5400000" scaled="0"/>
+                </a:gradFill>
+                <a:latin typeface="+mn-lt"/>
+                <a:ea typeface="+mn-ea"/>
+                <a:cs typeface="+mn-cs"/>
+              </a:defRPr>
+            </a:lvl2pPr>
+            <a:lvl3pPr marL="657225" marR="0" indent="-200025" algn="l" defTabSz="932742" rtl="0" eaLnBrk="1" fontAlgn="auto" latinLnBrk="0" hangingPunct="1">
+              <a:lnSpc>
+                <a:spcPct val="100000"/>
+              </a:lnSpc>
+              <a:spcBef>
+                <a:spcPct val="20000"/>
+              </a:spcBef>
+              <a:spcAft>
+                <a:spcPts val="0"/>
+              </a:spcAft>
+              <a:buClrTx/>
+              <a:buSzPct val="90000"/>
+              <a:buFont typeface="Wingdings" panose="05000000000000000000" pitchFamily="2" charset="2"/>
+              <a:buChar char=""/>
+              <a:tabLst/>
+              <a:defRPr sz="1600" kern="1200" spc="0" baseline="0">
+                <a:gradFill>
+                  <a:gsLst>
+                    <a:gs pos="1250">
+                      <a:schemeClr val="tx1"/>
+                    </a:gs>
+                    <a:gs pos="100000">
+                      <a:schemeClr val="tx1"/>
+                    </a:gs>
+                  </a:gsLst>
+                  <a:lin ang="5400000" scaled="0"/>
+                </a:gradFill>
+                <a:latin typeface="+mn-lt"/>
+                <a:ea typeface="+mn-ea"/>
+                <a:cs typeface="+mn-cs"/>
+              </a:defRPr>
+            </a:lvl3pPr>
+            <a:lvl4pPr marL="842963" marR="0" indent="-180975" algn="l" defTabSz="932742" rtl="0" eaLnBrk="1" fontAlgn="auto" latinLnBrk="0" hangingPunct="1">
+              <a:lnSpc>
+                <a:spcPct val="100000"/>
+              </a:lnSpc>
+              <a:spcBef>
+                <a:spcPct val="20000"/>
+              </a:spcBef>
+              <a:spcAft>
+                <a:spcPts val="0"/>
+              </a:spcAft>
+              <a:buClrTx/>
+              <a:buSzPct val="90000"/>
+              <a:buFont typeface="Wingdings" panose="05000000000000000000" pitchFamily="2" charset="2"/>
+              <a:buChar char=""/>
+              <a:tabLst/>
+              <a:defRPr sz="1400" kern="1200" spc="0" baseline="0">
+                <a:gradFill>
+                  <a:gsLst>
+                    <a:gs pos="1250">
+                      <a:schemeClr val="tx1"/>
+                    </a:gs>
+                    <a:gs pos="100000">
+                      <a:schemeClr val="tx1"/>
+                    </a:gs>
+                  </a:gsLst>
+                  <a:lin ang="5400000" scaled="0"/>
+                </a:gradFill>
+                <a:latin typeface="+mn-lt"/>
+                <a:ea typeface="+mn-ea"/>
+                <a:cs typeface="+mn-cs"/>
+              </a:defRPr>
+            </a:lvl4pPr>
+            <a:lvl5pPr marL="1023938" marR="0" indent="-168275" algn="l" defTabSz="932742" rtl="0" eaLnBrk="1" fontAlgn="auto" latinLnBrk="0" hangingPunct="1">
+              <a:lnSpc>
+                <a:spcPct val="100000"/>
+              </a:lnSpc>
+              <a:spcBef>
+                <a:spcPct val="20000"/>
+              </a:spcBef>
+              <a:spcAft>
+                <a:spcPts val="0"/>
+              </a:spcAft>
+              <a:buClrTx/>
+              <a:buSzPct val="90000"/>
+              <a:buFont typeface="Wingdings" panose="05000000000000000000" pitchFamily="2" charset="2"/>
+              <a:buChar char=""/>
+              <a:tabLst/>
+              <a:defRPr sz="1400" kern="1200" spc="0" baseline="0">
+                <a:gradFill>
+                  <a:gsLst>
+                    <a:gs pos="1250">
+                      <a:schemeClr val="tx1"/>
+                    </a:gs>
+                    <a:gs pos="100000">
+                      <a:schemeClr val="tx1"/>
+                    </a:gs>
+                  </a:gsLst>
+                  <a:lin ang="5400000" scaled="0"/>
+                </a:gradFill>
+                <a:latin typeface="+mn-lt"/>
+                <a:ea typeface="+mn-ea"/>
+                <a:cs typeface="+mn-cs"/>
+              </a:defRPr>
+            </a:lvl5pPr>
+            <a:lvl6pPr marL="2565040" indent="-233186" algn="l" defTabSz="932742" rtl="0" eaLnBrk="1" latinLnBrk="0" hangingPunct="1">
+              <a:spcBef>
+                <a:spcPct val="20000"/>
+              </a:spcBef>
+              <a:buFont typeface="Arial" pitchFamily="34" charset="0"/>
+              <a:buChar char="•"/>
+              <a:defRPr sz="2000" kern="1200">
+                <a:solidFill>
+                  <a:schemeClr val="tx1"/>
+                </a:solidFill>
+                <a:latin typeface="+mn-lt"/>
+                <a:ea typeface="+mn-ea"/>
+                <a:cs typeface="+mn-cs"/>
+              </a:defRPr>
+            </a:lvl6pPr>
+            <a:lvl7pPr marL="3031412" indent="-233186" algn="l" defTabSz="932742" rtl="0" eaLnBrk="1" latinLnBrk="0" hangingPunct="1">
+              <a:spcBef>
+                <a:spcPct val="20000"/>
+              </a:spcBef>
+              <a:buFont typeface="Arial" pitchFamily="34" charset="0"/>
+              <a:buChar char="•"/>
+              <a:defRPr sz="2000" kern="1200">
+                <a:solidFill>
+                  <a:schemeClr val="tx1"/>
+                </a:solidFill>
+                <a:latin typeface="+mn-lt"/>
+                <a:ea typeface="+mn-ea"/>
+                <a:cs typeface="+mn-cs"/>
+              </a:defRPr>
+            </a:lvl7pPr>
+            <a:lvl8pPr marL="3497783" indent="-233186" algn="l" defTabSz="932742" rtl="0" eaLnBrk="1" latinLnBrk="0" hangingPunct="1">
+              <a:spcBef>
+                <a:spcPct val="20000"/>
+              </a:spcBef>
+              <a:buFont typeface="Arial" pitchFamily="34" charset="0"/>
+              <a:buChar char="•"/>
+              <a:defRPr sz="2000" kern="1200">
+                <a:solidFill>
+                  <a:schemeClr val="tx1"/>
+                </a:solidFill>
+                <a:latin typeface="+mn-lt"/>
+                <a:ea typeface="+mn-ea"/>
+                <a:cs typeface="+mn-cs"/>
+              </a:defRPr>
+            </a:lvl8pPr>
+            <a:lvl9pPr marL="3964155" indent="-233186" algn="l" defTabSz="932742" rtl="0" eaLnBrk="1" latinLnBrk="0" hangingPunct="1">
+              <a:spcBef>
+                <a:spcPct val="20000"/>
+              </a:spcBef>
+              <a:buFont typeface="Arial" pitchFamily="34" charset="0"/>
+              <a:buChar char="•"/>
+              <a:defRPr sz="2000" kern="1200">
+                <a:solidFill>
+                  <a:schemeClr val="tx1"/>
+                </a:solidFill>
+                <a:latin typeface="+mn-lt"/>
+                <a:ea typeface="+mn-ea"/>
+                <a:cs typeface="+mn-cs"/>
+              </a:defRPr>
+            </a:lvl9pPr>
+          </a:lstStyle>
+          <a:p>
+            <a:pPr marL="0" indent="0">
+              <a:buNone/>
+            </a:pPr>
+            <a:r>
+              <a:rPr lang="en-US" sz="1800" dirty="0">
+                <a:latin typeface="Cascadia Code" panose="020B0509020204030204" pitchFamily="49" charset="0"/>
+              </a:rPr>
+              <a:t>succeeded()</a:t>
+            </a:r>
+          </a:p>
+          <a:p>
+            <a:pPr marL="0" indent="0">
+              <a:buNone/>
+            </a:pPr>
+            <a:endParaRPr lang="en-US" sz="1800" dirty="0">
+              <a:latin typeface="Cascadia Code" panose="020B0509020204030204" pitchFamily="49" charset="0"/>
+            </a:endParaRPr>
+          </a:p>
+          <a:p>
+            <a:pPr marL="0" indent="0">
+              <a:buNone/>
+            </a:pPr>
+            <a:r>
+              <a:rPr lang="en-US" sz="1800" dirty="0">
+                <a:latin typeface="Cascadia Code" panose="020B0509020204030204" pitchFamily="49" charset="0"/>
+              </a:rPr>
+              <a:t>always()</a:t>
+            </a:r>
+          </a:p>
+        </p:txBody>
+      </p:sp>
+    </p:spTree>
+    <p:extLst>
+      <p:ext uri="{BB962C8B-B14F-4D97-AF65-F5344CB8AC3E}">
+        <p14:creationId xmlns:p14="http://schemas.microsoft.com/office/powerpoint/2010/main" val="1820933388"/>
+      </p:ext>
+    </p:extLst>
+  </p:cSld>
+  <p:clrMapOvr>
+    <a:masterClrMapping/>
+  </p:clrMapOvr>
+  <mc:AlternateContent xmlns:mc="http://schemas.openxmlformats.org/markup-compatibility/2006">
+    <mc:Choice xmlns:p159="http://schemas.microsoft.com/office/powerpoint/2015/09/main" Requires="p159">
+      <p:transition xmlns:p14="http://schemas.microsoft.com/office/powerpoint/2010/main" spd="slow" p14:dur="2000">
+        <p159:morph option="byWord"/>
+      </p:transition>
+    </mc:Choice>
+    <mc:Fallback>
+      <p:transition spd="slow">
+        <p:fade/>
+      </p:transition>
+    </mc:Fallback>
+  </mc:AlternateContent>
+</p:sld>
+</file>
+
+<file path=ppt/slides/slide24.xml><?xml version="1.0" encoding="utf-8"?>
+<p:sld xmlns:a="http://schemas.openxmlformats.org/drawingml/2006/main" xmlns:r="http://schemas.openxmlformats.org/officeDocument/2006/relationships" xmlns:p="http://schemas.openxmlformats.org/presentationml/2006/main">
+  <p:cSld>
+    <p:spTree>
+      <p:nvGrpSpPr>
+        <p:cNvPr id="1" name=""/>
+        <p:cNvGrpSpPr/>
+        <p:nvPr/>
+      </p:nvGrpSpPr>
+      <p:grpSpPr>
+        <a:xfrm>
+          <a:off x="0" y="0"/>
+          <a:ext cx="0" cy="0"/>
+          <a:chOff x="0" y="0"/>
+          <a:chExt cx="0" cy="0"/>
+        </a:xfrm>
+      </p:grpSpPr>
+      <p:sp>
+        <p:nvSpPr>
+          <p:cNvPr id="2" name="Title 1">
+            <a:extLst>
+              <a:ext uri="{FF2B5EF4-FFF2-40B4-BE49-F238E27FC236}">
+                <a16:creationId xmlns:a16="http://schemas.microsoft.com/office/drawing/2014/main" id="{B8BCB36E-3E64-4ED6-B7EA-9223E67A42B8}"/>
+              </a:ext>
+            </a:extLst>
+          </p:cNvPr>
+          <p:cNvSpPr>
+            <a:spLocks noGrp="1"/>
+          </p:cNvSpPr>
+          <p:nvPr>
+            <p:ph type="title"/>
+          </p:nvPr>
+        </p:nvSpPr>
+        <p:spPr/>
+        <p:txBody>
+          <a:bodyPr/>
+          <a:lstStyle/>
+          <a:p>
+            <a:r>
+              <a:rPr lang="en-US" dirty="0"/>
+              <a:t>Conditions (only on failure)</a:t>
+            </a:r>
+          </a:p>
+        </p:txBody>
+      </p:sp>
+      <p:sp>
+        <p:nvSpPr>
+          <p:cNvPr id="10" name="Content Placeholder 2">
+            <a:extLst>
+              <a:ext uri="{FF2B5EF4-FFF2-40B4-BE49-F238E27FC236}">
+                <a16:creationId xmlns:a16="http://schemas.microsoft.com/office/drawing/2014/main" id="{DDDDECAB-9450-40D7-AAEE-86FEED8A2B32}"/>
+              </a:ext>
+            </a:extLst>
+          </p:cNvPr>
+          <p:cNvSpPr txBox="1">
+            <a:spLocks/>
+          </p:cNvSpPr>
+          <p:nvPr/>
+        </p:nvSpPr>
+        <p:spPr>
+          <a:xfrm>
+            <a:off x="838200" y="1825624"/>
+            <a:ext cx="10515600" cy="4575175"/>
+          </a:xfrm>
+          <a:prstGeom prst="rect">
+            <a:avLst/>
+          </a:prstGeom>
+        </p:spPr>
+        <p:txBody>
+          <a:bodyPr vert="horz" wrap="square" lIns="0" tIns="0" rIns="0" bIns="0" rtlCol="0" anchor="t">
+            <a:normAutofit/>
+          </a:bodyPr>
+          <a:lstStyle>
+            <a:lvl1pPr marL="228600" marR="0" indent="-228600" algn="l" defTabSz="932742" rtl="0" eaLnBrk="1" fontAlgn="auto" latinLnBrk="0" hangingPunct="1">
+              <a:lnSpc>
+                <a:spcPct val="100000"/>
+              </a:lnSpc>
+              <a:spcBef>
+                <a:spcPct val="20000"/>
+              </a:spcBef>
+              <a:spcAft>
+                <a:spcPts val="0"/>
+              </a:spcAft>
+              <a:buClrTx/>
+              <a:buSzPct val="90000"/>
+              <a:buFont typeface="Wingdings" panose="05000000000000000000" pitchFamily="2" charset="2"/>
+              <a:buChar char=""/>
+              <a:tabLst/>
+              <a:defRPr sz="2800" kern="1200" spc="0" baseline="0">
+                <a:gradFill>
+                  <a:gsLst>
+                    <a:gs pos="1250">
+                      <a:schemeClr val="tx1"/>
+                    </a:gs>
+                    <a:gs pos="100000">
+                      <a:schemeClr val="tx1"/>
+                    </a:gs>
+                  </a:gsLst>
+                  <a:lin ang="5400000" scaled="0"/>
+                </a:gradFill>
+                <a:latin typeface="Segoe UI Semilight" panose="020B0402040204020203" pitchFamily="34" charset="0"/>
+                <a:ea typeface="+mn-ea"/>
+                <a:cs typeface="Segoe UI Semilight" panose="020B0402040204020203" pitchFamily="34" charset="0"/>
+              </a:defRPr>
+            </a:lvl1pPr>
+            <a:lvl2pPr marL="457200" marR="0" indent="-228600" algn="l" defTabSz="932742" rtl="0" eaLnBrk="1" fontAlgn="auto" latinLnBrk="0" hangingPunct="1">
+              <a:lnSpc>
+                <a:spcPct val="100000"/>
+              </a:lnSpc>
+              <a:spcBef>
+                <a:spcPct val="20000"/>
+              </a:spcBef>
+              <a:spcAft>
+                <a:spcPts val="0"/>
+              </a:spcAft>
+              <a:buClrTx/>
+              <a:buSzPct val="90000"/>
+              <a:buFont typeface="Wingdings" panose="05000000000000000000" pitchFamily="2" charset="2"/>
+              <a:buChar char=""/>
+              <a:tabLst/>
+              <a:defRPr sz="2000" kern="1200" spc="0" baseline="0">
+                <a:gradFill>
+                  <a:gsLst>
+                    <a:gs pos="1250">
+                      <a:schemeClr val="tx1"/>
+                    </a:gs>
+                    <a:gs pos="100000">
+                      <a:schemeClr val="tx1"/>
+                    </a:gs>
+                  </a:gsLst>
+                  <a:lin ang="5400000" scaled="0"/>
+                </a:gradFill>
+                <a:latin typeface="+mn-lt"/>
+                <a:ea typeface="+mn-ea"/>
+                <a:cs typeface="+mn-cs"/>
+              </a:defRPr>
+            </a:lvl2pPr>
+            <a:lvl3pPr marL="657225" marR="0" indent="-200025" algn="l" defTabSz="932742" rtl="0" eaLnBrk="1" fontAlgn="auto" latinLnBrk="0" hangingPunct="1">
+              <a:lnSpc>
+                <a:spcPct val="100000"/>
+              </a:lnSpc>
+              <a:spcBef>
+                <a:spcPct val="20000"/>
+              </a:spcBef>
+              <a:spcAft>
+                <a:spcPts val="0"/>
+              </a:spcAft>
+              <a:buClrTx/>
+              <a:buSzPct val="90000"/>
+              <a:buFont typeface="Wingdings" panose="05000000000000000000" pitchFamily="2" charset="2"/>
+              <a:buChar char=""/>
+              <a:tabLst/>
+              <a:defRPr sz="1600" kern="1200" spc="0" baseline="0">
+                <a:gradFill>
+                  <a:gsLst>
+                    <a:gs pos="1250">
+                      <a:schemeClr val="tx1"/>
+                    </a:gs>
+                    <a:gs pos="100000">
+                      <a:schemeClr val="tx1"/>
+                    </a:gs>
+                  </a:gsLst>
+                  <a:lin ang="5400000" scaled="0"/>
+                </a:gradFill>
+                <a:latin typeface="+mn-lt"/>
+                <a:ea typeface="+mn-ea"/>
+                <a:cs typeface="+mn-cs"/>
+              </a:defRPr>
+            </a:lvl3pPr>
+            <a:lvl4pPr marL="842963" marR="0" indent="-180975" algn="l" defTabSz="932742" rtl="0" eaLnBrk="1" fontAlgn="auto" latinLnBrk="0" hangingPunct="1">
+              <a:lnSpc>
+                <a:spcPct val="100000"/>
+              </a:lnSpc>
+              <a:spcBef>
+                <a:spcPct val="20000"/>
+              </a:spcBef>
+              <a:spcAft>
+                <a:spcPts val="0"/>
+              </a:spcAft>
+              <a:buClrTx/>
+              <a:buSzPct val="90000"/>
+              <a:buFont typeface="Wingdings" panose="05000000000000000000" pitchFamily="2" charset="2"/>
+              <a:buChar char=""/>
+              <a:tabLst/>
+              <a:defRPr sz="1400" kern="1200" spc="0" baseline="0">
+                <a:gradFill>
+                  <a:gsLst>
+                    <a:gs pos="1250">
+                      <a:schemeClr val="tx1"/>
+                    </a:gs>
+                    <a:gs pos="100000">
+                      <a:schemeClr val="tx1"/>
+                    </a:gs>
+                  </a:gsLst>
+                  <a:lin ang="5400000" scaled="0"/>
+                </a:gradFill>
+                <a:latin typeface="+mn-lt"/>
+                <a:ea typeface="+mn-ea"/>
+                <a:cs typeface="+mn-cs"/>
+              </a:defRPr>
+            </a:lvl4pPr>
+            <a:lvl5pPr marL="1023938" marR="0" indent="-168275" algn="l" defTabSz="932742" rtl="0" eaLnBrk="1" fontAlgn="auto" latinLnBrk="0" hangingPunct="1">
+              <a:lnSpc>
+                <a:spcPct val="100000"/>
+              </a:lnSpc>
+              <a:spcBef>
+                <a:spcPct val="20000"/>
+              </a:spcBef>
+              <a:spcAft>
+                <a:spcPts val="0"/>
+              </a:spcAft>
+              <a:buClrTx/>
+              <a:buSzPct val="90000"/>
+              <a:buFont typeface="Wingdings" panose="05000000000000000000" pitchFamily="2" charset="2"/>
+              <a:buChar char=""/>
+              <a:tabLst/>
+              <a:defRPr sz="1400" kern="1200" spc="0" baseline="0">
+                <a:gradFill>
+                  <a:gsLst>
+                    <a:gs pos="1250">
+                      <a:schemeClr val="tx1"/>
+                    </a:gs>
+                    <a:gs pos="100000">
+                      <a:schemeClr val="tx1"/>
+                    </a:gs>
+                  </a:gsLst>
+                  <a:lin ang="5400000" scaled="0"/>
+                </a:gradFill>
+                <a:latin typeface="+mn-lt"/>
+                <a:ea typeface="+mn-ea"/>
+                <a:cs typeface="+mn-cs"/>
+              </a:defRPr>
+            </a:lvl5pPr>
+            <a:lvl6pPr marL="2565040" indent="-233186" algn="l" defTabSz="932742" rtl="0" eaLnBrk="1" latinLnBrk="0" hangingPunct="1">
+              <a:spcBef>
+                <a:spcPct val="20000"/>
+              </a:spcBef>
+              <a:buFont typeface="Arial" pitchFamily="34" charset="0"/>
+              <a:buChar char="•"/>
+              <a:defRPr sz="2000" kern="1200">
+                <a:solidFill>
+                  <a:schemeClr val="tx1"/>
+                </a:solidFill>
+                <a:latin typeface="+mn-lt"/>
+                <a:ea typeface="+mn-ea"/>
+                <a:cs typeface="+mn-cs"/>
+              </a:defRPr>
+            </a:lvl6pPr>
+            <a:lvl7pPr marL="3031412" indent="-233186" algn="l" defTabSz="932742" rtl="0" eaLnBrk="1" latinLnBrk="0" hangingPunct="1">
+              <a:spcBef>
+                <a:spcPct val="20000"/>
+              </a:spcBef>
+              <a:buFont typeface="Arial" pitchFamily="34" charset="0"/>
+              <a:buChar char="•"/>
+              <a:defRPr sz="2000" kern="1200">
+                <a:solidFill>
+                  <a:schemeClr val="tx1"/>
+                </a:solidFill>
+                <a:latin typeface="+mn-lt"/>
+                <a:ea typeface="+mn-ea"/>
+                <a:cs typeface="+mn-cs"/>
+              </a:defRPr>
+            </a:lvl7pPr>
+            <a:lvl8pPr marL="3497783" indent="-233186" algn="l" defTabSz="932742" rtl="0" eaLnBrk="1" latinLnBrk="0" hangingPunct="1">
+              <a:spcBef>
+                <a:spcPct val="20000"/>
+              </a:spcBef>
+              <a:buFont typeface="Arial" pitchFamily="34" charset="0"/>
+              <a:buChar char="•"/>
+              <a:defRPr sz="2000" kern="1200">
+                <a:solidFill>
+                  <a:schemeClr val="tx1"/>
+                </a:solidFill>
+                <a:latin typeface="+mn-lt"/>
+                <a:ea typeface="+mn-ea"/>
+                <a:cs typeface="+mn-cs"/>
+              </a:defRPr>
+            </a:lvl8pPr>
+            <a:lvl9pPr marL="3964155" indent="-233186" algn="l" defTabSz="932742" rtl="0" eaLnBrk="1" latinLnBrk="0" hangingPunct="1">
+              <a:spcBef>
+                <a:spcPct val="20000"/>
+              </a:spcBef>
+              <a:buFont typeface="Arial" pitchFamily="34" charset="0"/>
+              <a:buChar char="•"/>
+              <a:defRPr sz="2000" kern="1200">
+                <a:solidFill>
+                  <a:schemeClr val="tx1"/>
+                </a:solidFill>
+                <a:latin typeface="+mn-lt"/>
+                <a:ea typeface="+mn-ea"/>
+                <a:cs typeface="+mn-cs"/>
+              </a:defRPr>
+            </a:lvl9pPr>
+          </a:lstStyle>
+          <a:p>
+            <a:pPr marL="0" indent="0">
+              <a:buNone/>
+            </a:pPr>
+            <a:r>
+              <a:rPr lang="en-US" sz="1800" dirty="0">
+                <a:latin typeface="Cascadia Code" panose="020B0509020204030204" pitchFamily="49" charset="0"/>
+              </a:rPr>
+              <a:t>succeeded()</a:t>
+            </a:r>
+          </a:p>
+          <a:p>
+            <a:pPr marL="0" indent="0">
+              <a:buNone/>
+            </a:pPr>
+            <a:endParaRPr lang="en-US" sz="1800" dirty="0">
+              <a:latin typeface="Cascadia Code" panose="020B0509020204030204" pitchFamily="49" charset="0"/>
+            </a:endParaRPr>
+          </a:p>
+          <a:p>
+            <a:pPr marL="0" indent="0">
+              <a:buNone/>
+            </a:pPr>
+            <a:r>
+              <a:rPr lang="en-US" sz="1800" dirty="0">
+                <a:latin typeface="Cascadia Code" panose="020B0509020204030204" pitchFamily="49" charset="0"/>
+              </a:rPr>
+              <a:t>always()</a:t>
+            </a:r>
+          </a:p>
+          <a:p>
+            <a:pPr marL="0" indent="0">
+              <a:buNone/>
+            </a:pPr>
+            <a:endParaRPr lang="en-US" sz="1800" dirty="0">
+              <a:latin typeface="Cascadia Code" panose="020B0509020204030204" pitchFamily="49" charset="0"/>
+            </a:endParaRPr>
+          </a:p>
+          <a:p>
+            <a:pPr marL="0" indent="0">
+              <a:buNone/>
+            </a:pPr>
+            <a:r>
+              <a:rPr lang="en-US" sz="1800" dirty="0">
+                <a:latin typeface="Cascadia Code" panose="020B0509020204030204" pitchFamily="49" charset="0"/>
+              </a:rPr>
+              <a:t>failed()</a:t>
+            </a:r>
+          </a:p>
+        </p:txBody>
+      </p:sp>
+    </p:spTree>
+    <p:extLst>
+      <p:ext uri="{BB962C8B-B14F-4D97-AF65-F5344CB8AC3E}">
+        <p14:creationId xmlns:p14="http://schemas.microsoft.com/office/powerpoint/2010/main" val="2177930260"/>
+      </p:ext>
+    </p:extLst>
+  </p:cSld>
+  <p:clrMapOvr>
+    <a:masterClrMapping/>
+  </p:clrMapOvr>
+  <mc:AlternateContent xmlns:mc="http://schemas.openxmlformats.org/markup-compatibility/2006">
+    <mc:Choice xmlns:p159="http://schemas.microsoft.com/office/powerpoint/2015/09/main" Requires="p159">
+      <p:transition xmlns:p14="http://schemas.microsoft.com/office/powerpoint/2010/main" spd="slow" p14:dur="2000">
+        <p159:morph option="byWord"/>
+      </p:transition>
+    </mc:Choice>
+    <mc:Fallback>
+      <p:transition spd="slow">
+        <p:fade/>
+      </p:transition>
+    </mc:Fallback>
+  </mc:AlternateContent>
+</p:sld>
+</file>
+
+<file path=ppt/slides/slide25.xml><?xml version="1.0" encoding="utf-8"?>
+<p:sld xmlns:a="http://schemas.openxmlformats.org/drawingml/2006/main" xmlns:r="http://schemas.openxmlformats.org/officeDocument/2006/relationships" xmlns:p="http://schemas.openxmlformats.org/presentationml/2006/main">
+  <p:cSld>
+    <p:spTree>
+      <p:nvGrpSpPr>
+        <p:cNvPr id="1" name=""/>
+        <p:cNvGrpSpPr/>
+        <p:nvPr/>
+      </p:nvGrpSpPr>
+      <p:grpSpPr>
+        <a:xfrm>
+          <a:off x="0" y="0"/>
+          <a:ext cx="0" cy="0"/>
+          <a:chOff x="0" y="0"/>
+          <a:chExt cx="0" cy="0"/>
+        </a:xfrm>
+      </p:grpSpPr>
+      <p:sp>
+        <p:nvSpPr>
+          <p:cNvPr id="2" name="Title 1">
+            <a:extLst>
+              <a:ext uri="{FF2B5EF4-FFF2-40B4-BE49-F238E27FC236}">
+                <a16:creationId xmlns:a16="http://schemas.microsoft.com/office/drawing/2014/main" id="{B8BCB36E-3E64-4ED6-B7EA-9223E67A42B8}"/>
+              </a:ext>
+            </a:extLst>
+          </p:cNvPr>
+          <p:cNvSpPr>
+            <a:spLocks noGrp="1"/>
+          </p:cNvSpPr>
+          <p:nvPr>
+            <p:ph type="title"/>
+          </p:nvPr>
+        </p:nvSpPr>
+        <p:spPr/>
+        <p:txBody>
+          <a:bodyPr/>
+          <a:lstStyle/>
+          <a:p>
+            <a:r>
+              <a:rPr lang="en-US" dirty="0"/>
+              <a:t>Conditions (combining)</a:t>
+            </a:r>
+          </a:p>
+        </p:txBody>
+      </p:sp>
+      <p:sp>
+        <p:nvSpPr>
+          <p:cNvPr id="10" name="Content Placeholder 2">
+            <a:extLst>
+              <a:ext uri="{FF2B5EF4-FFF2-40B4-BE49-F238E27FC236}">
+                <a16:creationId xmlns:a16="http://schemas.microsoft.com/office/drawing/2014/main" id="{DDDDECAB-9450-40D7-AAEE-86FEED8A2B32}"/>
+              </a:ext>
+            </a:extLst>
+          </p:cNvPr>
+          <p:cNvSpPr txBox="1">
+            <a:spLocks/>
+          </p:cNvSpPr>
+          <p:nvPr/>
+        </p:nvSpPr>
+        <p:spPr>
+          <a:xfrm>
+            <a:off x="838200" y="1825624"/>
+            <a:ext cx="10515600" cy="4575175"/>
+          </a:xfrm>
+          <a:prstGeom prst="rect">
+            <a:avLst/>
+          </a:prstGeom>
+        </p:spPr>
+        <p:txBody>
+          <a:bodyPr vert="horz" wrap="square" lIns="0" tIns="0" rIns="0" bIns="0" rtlCol="0" anchor="t">
+            <a:normAutofit/>
+          </a:bodyPr>
+          <a:lstStyle>
+            <a:lvl1pPr marL="228600" marR="0" indent="-228600" algn="l" defTabSz="932742" rtl="0" eaLnBrk="1" fontAlgn="auto" latinLnBrk="0" hangingPunct="1">
+              <a:lnSpc>
+                <a:spcPct val="100000"/>
+              </a:lnSpc>
+              <a:spcBef>
+                <a:spcPct val="20000"/>
+              </a:spcBef>
+              <a:spcAft>
+                <a:spcPts val="0"/>
+              </a:spcAft>
+              <a:buClrTx/>
+              <a:buSzPct val="90000"/>
+              <a:buFont typeface="Wingdings" panose="05000000000000000000" pitchFamily="2" charset="2"/>
+              <a:buChar char=""/>
+              <a:tabLst/>
+              <a:defRPr sz="2800" kern="1200" spc="0" baseline="0">
+                <a:gradFill>
+                  <a:gsLst>
+                    <a:gs pos="1250">
+                      <a:schemeClr val="tx1"/>
+                    </a:gs>
+                    <a:gs pos="100000">
+                      <a:schemeClr val="tx1"/>
+                    </a:gs>
+                  </a:gsLst>
+                  <a:lin ang="5400000" scaled="0"/>
+                </a:gradFill>
+                <a:latin typeface="Segoe UI Semilight" panose="020B0402040204020203" pitchFamily="34" charset="0"/>
+                <a:ea typeface="+mn-ea"/>
+                <a:cs typeface="Segoe UI Semilight" panose="020B0402040204020203" pitchFamily="34" charset="0"/>
+              </a:defRPr>
+            </a:lvl1pPr>
+            <a:lvl2pPr marL="457200" marR="0" indent="-228600" algn="l" defTabSz="932742" rtl="0" eaLnBrk="1" fontAlgn="auto" latinLnBrk="0" hangingPunct="1">
+              <a:lnSpc>
+                <a:spcPct val="100000"/>
+              </a:lnSpc>
+              <a:spcBef>
+                <a:spcPct val="20000"/>
+              </a:spcBef>
+              <a:spcAft>
+                <a:spcPts val="0"/>
+              </a:spcAft>
+              <a:buClrTx/>
+              <a:buSzPct val="90000"/>
+              <a:buFont typeface="Wingdings" panose="05000000000000000000" pitchFamily="2" charset="2"/>
+              <a:buChar char=""/>
+              <a:tabLst/>
+              <a:defRPr sz="2000" kern="1200" spc="0" baseline="0">
+                <a:gradFill>
+                  <a:gsLst>
+                    <a:gs pos="1250">
+                      <a:schemeClr val="tx1"/>
+                    </a:gs>
+                    <a:gs pos="100000">
+                      <a:schemeClr val="tx1"/>
+                    </a:gs>
+                  </a:gsLst>
+                  <a:lin ang="5400000" scaled="0"/>
+                </a:gradFill>
+                <a:latin typeface="+mn-lt"/>
+                <a:ea typeface="+mn-ea"/>
+                <a:cs typeface="+mn-cs"/>
+              </a:defRPr>
+            </a:lvl2pPr>
+            <a:lvl3pPr marL="657225" marR="0" indent="-200025" algn="l" defTabSz="932742" rtl="0" eaLnBrk="1" fontAlgn="auto" latinLnBrk="0" hangingPunct="1">
+              <a:lnSpc>
+                <a:spcPct val="100000"/>
+              </a:lnSpc>
+              <a:spcBef>
+                <a:spcPct val="20000"/>
+              </a:spcBef>
+              <a:spcAft>
+                <a:spcPts val="0"/>
+              </a:spcAft>
+              <a:buClrTx/>
+              <a:buSzPct val="90000"/>
+              <a:buFont typeface="Wingdings" panose="05000000000000000000" pitchFamily="2" charset="2"/>
+              <a:buChar char=""/>
+              <a:tabLst/>
+              <a:defRPr sz="1600" kern="1200" spc="0" baseline="0">
+                <a:gradFill>
+                  <a:gsLst>
+                    <a:gs pos="1250">
+                      <a:schemeClr val="tx1"/>
+                    </a:gs>
+                    <a:gs pos="100000">
+                      <a:schemeClr val="tx1"/>
+                    </a:gs>
+                  </a:gsLst>
+                  <a:lin ang="5400000" scaled="0"/>
+                </a:gradFill>
+                <a:latin typeface="+mn-lt"/>
+                <a:ea typeface="+mn-ea"/>
+                <a:cs typeface="+mn-cs"/>
+              </a:defRPr>
+            </a:lvl3pPr>
+            <a:lvl4pPr marL="842963" marR="0" indent="-180975" algn="l" defTabSz="932742" rtl="0" eaLnBrk="1" fontAlgn="auto" latinLnBrk="0" hangingPunct="1">
+              <a:lnSpc>
+                <a:spcPct val="100000"/>
+              </a:lnSpc>
+              <a:spcBef>
+                <a:spcPct val="20000"/>
+              </a:spcBef>
+              <a:spcAft>
+                <a:spcPts val="0"/>
+              </a:spcAft>
+              <a:buClrTx/>
+              <a:buSzPct val="90000"/>
+              <a:buFont typeface="Wingdings" panose="05000000000000000000" pitchFamily="2" charset="2"/>
+              <a:buChar char=""/>
+              <a:tabLst/>
+              <a:defRPr sz="1400" kern="1200" spc="0" baseline="0">
+                <a:gradFill>
+                  <a:gsLst>
+                    <a:gs pos="1250">
+                      <a:schemeClr val="tx1"/>
+                    </a:gs>
+                    <a:gs pos="100000">
+                      <a:schemeClr val="tx1"/>
+                    </a:gs>
+                  </a:gsLst>
+                  <a:lin ang="5400000" scaled="0"/>
+                </a:gradFill>
+                <a:latin typeface="+mn-lt"/>
+                <a:ea typeface="+mn-ea"/>
+                <a:cs typeface="+mn-cs"/>
+              </a:defRPr>
+            </a:lvl4pPr>
+            <a:lvl5pPr marL="1023938" marR="0" indent="-168275" algn="l" defTabSz="932742" rtl="0" eaLnBrk="1" fontAlgn="auto" latinLnBrk="0" hangingPunct="1">
+              <a:lnSpc>
+                <a:spcPct val="100000"/>
+              </a:lnSpc>
+              <a:spcBef>
+                <a:spcPct val="20000"/>
+              </a:spcBef>
+              <a:spcAft>
+                <a:spcPts val="0"/>
+              </a:spcAft>
+              <a:buClrTx/>
+              <a:buSzPct val="90000"/>
+              <a:buFont typeface="Wingdings" panose="05000000000000000000" pitchFamily="2" charset="2"/>
+              <a:buChar char=""/>
+              <a:tabLst/>
+              <a:defRPr sz="1400" kern="1200" spc="0" baseline="0">
+                <a:gradFill>
+                  <a:gsLst>
+                    <a:gs pos="1250">
+                      <a:schemeClr val="tx1"/>
+                    </a:gs>
+                    <a:gs pos="100000">
+                      <a:schemeClr val="tx1"/>
+                    </a:gs>
+                  </a:gsLst>
+                  <a:lin ang="5400000" scaled="0"/>
+                </a:gradFill>
+                <a:latin typeface="+mn-lt"/>
+                <a:ea typeface="+mn-ea"/>
+                <a:cs typeface="+mn-cs"/>
+              </a:defRPr>
+            </a:lvl5pPr>
+            <a:lvl6pPr marL="2565040" indent="-233186" algn="l" defTabSz="932742" rtl="0" eaLnBrk="1" latinLnBrk="0" hangingPunct="1">
+              <a:spcBef>
+                <a:spcPct val="20000"/>
+              </a:spcBef>
+              <a:buFont typeface="Arial" pitchFamily="34" charset="0"/>
+              <a:buChar char="•"/>
+              <a:defRPr sz="2000" kern="1200">
+                <a:solidFill>
+                  <a:schemeClr val="tx1"/>
+                </a:solidFill>
+                <a:latin typeface="+mn-lt"/>
+                <a:ea typeface="+mn-ea"/>
+                <a:cs typeface="+mn-cs"/>
+              </a:defRPr>
+            </a:lvl6pPr>
+            <a:lvl7pPr marL="3031412" indent="-233186" algn="l" defTabSz="932742" rtl="0" eaLnBrk="1" latinLnBrk="0" hangingPunct="1">
+              <a:spcBef>
+                <a:spcPct val="20000"/>
+              </a:spcBef>
+              <a:buFont typeface="Arial" pitchFamily="34" charset="0"/>
+              <a:buChar char="•"/>
+              <a:defRPr sz="2000" kern="1200">
+                <a:solidFill>
+                  <a:schemeClr val="tx1"/>
+                </a:solidFill>
+                <a:latin typeface="+mn-lt"/>
+                <a:ea typeface="+mn-ea"/>
+                <a:cs typeface="+mn-cs"/>
+              </a:defRPr>
+            </a:lvl7pPr>
+            <a:lvl8pPr marL="3497783" indent="-233186" algn="l" defTabSz="932742" rtl="0" eaLnBrk="1" latinLnBrk="0" hangingPunct="1">
+              <a:spcBef>
+                <a:spcPct val="20000"/>
+              </a:spcBef>
+              <a:buFont typeface="Arial" pitchFamily="34" charset="0"/>
+              <a:buChar char="•"/>
+              <a:defRPr sz="2000" kern="1200">
+                <a:solidFill>
+                  <a:schemeClr val="tx1"/>
+                </a:solidFill>
+                <a:latin typeface="+mn-lt"/>
+                <a:ea typeface="+mn-ea"/>
+                <a:cs typeface="+mn-cs"/>
+              </a:defRPr>
+            </a:lvl8pPr>
+            <a:lvl9pPr marL="3964155" indent="-233186" algn="l" defTabSz="932742" rtl="0" eaLnBrk="1" latinLnBrk="0" hangingPunct="1">
+              <a:spcBef>
+                <a:spcPct val="20000"/>
+              </a:spcBef>
+              <a:buFont typeface="Arial" pitchFamily="34" charset="0"/>
+              <a:buChar char="•"/>
+              <a:defRPr sz="2000" kern="1200">
+                <a:solidFill>
+                  <a:schemeClr val="tx1"/>
+                </a:solidFill>
+                <a:latin typeface="+mn-lt"/>
+                <a:ea typeface="+mn-ea"/>
+                <a:cs typeface="+mn-cs"/>
+              </a:defRPr>
+            </a:lvl9pPr>
+          </a:lstStyle>
+          <a:p>
+            <a:pPr marL="0" indent="0">
+              <a:buNone/>
+            </a:pPr>
+            <a:r>
+              <a:rPr lang="en-US" sz="1800" dirty="0">
+                <a:latin typeface="Cascadia Code" panose="020B0509020204030204" pitchFamily="49" charset="0"/>
+              </a:rPr>
+              <a:t>and(succeeded(), </a:t>
+            </a:r>
+            <a:r>
+              <a:rPr lang="en-US" sz="1800" dirty="0" err="1">
+                <a:latin typeface="Cascadia Code" panose="020B0509020204030204" pitchFamily="49" charset="0"/>
+              </a:rPr>
+              <a:t>some_other_check</a:t>
+            </a:r>
+            <a:r>
+              <a:rPr lang="en-US" sz="1800" dirty="0">
+                <a:latin typeface="Cascadia Code" panose="020B0509020204030204" pitchFamily="49" charset="0"/>
+              </a:rPr>
+              <a:t>())</a:t>
+            </a:r>
+          </a:p>
+        </p:txBody>
+      </p:sp>
+    </p:spTree>
+    <p:extLst>
+      <p:ext uri="{BB962C8B-B14F-4D97-AF65-F5344CB8AC3E}">
+        <p14:creationId xmlns:p14="http://schemas.microsoft.com/office/powerpoint/2010/main" val="2046539839"/>
+      </p:ext>
+    </p:extLst>
+  </p:cSld>
+  <p:clrMapOvr>
+    <a:masterClrMapping/>
+  </p:clrMapOvr>
+  <mc:AlternateContent xmlns:mc="http://schemas.openxmlformats.org/markup-compatibility/2006">
+    <mc:Choice xmlns:p159="http://schemas.microsoft.com/office/powerpoint/2015/09/main" Requires="p159">
+      <p:transition xmlns:p14="http://schemas.microsoft.com/office/powerpoint/2010/main" spd="slow" p14:dur="2000">
+        <p159:morph option="byWord"/>
+      </p:transition>
+    </mc:Choice>
+    <mc:Fallback>
+      <p:transition spd="slow">
+        <p:fade/>
+      </p:transition>
+    </mc:Fallback>
+  </mc:AlternateContent>
+</p:sld>
+</file>
+
+<file path=ppt/slides/slide26.xml><?xml version="1.0" encoding="utf-8"?>
+<p:sld xmlns:a="http://schemas.openxmlformats.org/drawingml/2006/main" xmlns:r="http://schemas.openxmlformats.org/officeDocument/2006/relationships" xmlns:p="http://schemas.openxmlformats.org/presentationml/2006/main">
+  <p:cSld>
+    <p:spTree>
+      <p:nvGrpSpPr>
+        <p:cNvPr id="1" name=""/>
+        <p:cNvGrpSpPr/>
+        <p:nvPr/>
+      </p:nvGrpSpPr>
+      <p:grpSpPr>
+        <a:xfrm>
+          <a:off x="0" y="0"/>
+          <a:ext cx="0" cy="0"/>
+          <a:chOff x="0" y="0"/>
+          <a:chExt cx="0" cy="0"/>
+        </a:xfrm>
+      </p:grpSpPr>
+      <p:sp>
+        <p:nvSpPr>
+          <p:cNvPr id="2" name="Title 1">
+            <a:extLst>
+              <a:ext uri="{FF2B5EF4-FFF2-40B4-BE49-F238E27FC236}">
+                <a16:creationId xmlns:a16="http://schemas.microsoft.com/office/drawing/2014/main" id="{B8BCB36E-3E64-4ED6-B7EA-9223E67A42B8}"/>
+              </a:ext>
+            </a:extLst>
+          </p:cNvPr>
+          <p:cNvSpPr>
+            <a:spLocks noGrp="1"/>
+          </p:cNvSpPr>
+          <p:nvPr>
+            <p:ph type="title"/>
+          </p:nvPr>
+        </p:nvSpPr>
+        <p:spPr/>
+        <p:txBody>
+          <a:bodyPr/>
+          <a:lstStyle/>
+          <a:p>
+            <a:r>
+              <a:rPr lang="en-US" dirty="0"/>
+              <a:t>Conditions (combining)</a:t>
+            </a:r>
+          </a:p>
+        </p:txBody>
+      </p:sp>
+      <p:sp>
+        <p:nvSpPr>
+          <p:cNvPr id="10" name="Content Placeholder 2">
+            <a:extLst>
+              <a:ext uri="{FF2B5EF4-FFF2-40B4-BE49-F238E27FC236}">
+                <a16:creationId xmlns:a16="http://schemas.microsoft.com/office/drawing/2014/main" id="{DDDDECAB-9450-40D7-AAEE-86FEED8A2B32}"/>
+              </a:ext>
+            </a:extLst>
+          </p:cNvPr>
+          <p:cNvSpPr txBox="1">
+            <a:spLocks/>
+          </p:cNvSpPr>
+          <p:nvPr/>
+        </p:nvSpPr>
+        <p:spPr>
+          <a:xfrm>
+            <a:off x="838200" y="1825624"/>
+            <a:ext cx="10515600" cy="4575175"/>
+          </a:xfrm>
+          <a:prstGeom prst="rect">
+            <a:avLst/>
+          </a:prstGeom>
+        </p:spPr>
+        <p:txBody>
+          <a:bodyPr vert="horz" wrap="square" lIns="0" tIns="0" rIns="0" bIns="0" rtlCol="0" anchor="t">
+            <a:normAutofit/>
+          </a:bodyPr>
+          <a:lstStyle>
+            <a:lvl1pPr marL="228600" marR="0" indent="-228600" algn="l" defTabSz="932742" rtl="0" eaLnBrk="1" fontAlgn="auto" latinLnBrk="0" hangingPunct="1">
+              <a:lnSpc>
+                <a:spcPct val="100000"/>
+              </a:lnSpc>
+              <a:spcBef>
+                <a:spcPct val="20000"/>
+              </a:spcBef>
+              <a:spcAft>
+                <a:spcPts val="0"/>
+              </a:spcAft>
+              <a:buClrTx/>
+              <a:buSzPct val="90000"/>
+              <a:buFont typeface="Wingdings" panose="05000000000000000000" pitchFamily="2" charset="2"/>
+              <a:buChar char=""/>
+              <a:tabLst/>
+              <a:defRPr sz="2800" kern="1200" spc="0" baseline="0">
+                <a:gradFill>
+                  <a:gsLst>
+                    <a:gs pos="1250">
+                      <a:schemeClr val="tx1"/>
+                    </a:gs>
+                    <a:gs pos="100000">
+                      <a:schemeClr val="tx1"/>
+                    </a:gs>
+                  </a:gsLst>
+                  <a:lin ang="5400000" scaled="0"/>
+                </a:gradFill>
+                <a:latin typeface="Segoe UI Semilight" panose="020B0402040204020203" pitchFamily="34" charset="0"/>
+                <a:ea typeface="+mn-ea"/>
+                <a:cs typeface="Segoe UI Semilight" panose="020B0402040204020203" pitchFamily="34" charset="0"/>
+              </a:defRPr>
+            </a:lvl1pPr>
+            <a:lvl2pPr marL="457200" marR="0" indent="-228600" algn="l" defTabSz="932742" rtl="0" eaLnBrk="1" fontAlgn="auto" latinLnBrk="0" hangingPunct="1">
+              <a:lnSpc>
+                <a:spcPct val="100000"/>
+              </a:lnSpc>
+              <a:spcBef>
+                <a:spcPct val="20000"/>
+              </a:spcBef>
+              <a:spcAft>
+                <a:spcPts val="0"/>
+              </a:spcAft>
+              <a:buClrTx/>
+              <a:buSzPct val="90000"/>
+              <a:buFont typeface="Wingdings" panose="05000000000000000000" pitchFamily="2" charset="2"/>
+              <a:buChar char=""/>
+              <a:tabLst/>
+              <a:defRPr sz="2000" kern="1200" spc="0" baseline="0">
+                <a:gradFill>
+                  <a:gsLst>
+                    <a:gs pos="1250">
+                      <a:schemeClr val="tx1"/>
+                    </a:gs>
+                    <a:gs pos="100000">
+                      <a:schemeClr val="tx1"/>
+                    </a:gs>
+                  </a:gsLst>
+                  <a:lin ang="5400000" scaled="0"/>
+                </a:gradFill>
+                <a:latin typeface="+mn-lt"/>
+                <a:ea typeface="+mn-ea"/>
+                <a:cs typeface="+mn-cs"/>
+              </a:defRPr>
+            </a:lvl2pPr>
+            <a:lvl3pPr marL="657225" marR="0" indent="-200025" algn="l" defTabSz="932742" rtl="0" eaLnBrk="1" fontAlgn="auto" latinLnBrk="0" hangingPunct="1">
+              <a:lnSpc>
+                <a:spcPct val="100000"/>
+              </a:lnSpc>
+              <a:spcBef>
+                <a:spcPct val="20000"/>
+              </a:spcBef>
+              <a:spcAft>
+                <a:spcPts val="0"/>
+              </a:spcAft>
+              <a:buClrTx/>
+              <a:buSzPct val="90000"/>
+              <a:buFont typeface="Wingdings" panose="05000000000000000000" pitchFamily="2" charset="2"/>
+              <a:buChar char=""/>
+              <a:tabLst/>
+              <a:defRPr sz="1600" kern="1200" spc="0" baseline="0">
+                <a:gradFill>
+                  <a:gsLst>
+                    <a:gs pos="1250">
+                      <a:schemeClr val="tx1"/>
+                    </a:gs>
+                    <a:gs pos="100000">
+                      <a:schemeClr val="tx1"/>
+                    </a:gs>
+                  </a:gsLst>
+                  <a:lin ang="5400000" scaled="0"/>
+                </a:gradFill>
+                <a:latin typeface="+mn-lt"/>
+                <a:ea typeface="+mn-ea"/>
+                <a:cs typeface="+mn-cs"/>
+              </a:defRPr>
+            </a:lvl3pPr>
+            <a:lvl4pPr marL="842963" marR="0" indent="-180975" algn="l" defTabSz="932742" rtl="0" eaLnBrk="1" fontAlgn="auto" latinLnBrk="0" hangingPunct="1">
+              <a:lnSpc>
+                <a:spcPct val="100000"/>
+              </a:lnSpc>
+              <a:spcBef>
+                <a:spcPct val="20000"/>
+              </a:spcBef>
+              <a:spcAft>
+                <a:spcPts val="0"/>
+              </a:spcAft>
+              <a:buClrTx/>
+              <a:buSzPct val="90000"/>
+              <a:buFont typeface="Wingdings" panose="05000000000000000000" pitchFamily="2" charset="2"/>
+              <a:buChar char=""/>
+              <a:tabLst/>
+              <a:defRPr sz="1400" kern="1200" spc="0" baseline="0">
+                <a:gradFill>
+                  <a:gsLst>
+                    <a:gs pos="1250">
+                      <a:schemeClr val="tx1"/>
+                    </a:gs>
+                    <a:gs pos="100000">
+                      <a:schemeClr val="tx1"/>
+                    </a:gs>
+                  </a:gsLst>
+                  <a:lin ang="5400000" scaled="0"/>
+                </a:gradFill>
+                <a:latin typeface="+mn-lt"/>
+                <a:ea typeface="+mn-ea"/>
+                <a:cs typeface="+mn-cs"/>
+              </a:defRPr>
+            </a:lvl4pPr>
+            <a:lvl5pPr marL="1023938" marR="0" indent="-168275" algn="l" defTabSz="932742" rtl="0" eaLnBrk="1" fontAlgn="auto" latinLnBrk="0" hangingPunct="1">
+              <a:lnSpc>
+                <a:spcPct val="100000"/>
+              </a:lnSpc>
+              <a:spcBef>
+                <a:spcPct val="20000"/>
+              </a:spcBef>
+              <a:spcAft>
+                <a:spcPts val="0"/>
+              </a:spcAft>
+              <a:buClrTx/>
+              <a:buSzPct val="90000"/>
+              <a:buFont typeface="Wingdings" panose="05000000000000000000" pitchFamily="2" charset="2"/>
+              <a:buChar char=""/>
+              <a:tabLst/>
+              <a:defRPr sz="1400" kern="1200" spc="0" baseline="0">
+                <a:gradFill>
+                  <a:gsLst>
+                    <a:gs pos="1250">
+                      <a:schemeClr val="tx1"/>
+                    </a:gs>
+                    <a:gs pos="100000">
+                      <a:schemeClr val="tx1"/>
+                    </a:gs>
+                  </a:gsLst>
+                  <a:lin ang="5400000" scaled="0"/>
+                </a:gradFill>
+                <a:latin typeface="+mn-lt"/>
+                <a:ea typeface="+mn-ea"/>
+                <a:cs typeface="+mn-cs"/>
+              </a:defRPr>
+            </a:lvl5pPr>
+            <a:lvl6pPr marL="2565040" indent="-233186" algn="l" defTabSz="932742" rtl="0" eaLnBrk="1" latinLnBrk="0" hangingPunct="1">
+              <a:spcBef>
+                <a:spcPct val="20000"/>
+              </a:spcBef>
+              <a:buFont typeface="Arial" pitchFamily="34" charset="0"/>
+              <a:buChar char="•"/>
+              <a:defRPr sz="2000" kern="1200">
+                <a:solidFill>
+                  <a:schemeClr val="tx1"/>
+                </a:solidFill>
+                <a:latin typeface="+mn-lt"/>
+                <a:ea typeface="+mn-ea"/>
+                <a:cs typeface="+mn-cs"/>
+              </a:defRPr>
+            </a:lvl6pPr>
+            <a:lvl7pPr marL="3031412" indent="-233186" algn="l" defTabSz="932742" rtl="0" eaLnBrk="1" latinLnBrk="0" hangingPunct="1">
+              <a:spcBef>
+                <a:spcPct val="20000"/>
+              </a:spcBef>
+              <a:buFont typeface="Arial" pitchFamily="34" charset="0"/>
+              <a:buChar char="•"/>
+              <a:defRPr sz="2000" kern="1200">
+                <a:solidFill>
+                  <a:schemeClr val="tx1"/>
+                </a:solidFill>
+                <a:latin typeface="+mn-lt"/>
+                <a:ea typeface="+mn-ea"/>
+                <a:cs typeface="+mn-cs"/>
+              </a:defRPr>
+            </a:lvl7pPr>
+            <a:lvl8pPr marL="3497783" indent="-233186" algn="l" defTabSz="932742" rtl="0" eaLnBrk="1" latinLnBrk="0" hangingPunct="1">
+              <a:spcBef>
+                <a:spcPct val="20000"/>
+              </a:spcBef>
+              <a:buFont typeface="Arial" pitchFamily="34" charset="0"/>
+              <a:buChar char="•"/>
+              <a:defRPr sz="2000" kern="1200">
+                <a:solidFill>
+                  <a:schemeClr val="tx1"/>
+                </a:solidFill>
+                <a:latin typeface="+mn-lt"/>
+                <a:ea typeface="+mn-ea"/>
+                <a:cs typeface="+mn-cs"/>
+              </a:defRPr>
+            </a:lvl8pPr>
+            <a:lvl9pPr marL="3964155" indent="-233186" algn="l" defTabSz="932742" rtl="0" eaLnBrk="1" latinLnBrk="0" hangingPunct="1">
+              <a:spcBef>
+                <a:spcPct val="20000"/>
+              </a:spcBef>
+              <a:buFont typeface="Arial" pitchFamily="34" charset="0"/>
+              <a:buChar char="•"/>
+              <a:defRPr sz="2000" kern="1200">
+                <a:solidFill>
+                  <a:schemeClr val="tx1"/>
+                </a:solidFill>
+                <a:latin typeface="+mn-lt"/>
+                <a:ea typeface="+mn-ea"/>
+                <a:cs typeface="+mn-cs"/>
+              </a:defRPr>
+            </a:lvl9pPr>
+          </a:lstStyle>
+          <a:p>
+            <a:pPr marL="0" indent="0">
+              <a:buNone/>
+            </a:pPr>
+            <a:r>
+              <a:rPr lang="en-US" sz="1800" dirty="0">
+                <a:latin typeface="Cascadia Code" panose="020B0509020204030204" pitchFamily="49" charset="0"/>
+              </a:rPr>
+              <a:t>and(</a:t>
+            </a:r>
+            <a:r>
+              <a:rPr lang="en-US" sz="1800" dirty="0">
+                <a:highlight>
+                  <a:srgbClr val="FFFF00"/>
+                </a:highlight>
+                <a:latin typeface="Cascadia Code" panose="020B0509020204030204" pitchFamily="49" charset="0"/>
+              </a:rPr>
+              <a:t>succeeded()</a:t>
+            </a:r>
+            <a:r>
+              <a:rPr lang="en-US" sz="1800" dirty="0">
+                <a:latin typeface="Cascadia Code" panose="020B0509020204030204" pitchFamily="49" charset="0"/>
+              </a:rPr>
+              <a:t>, </a:t>
+            </a:r>
+            <a:r>
+              <a:rPr lang="en-US" sz="1800" dirty="0" err="1">
+                <a:latin typeface="Cascadia Code" panose="020B0509020204030204" pitchFamily="49" charset="0"/>
+              </a:rPr>
+              <a:t>some_other_check</a:t>
+            </a:r>
+            <a:r>
+              <a:rPr lang="en-US" sz="1800" dirty="0">
+                <a:latin typeface="Cascadia Code" panose="020B0509020204030204" pitchFamily="49" charset="0"/>
+              </a:rPr>
+              <a:t>())</a:t>
+            </a:r>
+          </a:p>
+        </p:txBody>
+      </p:sp>
+    </p:spTree>
+    <p:extLst>
+      <p:ext uri="{BB962C8B-B14F-4D97-AF65-F5344CB8AC3E}">
+        <p14:creationId xmlns:p14="http://schemas.microsoft.com/office/powerpoint/2010/main" val="1202073381"/>
+      </p:ext>
+    </p:extLst>
+  </p:cSld>
+  <p:clrMapOvr>
+    <a:masterClrMapping/>
+  </p:clrMapOvr>
+  <mc:AlternateContent xmlns:mc="http://schemas.openxmlformats.org/markup-compatibility/2006">
+    <mc:Choice xmlns:p159="http://schemas.microsoft.com/office/powerpoint/2015/09/main" Requires="p159">
+      <p:transition xmlns:p14="http://schemas.microsoft.com/office/powerpoint/2010/main" spd="slow" p14:dur="2000">
+        <p159:morph option="byWord"/>
+      </p:transition>
+    </mc:Choice>
+    <mc:Fallback>
+      <p:transition spd="slow">
+        <p:fade/>
+      </p:transition>
+    </mc:Fallback>
+  </mc:AlternateContent>
+</p:sld>
+</file>
+
+<file path=ppt/slides/slide27.xml><?xml version="1.0" encoding="utf-8"?>
+<p:sld xmlns:a="http://schemas.openxmlformats.org/drawingml/2006/main" xmlns:r="http://schemas.openxmlformats.org/officeDocument/2006/relationships" xmlns:p="http://schemas.openxmlformats.org/presentationml/2006/main">
+  <p:cSld>
+    <p:spTree>
+      <p:nvGrpSpPr>
+        <p:cNvPr id="1" name=""/>
+        <p:cNvGrpSpPr/>
+        <p:nvPr/>
+      </p:nvGrpSpPr>
+      <p:grpSpPr>
+        <a:xfrm>
+          <a:off x="0" y="0"/>
+          <a:ext cx="0" cy="0"/>
+          <a:chOff x="0" y="0"/>
+          <a:chExt cx="0" cy="0"/>
+        </a:xfrm>
+      </p:grpSpPr>
+      <p:sp>
+        <p:nvSpPr>
+          <p:cNvPr id="2" name="Title 1">
+            <a:extLst>
+              <a:ext uri="{FF2B5EF4-FFF2-40B4-BE49-F238E27FC236}">
+                <a16:creationId xmlns:a16="http://schemas.microsoft.com/office/drawing/2014/main" id="{CF6D492F-2F2E-403C-A0FE-3CE355E24FF0}"/>
+              </a:ext>
+            </a:extLst>
+          </p:cNvPr>
+          <p:cNvSpPr>
+            <a:spLocks noGrp="1"/>
+          </p:cNvSpPr>
+          <p:nvPr>
+            <p:ph type="title"/>
+          </p:nvPr>
+        </p:nvSpPr>
+        <p:spPr/>
+        <p:txBody>
+          <a:bodyPr/>
+          <a:lstStyle/>
+          <a:p>
+            <a:r>
+              <a:rPr lang="en-US" dirty="0"/>
+              <a:t>Functions</a:t>
+            </a:r>
+          </a:p>
+        </p:txBody>
+      </p:sp>
+      <p:sp>
+        <p:nvSpPr>
+          <p:cNvPr id="3" name="Footer Placeholder 2">
+            <a:extLst>
+              <a:ext uri="{FF2B5EF4-FFF2-40B4-BE49-F238E27FC236}">
+                <a16:creationId xmlns:a16="http://schemas.microsoft.com/office/drawing/2014/main" id="{923DE14F-7404-4216-A100-C5A5F6F79D59}"/>
+              </a:ext>
+            </a:extLst>
+          </p:cNvPr>
+          <p:cNvSpPr>
+            <a:spLocks noGrp="1"/>
+          </p:cNvSpPr>
+          <p:nvPr>
+            <p:ph type="ftr" sz="quarter" idx="3"/>
+          </p:nvPr>
+        </p:nvSpPr>
+        <p:spPr/>
+        <p:txBody>
+          <a:bodyPr/>
+          <a:lstStyle/>
+          <a:p>
+            <a:r>
+              <a:rPr lang="en-US">
+                <a:solidFill>
+                  <a:schemeClr val="bg1">
+                    <a:lumMod val="65000"/>
+                  </a:schemeClr>
+                </a:solidFill>
+              </a:rPr>
+              <a:t>© Microsoft Corporation                                                                                  								                                Azure </a:t>
+            </a:r>
+            <a:endParaRPr lang="en-US" dirty="0">
+              <a:solidFill>
+                <a:schemeClr val="bg1">
+                  <a:lumMod val="65000"/>
+                </a:schemeClr>
+              </a:solidFill>
+            </a:endParaRPr>
+          </a:p>
+        </p:txBody>
+      </p:sp>
+      <p:graphicFrame>
+        <p:nvGraphicFramePr>
+          <p:cNvPr id="4" name="Table 4">
+            <a:extLst>
+              <a:ext uri="{FF2B5EF4-FFF2-40B4-BE49-F238E27FC236}">
+                <a16:creationId xmlns:a16="http://schemas.microsoft.com/office/drawing/2014/main" id="{DF866E00-052E-4979-B656-44C9BB3A2740}"/>
+              </a:ext>
+            </a:extLst>
+          </p:cNvPr>
+          <p:cNvGraphicFramePr>
+            <a:graphicFrameLocks noGrp="1"/>
+          </p:cNvGraphicFramePr>
+          <p:nvPr>
+            <p:extLst>
+              <p:ext uri="{D42A27DB-BD31-4B8C-83A1-F6EECF244321}">
+                <p14:modId xmlns:p14="http://schemas.microsoft.com/office/powerpoint/2010/main" val="737720092"/>
+              </p:ext>
+            </p:extLst>
+          </p:nvPr>
+        </p:nvGraphicFramePr>
+        <p:xfrm>
+          <a:off x="2032000" y="1647329"/>
+          <a:ext cx="8128000" cy="3129280"/>
+        </p:xfrm>
+        <a:graphic>
+          <a:graphicData uri="http://schemas.openxmlformats.org/drawingml/2006/table">
+            <a:tbl>
+              <a:tblPr firstCol="1" bandRow="1">
+                <a:tableStyleId>{F5AB1C69-6EDB-4FF4-983F-18BD219EF322}</a:tableStyleId>
+              </a:tblPr>
+              <a:tblGrid>
+                <a:gridCol w="4064000">
+                  <a:extLst>
+                    <a:ext uri="{9D8B030D-6E8A-4147-A177-3AD203B41FA5}">
+                      <a16:colId xmlns:a16="http://schemas.microsoft.com/office/drawing/2014/main" val="1944499601"/>
+                    </a:ext>
+                  </a:extLst>
+                </a:gridCol>
+                <a:gridCol w="4064000">
+                  <a:extLst>
+                    <a:ext uri="{9D8B030D-6E8A-4147-A177-3AD203B41FA5}">
+                      <a16:colId xmlns:a16="http://schemas.microsoft.com/office/drawing/2014/main" val="2090293776"/>
+                    </a:ext>
+                  </a:extLst>
+                </a:gridCol>
+              </a:tblGrid>
+              <a:tr h="370840">
+                <a:tc>
+                  <a:txBody>
+                    <a:bodyPr/>
+                    <a:lstStyle/>
+                    <a:p>
+                      <a:r>
+                        <a:rPr lang="en-US" dirty="0"/>
+                        <a:t>And</a:t>
+                      </a:r>
+                    </a:p>
+                  </a:txBody>
+                  <a:tcPr/>
+                </a:tc>
+                <a:tc>
+                  <a:txBody>
+                    <a:bodyPr/>
+                    <a:lstStyle/>
+                    <a:p>
+                      <a:r>
+                        <a:rPr lang="en-US" sz="1600" dirty="0">
+                          <a:latin typeface="Cascadia Code" panose="020B0509020204030204" pitchFamily="49" charset="0"/>
+                        </a:rPr>
+                        <a:t>and( , )</a:t>
+                      </a:r>
+                    </a:p>
+                  </a:txBody>
+                  <a:tcPr/>
+                </a:tc>
+                <a:extLst>
+                  <a:ext uri="{0D108BD9-81ED-4DB2-BD59-A6C34878D82A}">
+                    <a16:rowId xmlns:a16="http://schemas.microsoft.com/office/drawing/2014/main" val="1298686802"/>
+                  </a:ext>
+                </a:extLst>
+              </a:tr>
+              <a:tr h="370840">
+                <a:tc>
+                  <a:txBody>
+                    <a:bodyPr/>
+                    <a:lstStyle/>
+                    <a:p>
+                      <a:r>
+                        <a:rPr lang="en-US" dirty="0"/>
+                        <a:t>Or</a:t>
+                      </a:r>
+                    </a:p>
+                  </a:txBody>
+                  <a:tcPr/>
+                </a:tc>
+                <a:tc>
+                  <a:txBody>
+                    <a:bodyPr/>
+                    <a:lstStyle/>
+                    <a:p>
+                      <a:r>
+                        <a:rPr lang="en-US" sz="1600" dirty="0">
+                          <a:latin typeface="Cascadia Code" panose="020B0509020204030204" pitchFamily="49" charset="0"/>
+                        </a:rPr>
+                        <a:t>or( , )</a:t>
+                      </a:r>
+                    </a:p>
+                  </a:txBody>
+                  <a:tcPr/>
+                </a:tc>
+                <a:extLst>
+                  <a:ext uri="{0D108BD9-81ED-4DB2-BD59-A6C34878D82A}">
+                    <a16:rowId xmlns:a16="http://schemas.microsoft.com/office/drawing/2014/main" val="137351628"/>
+                  </a:ext>
+                </a:extLst>
+              </a:tr>
+              <a:tr h="370840">
+                <a:tc>
+                  <a:txBody>
+                    <a:bodyPr/>
+                    <a:lstStyle/>
+                    <a:p>
+                      <a:r>
+                        <a:rPr lang="en-US" dirty="0"/>
+                        <a:t>Contains</a:t>
+                      </a:r>
+                    </a:p>
+                  </a:txBody>
+                  <a:tcPr/>
+                </a:tc>
+                <a:tc>
+                  <a:txBody>
+                    <a:bodyPr/>
+                    <a:lstStyle/>
+                    <a:p>
+                      <a:r>
+                        <a:rPr lang="en-US" sz="1600" dirty="0">
+                          <a:latin typeface="Cascadia Code" panose="020B0509020204030204" pitchFamily="49" charset="0"/>
+                        </a:rPr>
+                        <a:t>contains( , )</a:t>
+                      </a:r>
+                    </a:p>
+                  </a:txBody>
+                  <a:tcPr/>
+                </a:tc>
+                <a:extLst>
+                  <a:ext uri="{0D108BD9-81ED-4DB2-BD59-A6C34878D82A}">
+                    <a16:rowId xmlns:a16="http://schemas.microsoft.com/office/drawing/2014/main" val="1832310585"/>
+                  </a:ext>
+                </a:extLst>
+              </a:tr>
+              <a:tr h="370840">
+                <a:tc>
+                  <a:txBody>
+                    <a:bodyPr/>
+                    <a:lstStyle/>
+                    <a:p>
+                      <a:r>
+                        <a:rPr lang="en-US" dirty="0"/>
+                        <a:t>Starts/Ends With</a:t>
+                      </a:r>
+                    </a:p>
+                  </a:txBody>
+                  <a:tcPr/>
+                </a:tc>
+                <a:tc>
+                  <a:txBody>
+                    <a:bodyPr/>
+                    <a:lstStyle/>
+                    <a:p>
+                      <a:r>
+                        <a:rPr lang="en-US" sz="1600" dirty="0" err="1">
+                          <a:latin typeface="Cascadia Code" panose="020B0509020204030204" pitchFamily="49" charset="0"/>
+                        </a:rPr>
+                        <a:t>startsWith</a:t>
+                      </a:r>
+                      <a:r>
+                        <a:rPr lang="en-US" sz="1600" dirty="0">
+                          <a:latin typeface="Cascadia Code" panose="020B0509020204030204" pitchFamily="49" charset="0"/>
+                        </a:rPr>
+                        <a:t>( , )</a:t>
+                      </a:r>
+                    </a:p>
+                    <a:p>
+                      <a:r>
+                        <a:rPr lang="en-US" sz="1600" dirty="0" err="1">
+                          <a:latin typeface="Cascadia Code" panose="020B0509020204030204" pitchFamily="49" charset="0"/>
+                        </a:rPr>
+                        <a:t>endsWith</a:t>
+                      </a:r>
+                      <a:r>
+                        <a:rPr lang="en-US" sz="1600" dirty="0">
+                          <a:latin typeface="Cascadia Code" panose="020B0509020204030204" pitchFamily="49" charset="0"/>
+                        </a:rPr>
+                        <a:t> (, )</a:t>
+                      </a:r>
+                    </a:p>
+                  </a:txBody>
+                  <a:tcPr/>
+                </a:tc>
+                <a:extLst>
+                  <a:ext uri="{0D108BD9-81ED-4DB2-BD59-A6C34878D82A}">
+                    <a16:rowId xmlns:a16="http://schemas.microsoft.com/office/drawing/2014/main" val="2436236086"/>
+                  </a:ext>
+                </a:extLst>
+              </a:tr>
+              <a:tr h="370840">
+                <a:tc>
+                  <a:txBody>
+                    <a:bodyPr/>
+                    <a:lstStyle/>
+                    <a:p>
+                      <a:r>
+                        <a:rPr lang="en-US" dirty="0"/>
+                        <a:t>Equals</a:t>
+                      </a:r>
+                    </a:p>
+                  </a:txBody>
+                  <a:tcPr/>
+                </a:tc>
+                <a:tc>
+                  <a:txBody>
+                    <a:bodyPr/>
+                    <a:lstStyle/>
+                    <a:p>
+                      <a:r>
+                        <a:rPr lang="en-US" sz="1600" dirty="0">
+                          <a:latin typeface="Cascadia Code" panose="020B0509020204030204" pitchFamily="49" charset="0"/>
+                        </a:rPr>
+                        <a:t>eq( , )</a:t>
+                      </a:r>
+                    </a:p>
+                  </a:txBody>
+                  <a:tcPr/>
+                </a:tc>
+                <a:extLst>
+                  <a:ext uri="{0D108BD9-81ED-4DB2-BD59-A6C34878D82A}">
+                    <a16:rowId xmlns:a16="http://schemas.microsoft.com/office/drawing/2014/main" val="1306723449"/>
+                  </a:ext>
+                </a:extLst>
+              </a:tr>
+              <a:tr h="370840">
+                <a:tc>
+                  <a:txBody>
+                    <a:bodyPr/>
+                    <a:lstStyle/>
+                    <a:p>
+                      <a:r>
+                        <a:rPr lang="en-US" dirty="0"/>
+                        <a:t>Greater/Less Than or Equal To</a:t>
+                      </a:r>
+                    </a:p>
+                  </a:txBody>
+                  <a:tcPr/>
+                </a:tc>
+                <a:tc>
+                  <a:txBody>
+                    <a:bodyPr/>
+                    <a:lstStyle/>
+                    <a:p>
+                      <a:r>
+                        <a:rPr lang="en-US" sz="1600" dirty="0" err="1">
+                          <a:latin typeface="Cascadia Code" panose="020B0509020204030204" pitchFamily="49" charset="0"/>
+                        </a:rPr>
+                        <a:t>gt</a:t>
+                      </a:r>
+                      <a:r>
+                        <a:rPr lang="en-US" sz="1600" dirty="0">
+                          <a:latin typeface="Cascadia Code" panose="020B0509020204030204" pitchFamily="49" charset="0"/>
+                        </a:rPr>
+                        <a:t>( , )</a:t>
+                      </a:r>
+                      <a:br>
+                        <a:rPr lang="en-US" sz="1600" dirty="0">
+                          <a:latin typeface="Cascadia Code" panose="020B0509020204030204" pitchFamily="49" charset="0"/>
+                        </a:rPr>
+                      </a:br>
+                      <a:r>
+                        <a:rPr lang="en-US" sz="1600" dirty="0" err="1">
+                          <a:latin typeface="Cascadia Code" panose="020B0509020204030204" pitchFamily="49" charset="0"/>
+                        </a:rPr>
+                        <a:t>lt</a:t>
+                      </a:r>
+                      <a:r>
+                        <a:rPr lang="en-US" sz="1600" dirty="0">
+                          <a:latin typeface="Cascadia Code" panose="020B0509020204030204" pitchFamily="49" charset="0"/>
+                        </a:rPr>
+                        <a:t>( , )</a:t>
+                      </a:r>
+                    </a:p>
+                    <a:p>
+                      <a:r>
+                        <a:rPr lang="en-US" sz="1600" dirty="0" err="1">
+                          <a:latin typeface="Cascadia Code" panose="020B0509020204030204" pitchFamily="49" charset="0"/>
+                        </a:rPr>
+                        <a:t>ge</a:t>
+                      </a:r>
+                      <a:r>
+                        <a:rPr lang="en-US" sz="1600" dirty="0">
+                          <a:latin typeface="Cascadia Code" panose="020B0509020204030204" pitchFamily="49" charset="0"/>
+                        </a:rPr>
+                        <a:t>( , )</a:t>
+                      </a:r>
+                    </a:p>
+                    <a:p>
+                      <a:r>
+                        <a:rPr lang="en-US" sz="1600" dirty="0">
+                          <a:latin typeface="Cascadia Code" panose="020B0509020204030204" pitchFamily="49" charset="0"/>
+                        </a:rPr>
+                        <a:t>le( , )</a:t>
+                      </a:r>
+                    </a:p>
+                  </a:txBody>
+                  <a:tcPr/>
+                </a:tc>
+                <a:extLst>
+                  <a:ext uri="{0D108BD9-81ED-4DB2-BD59-A6C34878D82A}">
+                    <a16:rowId xmlns:a16="http://schemas.microsoft.com/office/drawing/2014/main" val="3660409147"/>
+                  </a:ext>
+                </a:extLst>
+              </a:tr>
+            </a:tbl>
+          </a:graphicData>
+        </a:graphic>
+      </p:graphicFrame>
+    </p:spTree>
+    <p:extLst>
+      <p:ext uri="{BB962C8B-B14F-4D97-AF65-F5344CB8AC3E}">
+        <p14:creationId xmlns:p14="http://schemas.microsoft.com/office/powerpoint/2010/main" val="1288825012"/>
+      </p:ext>
+    </p:extLst>
+  </p:cSld>
+  <p:clrMapOvr>
+    <a:masterClrMapping/>
+  </p:clrMapOvr>
+  <p:transition>
+    <p:fade/>
+  </p:transition>
+</p:sld>
+</file>
+
+<file path=ppt/slides/slide28.xml><?xml version="1.0" encoding="utf-8"?>
+<p:sld xmlns:a="http://schemas.openxmlformats.org/drawingml/2006/main" xmlns:r="http://schemas.openxmlformats.org/officeDocument/2006/relationships" xmlns:p="http://schemas.openxmlformats.org/presentationml/2006/main">
+  <p:cSld>
+    <p:spTree>
+      <p:nvGrpSpPr>
+        <p:cNvPr id="1" name=""/>
+        <p:cNvGrpSpPr/>
+        <p:nvPr/>
+      </p:nvGrpSpPr>
+      <p:grpSpPr>
+        <a:xfrm>
+          <a:off x="0" y="0"/>
+          <a:ext cx="0" cy="0"/>
+          <a:chOff x="0" y="0"/>
+          <a:chExt cx="0" cy="0"/>
+        </a:xfrm>
+      </p:grpSpPr>
+      <p:sp>
+        <p:nvSpPr>
+          <p:cNvPr id="2" name="Title 1">
+            <a:extLst>
+              <a:ext uri="{FF2B5EF4-FFF2-40B4-BE49-F238E27FC236}">
+                <a16:creationId xmlns:a16="http://schemas.microsoft.com/office/drawing/2014/main" id="{CF6D492F-2F2E-403C-A0FE-3CE355E24FF0}"/>
+              </a:ext>
+            </a:extLst>
+          </p:cNvPr>
+          <p:cNvSpPr>
+            <a:spLocks noGrp="1"/>
+          </p:cNvSpPr>
+          <p:nvPr>
+            <p:ph type="title"/>
+          </p:nvPr>
+        </p:nvSpPr>
+        <p:spPr/>
+        <p:txBody>
+          <a:bodyPr/>
+          <a:lstStyle/>
+          <a:p>
+            <a:r>
+              <a:rPr lang="en-US" dirty="0"/>
+              <a:t>Expressions</a:t>
+            </a:r>
+          </a:p>
+        </p:txBody>
+      </p:sp>
+      <p:sp>
+        <p:nvSpPr>
+          <p:cNvPr id="3" name="Footer Placeholder 2">
+            <a:extLst>
+              <a:ext uri="{FF2B5EF4-FFF2-40B4-BE49-F238E27FC236}">
+                <a16:creationId xmlns:a16="http://schemas.microsoft.com/office/drawing/2014/main" id="{923DE14F-7404-4216-A100-C5A5F6F79D59}"/>
+              </a:ext>
+            </a:extLst>
+          </p:cNvPr>
+          <p:cNvSpPr>
+            <a:spLocks noGrp="1"/>
+          </p:cNvSpPr>
+          <p:nvPr>
+            <p:ph type="ftr" sz="quarter" idx="3"/>
+          </p:nvPr>
+        </p:nvSpPr>
+        <p:spPr/>
+        <p:txBody>
+          <a:bodyPr/>
+          <a:lstStyle/>
+          <a:p>
+            <a:r>
+              <a:rPr lang="en-US" dirty="0">
+                <a:solidFill>
+                  <a:schemeClr val="bg1">
+                    <a:lumMod val="65000"/>
+                  </a:schemeClr>
+                </a:solidFill>
+              </a:rPr>
+              <a:t>© Microsoft Corporation                                                                                  								                                Azure </a:t>
+            </a:r>
+          </a:p>
+        </p:txBody>
+      </p:sp>
+      <p:graphicFrame>
+        <p:nvGraphicFramePr>
+          <p:cNvPr id="4" name="Table 4">
+            <a:extLst>
+              <a:ext uri="{FF2B5EF4-FFF2-40B4-BE49-F238E27FC236}">
+                <a16:creationId xmlns:a16="http://schemas.microsoft.com/office/drawing/2014/main" id="{DF866E00-052E-4979-B656-44C9BB3A2740}"/>
+              </a:ext>
+            </a:extLst>
+          </p:cNvPr>
+          <p:cNvGraphicFramePr>
+            <a:graphicFrameLocks noGrp="1"/>
+          </p:cNvGraphicFramePr>
+          <p:nvPr>
+            <p:extLst>
+              <p:ext uri="{D42A27DB-BD31-4B8C-83A1-F6EECF244321}">
+                <p14:modId xmlns:p14="http://schemas.microsoft.com/office/powerpoint/2010/main" val="1563147252"/>
+              </p:ext>
+            </p:extLst>
+          </p:nvPr>
+        </p:nvGraphicFramePr>
+        <p:xfrm>
+          <a:off x="777661" y="1459438"/>
+          <a:ext cx="10636678" cy="4131564"/>
+        </p:xfrm>
+        <a:graphic>
+          <a:graphicData uri="http://schemas.openxmlformats.org/drawingml/2006/table">
+            <a:tbl>
+              <a:tblPr firstCol="1" bandRow="1">
+                <a:tableStyleId>{F5AB1C69-6EDB-4FF4-983F-18BD219EF322}</a:tableStyleId>
+              </a:tblPr>
+              <a:tblGrid>
+                <a:gridCol w="2103780">
+                  <a:extLst>
+                    <a:ext uri="{9D8B030D-6E8A-4147-A177-3AD203B41FA5}">
+                      <a16:colId xmlns:a16="http://schemas.microsoft.com/office/drawing/2014/main" val="1944499601"/>
+                    </a:ext>
+                  </a:extLst>
+                </a:gridCol>
+                <a:gridCol w="8532898">
+                  <a:extLst>
+                    <a:ext uri="{9D8B030D-6E8A-4147-A177-3AD203B41FA5}">
+                      <a16:colId xmlns:a16="http://schemas.microsoft.com/office/drawing/2014/main" val="2090293776"/>
+                    </a:ext>
+                  </a:extLst>
+                </a:gridCol>
+              </a:tblGrid>
+              <a:tr h="370840">
+                <a:tc>
+                  <a:txBody>
+                    <a:bodyPr/>
+                    <a:lstStyle/>
+                    <a:p>
+                      <a:r>
+                        <a:rPr lang="en-US" dirty="0"/>
+                        <a:t>Run for the master branch, if succeeding</a:t>
+                      </a:r>
+                    </a:p>
+                  </a:txBody>
+                  <a:tcPr/>
+                </a:tc>
+                <a:tc>
+                  <a:txBody>
+                    <a:bodyPr/>
+                    <a:lstStyle/>
+                    <a:p>
+                      <a:r>
+                        <a:rPr lang="en-US" sz="1600" dirty="0">
+                          <a:latin typeface="Cascadia Code" panose="020B0509020204030204" pitchFamily="49" charset="0"/>
+                        </a:rPr>
+                        <a:t>and(succeeded(), eq(variables['</a:t>
+                      </a:r>
+                      <a:r>
+                        <a:rPr lang="en-US" sz="1600" dirty="0" err="1">
+                          <a:latin typeface="Cascadia Code" panose="020B0509020204030204" pitchFamily="49" charset="0"/>
+                        </a:rPr>
+                        <a:t>Build.SourceBranch</a:t>
+                      </a:r>
+                      <a:r>
+                        <a:rPr lang="en-US" sz="1600" dirty="0">
+                          <a:latin typeface="Cascadia Code" panose="020B0509020204030204" pitchFamily="49" charset="0"/>
+                        </a:rPr>
+                        <a:t>'], 'refs/heads/master'))</a:t>
+                      </a:r>
+                    </a:p>
+                  </a:txBody>
+                  <a:tcPr anchor="ctr"/>
+                </a:tc>
+                <a:extLst>
+                  <a:ext uri="{0D108BD9-81ED-4DB2-BD59-A6C34878D82A}">
+                    <a16:rowId xmlns:a16="http://schemas.microsoft.com/office/drawing/2014/main" val="1298686802"/>
+                  </a:ext>
+                </a:extLst>
+              </a:tr>
+              <a:tr h="370840">
+                <a:tc>
+                  <a:txBody>
+                    <a:bodyPr/>
+                    <a:lstStyle/>
+                    <a:p>
+                      <a:r>
+                        <a:rPr lang="en-US" dirty="0"/>
+                        <a:t>Run if the branch is not master, if succeeding</a:t>
+                      </a:r>
+                    </a:p>
+                  </a:txBody>
+                  <a:tcPr/>
+                </a:tc>
+                <a:tc>
+                  <a:txBody>
+                    <a:bodyPr/>
+                    <a:lstStyle/>
+                    <a:p>
+                      <a:r>
+                        <a:rPr lang="en-US" sz="1600" dirty="0">
+                          <a:latin typeface="Cascadia Code" panose="020B0509020204030204" pitchFamily="49" charset="0"/>
+                        </a:rPr>
+                        <a:t>and(succeeded(), ne(variables['</a:t>
+                      </a:r>
+                      <a:r>
+                        <a:rPr lang="en-US" sz="1600" dirty="0" err="1">
+                          <a:latin typeface="Cascadia Code" panose="020B0509020204030204" pitchFamily="49" charset="0"/>
+                        </a:rPr>
+                        <a:t>Build.SourceBranch</a:t>
+                      </a:r>
+                      <a:r>
+                        <a:rPr lang="en-US" sz="1600" dirty="0">
+                          <a:latin typeface="Cascadia Code" panose="020B0509020204030204" pitchFamily="49" charset="0"/>
+                        </a:rPr>
+                        <a:t>'], 'refs/heads/master'))</a:t>
+                      </a:r>
+                    </a:p>
+                  </a:txBody>
+                  <a:tcPr anchor="ctr"/>
+                </a:tc>
+                <a:extLst>
+                  <a:ext uri="{0D108BD9-81ED-4DB2-BD59-A6C34878D82A}">
+                    <a16:rowId xmlns:a16="http://schemas.microsoft.com/office/drawing/2014/main" val="1832310585"/>
+                  </a:ext>
+                </a:extLst>
+              </a:tr>
+              <a:tr h="370840">
+                <a:tc>
+                  <a:txBody>
+                    <a:bodyPr/>
+                    <a:lstStyle/>
+                    <a:p>
+                      <a:r>
+                        <a:rPr lang="en-US" dirty="0"/>
+                        <a:t>Run if the build is scheduled, even if failing, even if canceled</a:t>
+                      </a:r>
+                    </a:p>
+                  </a:txBody>
+                  <a:tcPr/>
+                </a:tc>
+                <a:tc>
+                  <a:txBody>
+                    <a:bodyPr/>
+                    <a:lstStyle/>
+                    <a:p>
+                      <a:r>
+                        <a:rPr lang="en-US" sz="1600" dirty="0">
+                          <a:latin typeface="Cascadia Code" panose="020B0509020204030204" pitchFamily="49" charset="0"/>
+                        </a:rPr>
+                        <a:t>and(always(), eq(variables['</a:t>
+                      </a:r>
+                      <a:r>
+                        <a:rPr lang="en-US" sz="1600" dirty="0" err="1">
+                          <a:latin typeface="Cascadia Code" panose="020B0509020204030204" pitchFamily="49" charset="0"/>
+                        </a:rPr>
+                        <a:t>Build.Reason</a:t>
+                      </a:r>
+                      <a:r>
+                        <a:rPr lang="en-US" sz="1600" dirty="0">
+                          <a:latin typeface="Cascadia Code" panose="020B0509020204030204" pitchFamily="49" charset="0"/>
+                        </a:rPr>
+                        <a:t>'], 'Schedule'))</a:t>
+                      </a:r>
+                    </a:p>
+                  </a:txBody>
+                  <a:tcPr anchor="ctr"/>
+                </a:tc>
+                <a:extLst>
+                  <a:ext uri="{0D108BD9-81ED-4DB2-BD59-A6C34878D82A}">
+                    <a16:rowId xmlns:a16="http://schemas.microsoft.com/office/drawing/2014/main" val="2436236086"/>
+                  </a:ext>
+                </a:extLst>
+              </a:tr>
+              <a:tr h="370840">
+                <a:tc>
+                  <a:txBody>
+                    <a:bodyPr/>
+                    <a:lstStyle/>
+                    <a:p>
+                      <a:r>
+                        <a:rPr lang="en-US" dirty="0"/>
+                        <a:t>Run if the build is run by a branch policy for a pull request, if failing</a:t>
+                      </a:r>
+                    </a:p>
+                  </a:txBody>
+                  <a:tcPr/>
+                </a:tc>
+                <a:tc>
+                  <a:txBody>
+                    <a:bodyPr/>
+                    <a:lstStyle/>
+                    <a:p>
+                      <a:r>
+                        <a:rPr lang="en-US" sz="1600" dirty="0">
+                          <a:latin typeface="Cascadia Code" panose="020B0509020204030204" pitchFamily="49" charset="0"/>
+                        </a:rPr>
+                        <a:t>and(failed(), eq(variables['</a:t>
+                      </a:r>
+                      <a:r>
+                        <a:rPr lang="en-US" sz="1600" dirty="0" err="1">
+                          <a:latin typeface="Cascadia Code" panose="020B0509020204030204" pitchFamily="49" charset="0"/>
+                        </a:rPr>
+                        <a:t>Build.Reason</a:t>
+                      </a:r>
+                      <a:r>
+                        <a:rPr lang="en-US" sz="1600" dirty="0">
+                          <a:latin typeface="Cascadia Code" panose="020B0509020204030204" pitchFamily="49" charset="0"/>
+                        </a:rPr>
+                        <a:t>'], '</a:t>
+                      </a:r>
+                      <a:r>
+                        <a:rPr lang="en-US" sz="1600" dirty="0" err="1">
+                          <a:latin typeface="Cascadia Code" panose="020B0509020204030204" pitchFamily="49" charset="0"/>
+                        </a:rPr>
+                        <a:t>PullRequest</a:t>
+                      </a:r>
+                      <a:r>
+                        <a:rPr lang="en-US" sz="1600" dirty="0">
+                          <a:latin typeface="Cascadia Code" panose="020B0509020204030204" pitchFamily="49" charset="0"/>
+                        </a:rPr>
+                        <a:t>'))</a:t>
+                      </a:r>
+                    </a:p>
+                  </a:txBody>
+                  <a:tcPr anchor="ctr"/>
+                </a:tc>
+                <a:extLst>
+                  <a:ext uri="{0D108BD9-81ED-4DB2-BD59-A6C34878D82A}">
+                    <a16:rowId xmlns:a16="http://schemas.microsoft.com/office/drawing/2014/main" val="1306723449"/>
+                  </a:ext>
+                </a:extLst>
+              </a:tr>
+            </a:tbl>
+          </a:graphicData>
+        </a:graphic>
+      </p:graphicFrame>
+    </p:spTree>
+    <p:extLst>
+      <p:ext uri="{BB962C8B-B14F-4D97-AF65-F5344CB8AC3E}">
+        <p14:creationId xmlns:p14="http://schemas.microsoft.com/office/powerpoint/2010/main" val="4098242658"/>
+      </p:ext>
+    </p:extLst>
+  </p:cSld>
+  <p:clrMapOvr>
+    <a:masterClrMapping/>
+  </p:clrMapOvr>
+  <p:transition>
+    <p:fade/>
+  </p:transition>
+</p:sld>
+</file>
+
+<file path=ppt/slides/slide29.xml><?xml version="1.0" encoding="utf-8"?>
+<p:sld xmlns:a="http://schemas.openxmlformats.org/drawingml/2006/main" xmlns:r="http://schemas.openxmlformats.org/officeDocument/2006/relationships" xmlns:p="http://schemas.openxmlformats.org/presentationml/2006/main">
+  <p:cSld>
+    <p:spTree>
+      <p:nvGrpSpPr>
+        <p:cNvPr id="1" name=""/>
+        <p:cNvGrpSpPr/>
+        <p:nvPr/>
+      </p:nvGrpSpPr>
+      <p:grpSpPr>
+        <a:xfrm>
+          <a:off x="0" y="0"/>
+          <a:ext cx="0" cy="0"/>
+          <a:chOff x="0" y="0"/>
+          <a:chExt cx="0" cy="0"/>
+        </a:xfrm>
+      </p:grpSpPr>
+      <p:sp>
+        <p:nvSpPr>
+          <p:cNvPr id="2" name="Title 1">
+            <a:extLst>
+              <a:ext uri="{FF2B5EF4-FFF2-40B4-BE49-F238E27FC236}">
+                <a16:creationId xmlns:a16="http://schemas.microsoft.com/office/drawing/2014/main" id="{B8BCB36E-3E64-4ED6-B7EA-9223E67A42B8}"/>
+              </a:ext>
+            </a:extLst>
+          </p:cNvPr>
+          <p:cNvSpPr>
+            <a:spLocks noGrp="1"/>
+          </p:cNvSpPr>
+          <p:nvPr>
+            <p:ph type="title"/>
+          </p:nvPr>
+        </p:nvSpPr>
+        <p:spPr/>
+        <p:txBody>
+          <a:bodyPr/>
+          <a:lstStyle/>
+          <a:p>
+            <a:r>
+              <a:rPr lang="en-US" dirty="0"/>
+              <a:t>Conditions (combining)</a:t>
+            </a:r>
+          </a:p>
+        </p:txBody>
+      </p:sp>
+      <p:sp>
+        <p:nvSpPr>
+          <p:cNvPr id="10" name="Content Placeholder 2">
+            <a:extLst>
+              <a:ext uri="{FF2B5EF4-FFF2-40B4-BE49-F238E27FC236}">
+                <a16:creationId xmlns:a16="http://schemas.microsoft.com/office/drawing/2014/main" id="{DDDDECAB-9450-40D7-AAEE-86FEED8A2B32}"/>
+              </a:ext>
+            </a:extLst>
+          </p:cNvPr>
+          <p:cNvSpPr txBox="1">
+            <a:spLocks/>
+          </p:cNvSpPr>
+          <p:nvPr/>
+        </p:nvSpPr>
+        <p:spPr>
+          <a:xfrm>
+            <a:off x="838200" y="1825624"/>
+            <a:ext cx="10515600" cy="4575175"/>
+          </a:xfrm>
+          <a:prstGeom prst="rect">
+            <a:avLst/>
+          </a:prstGeom>
+        </p:spPr>
+        <p:txBody>
+          <a:bodyPr vert="horz" wrap="square" lIns="0" tIns="0" rIns="0" bIns="0" rtlCol="0" anchor="t">
+            <a:normAutofit/>
+          </a:bodyPr>
+          <a:lstStyle>
+            <a:lvl1pPr marL="228600" marR="0" indent="-228600" algn="l" defTabSz="932742" rtl="0" eaLnBrk="1" fontAlgn="auto" latinLnBrk="0" hangingPunct="1">
+              <a:lnSpc>
+                <a:spcPct val="100000"/>
+              </a:lnSpc>
+              <a:spcBef>
+                <a:spcPct val="20000"/>
+              </a:spcBef>
+              <a:spcAft>
+                <a:spcPts val="0"/>
+              </a:spcAft>
+              <a:buClrTx/>
+              <a:buSzPct val="90000"/>
+              <a:buFont typeface="Wingdings" panose="05000000000000000000" pitchFamily="2" charset="2"/>
+              <a:buChar char=""/>
+              <a:tabLst/>
+              <a:defRPr sz="2800" kern="1200" spc="0" baseline="0">
+                <a:gradFill>
+                  <a:gsLst>
+                    <a:gs pos="1250">
+                      <a:schemeClr val="tx1"/>
+                    </a:gs>
+                    <a:gs pos="100000">
+                      <a:schemeClr val="tx1"/>
+                    </a:gs>
+                  </a:gsLst>
+                  <a:lin ang="5400000" scaled="0"/>
+                </a:gradFill>
+                <a:latin typeface="Segoe UI Semilight" panose="020B0402040204020203" pitchFamily="34" charset="0"/>
+                <a:ea typeface="+mn-ea"/>
+                <a:cs typeface="Segoe UI Semilight" panose="020B0402040204020203" pitchFamily="34" charset="0"/>
+              </a:defRPr>
+            </a:lvl1pPr>
+            <a:lvl2pPr marL="457200" marR="0" indent="-228600" algn="l" defTabSz="932742" rtl="0" eaLnBrk="1" fontAlgn="auto" latinLnBrk="0" hangingPunct="1">
+              <a:lnSpc>
+                <a:spcPct val="100000"/>
+              </a:lnSpc>
+              <a:spcBef>
+                <a:spcPct val="20000"/>
+              </a:spcBef>
+              <a:spcAft>
+                <a:spcPts val="0"/>
+              </a:spcAft>
+              <a:buClrTx/>
+              <a:buSzPct val="90000"/>
+              <a:buFont typeface="Wingdings" panose="05000000000000000000" pitchFamily="2" charset="2"/>
+              <a:buChar char=""/>
+              <a:tabLst/>
+              <a:defRPr sz="2000" kern="1200" spc="0" baseline="0">
+                <a:gradFill>
+                  <a:gsLst>
+                    <a:gs pos="1250">
+                      <a:schemeClr val="tx1"/>
+                    </a:gs>
+                    <a:gs pos="100000">
+                      <a:schemeClr val="tx1"/>
+                    </a:gs>
+                  </a:gsLst>
+                  <a:lin ang="5400000" scaled="0"/>
+                </a:gradFill>
+                <a:latin typeface="+mn-lt"/>
+                <a:ea typeface="+mn-ea"/>
+                <a:cs typeface="+mn-cs"/>
+              </a:defRPr>
+            </a:lvl2pPr>
+            <a:lvl3pPr marL="657225" marR="0" indent="-200025" algn="l" defTabSz="932742" rtl="0" eaLnBrk="1" fontAlgn="auto" latinLnBrk="0" hangingPunct="1">
+              <a:lnSpc>
+                <a:spcPct val="100000"/>
+              </a:lnSpc>
+              <a:spcBef>
+                <a:spcPct val="20000"/>
+              </a:spcBef>
+              <a:spcAft>
+                <a:spcPts val="0"/>
+              </a:spcAft>
+              <a:buClrTx/>
+              <a:buSzPct val="90000"/>
+              <a:buFont typeface="Wingdings" panose="05000000000000000000" pitchFamily="2" charset="2"/>
+              <a:buChar char=""/>
+              <a:tabLst/>
+              <a:defRPr sz="1600" kern="1200" spc="0" baseline="0">
+                <a:gradFill>
+                  <a:gsLst>
+                    <a:gs pos="1250">
+                      <a:schemeClr val="tx1"/>
+                    </a:gs>
+                    <a:gs pos="100000">
+                      <a:schemeClr val="tx1"/>
+                    </a:gs>
+                  </a:gsLst>
+                  <a:lin ang="5400000" scaled="0"/>
+                </a:gradFill>
+                <a:latin typeface="+mn-lt"/>
+                <a:ea typeface="+mn-ea"/>
+                <a:cs typeface="+mn-cs"/>
+              </a:defRPr>
+            </a:lvl3pPr>
+            <a:lvl4pPr marL="842963" marR="0" indent="-180975" algn="l" defTabSz="932742" rtl="0" eaLnBrk="1" fontAlgn="auto" latinLnBrk="0" hangingPunct="1">
+              <a:lnSpc>
+                <a:spcPct val="100000"/>
+              </a:lnSpc>
+              <a:spcBef>
+                <a:spcPct val="20000"/>
+              </a:spcBef>
+              <a:spcAft>
+                <a:spcPts val="0"/>
+              </a:spcAft>
+              <a:buClrTx/>
+              <a:buSzPct val="90000"/>
+              <a:buFont typeface="Wingdings" panose="05000000000000000000" pitchFamily="2" charset="2"/>
+              <a:buChar char=""/>
+              <a:tabLst/>
+              <a:defRPr sz="1400" kern="1200" spc="0" baseline="0">
+                <a:gradFill>
+                  <a:gsLst>
+                    <a:gs pos="1250">
+                      <a:schemeClr val="tx1"/>
+                    </a:gs>
+                    <a:gs pos="100000">
+                      <a:schemeClr val="tx1"/>
+                    </a:gs>
+                  </a:gsLst>
+                  <a:lin ang="5400000" scaled="0"/>
+                </a:gradFill>
+                <a:latin typeface="+mn-lt"/>
+                <a:ea typeface="+mn-ea"/>
+                <a:cs typeface="+mn-cs"/>
+              </a:defRPr>
+            </a:lvl4pPr>
+            <a:lvl5pPr marL="1023938" marR="0" indent="-168275" algn="l" defTabSz="932742" rtl="0" eaLnBrk="1" fontAlgn="auto" latinLnBrk="0" hangingPunct="1">
+              <a:lnSpc>
+                <a:spcPct val="100000"/>
+              </a:lnSpc>
+              <a:spcBef>
+                <a:spcPct val="20000"/>
+              </a:spcBef>
+              <a:spcAft>
+                <a:spcPts val="0"/>
+              </a:spcAft>
+              <a:buClrTx/>
+              <a:buSzPct val="90000"/>
+              <a:buFont typeface="Wingdings" panose="05000000000000000000" pitchFamily="2" charset="2"/>
+              <a:buChar char=""/>
+              <a:tabLst/>
+              <a:defRPr sz="1400" kern="1200" spc="0" baseline="0">
+                <a:gradFill>
+                  <a:gsLst>
+                    <a:gs pos="1250">
+                      <a:schemeClr val="tx1"/>
+                    </a:gs>
+                    <a:gs pos="100000">
+                      <a:schemeClr val="tx1"/>
+                    </a:gs>
+                  </a:gsLst>
+                  <a:lin ang="5400000" scaled="0"/>
+                </a:gradFill>
+                <a:latin typeface="+mn-lt"/>
+                <a:ea typeface="+mn-ea"/>
+                <a:cs typeface="+mn-cs"/>
+              </a:defRPr>
+            </a:lvl5pPr>
+            <a:lvl6pPr marL="2565040" indent="-233186" algn="l" defTabSz="932742" rtl="0" eaLnBrk="1" latinLnBrk="0" hangingPunct="1">
+              <a:spcBef>
+                <a:spcPct val="20000"/>
+              </a:spcBef>
+              <a:buFont typeface="Arial" pitchFamily="34" charset="0"/>
+              <a:buChar char="•"/>
+              <a:defRPr sz="2000" kern="1200">
+                <a:solidFill>
+                  <a:schemeClr val="tx1"/>
+                </a:solidFill>
+                <a:latin typeface="+mn-lt"/>
+                <a:ea typeface="+mn-ea"/>
+                <a:cs typeface="+mn-cs"/>
+              </a:defRPr>
+            </a:lvl6pPr>
+            <a:lvl7pPr marL="3031412" indent="-233186" algn="l" defTabSz="932742" rtl="0" eaLnBrk="1" latinLnBrk="0" hangingPunct="1">
+              <a:spcBef>
+                <a:spcPct val="20000"/>
+              </a:spcBef>
+              <a:buFont typeface="Arial" pitchFamily="34" charset="0"/>
+              <a:buChar char="•"/>
+              <a:defRPr sz="2000" kern="1200">
+                <a:solidFill>
+                  <a:schemeClr val="tx1"/>
+                </a:solidFill>
+                <a:latin typeface="+mn-lt"/>
+                <a:ea typeface="+mn-ea"/>
+                <a:cs typeface="+mn-cs"/>
+              </a:defRPr>
+            </a:lvl7pPr>
+            <a:lvl8pPr marL="3497783" indent="-233186" algn="l" defTabSz="932742" rtl="0" eaLnBrk="1" latinLnBrk="0" hangingPunct="1">
+              <a:spcBef>
+                <a:spcPct val="20000"/>
+              </a:spcBef>
+              <a:buFont typeface="Arial" pitchFamily="34" charset="0"/>
+              <a:buChar char="•"/>
+              <a:defRPr sz="2000" kern="1200">
+                <a:solidFill>
+                  <a:schemeClr val="tx1"/>
+                </a:solidFill>
+                <a:latin typeface="+mn-lt"/>
+                <a:ea typeface="+mn-ea"/>
+                <a:cs typeface="+mn-cs"/>
+              </a:defRPr>
+            </a:lvl8pPr>
+            <a:lvl9pPr marL="3964155" indent="-233186" algn="l" defTabSz="932742" rtl="0" eaLnBrk="1" latinLnBrk="0" hangingPunct="1">
+              <a:spcBef>
+                <a:spcPct val="20000"/>
+              </a:spcBef>
+              <a:buFont typeface="Arial" pitchFamily="34" charset="0"/>
+              <a:buChar char="•"/>
+              <a:defRPr sz="2000" kern="1200">
+                <a:solidFill>
+                  <a:schemeClr val="tx1"/>
+                </a:solidFill>
+                <a:latin typeface="+mn-lt"/>
+                <a:ea typeface="+mn-ea"/>
+                <a:cs typeface="+mn-cs"/>
+              </a:defRPr>
+            </a:lvl9pPr>
+          </a:lstStyle>
+          <a:p>
+            <a:pPr marL="0" indent="0">
+              <a:buNone/>
+            </a:pPr>
+            <a:r>
+              <a:rPr lang="en-US" sz="1800" dirty="0">
+                <a:latin typeface="Cascadia Code" panose="020B0509020204030204" pitchFamily="49" charset="0"/>
+              </a:rPr>
+              <a:t>and(</a:t>
+            </a:r>
+            <a:r>
+              <a:rPr lang="en-US" sz="1800" dirty="0">
+                <a:highlight>
+                  <a:srgbClr val="FFFF00"/>
+                </a:highlight>
+                <a:latin typeface="Cascadia Code" panose="020B0509020204030204" pitchFamily="49" charset="0"/>
+              </a:rPr>
+              <a:t>succeeded()</a:t>
+            </a:r>
+            <a:r>
+              <a:rPr lang="en-US" sz="1800" dirty="0">
+                <a:latin typeface="Cascadia Code" panose="020B0509020204030204" pitchFamily="49" charset="0"/>
+              </a:rPr>
+              <a:t>, </a:t>
+            </a:r>
+            <a:r>
+              <a:rPr lang="en-US" sz="1800" dirty="0" err="1">
+                <a:latin typeface="Cascadia Code" panose="020B0509020204030204" pitchFamily="49" charset="0"/>
+              </a:rPr>
+              <a:t>some_other_check</a:t>
+            </a:r>
+            <a:r>
+              <a:rPr lang="en-US" sz="1800" dirty="0">
+                <a:latin typeface="Cascadia Code" panose="020B0509020204030204" pitchFamily="49" charset="0"/>
+              </a:rPr>
+              <a:t>())</a:t>
+            </a:r>
+          </a:p>
+        </p:txBody>
+      </p:sp>
+    </p:spTree>
+    <p:extLst>
+      <p:ext uri="{BB962C8B-B14F-4D97-AF65-F5344CB8AC3E}">
+        <p14:creationId xmlns:p14="http://schemas.microsoft.com/office/powerpoint/2010/main" val="576593975"/>
+      </p:ext>
+    </p:extLst>
+  </p:cSld>
+  <p:clrMapOvr>
+    <a:masterClrMapping/>
+  </p:clrMapOvr>
+  <mc:AlternateContent xmlns:mc="http://schemas.openxmlformats.org/markup-compatibility/2006">
+    <mc:Choice xmlns:p159="http://schemas.microsoft.com/office/powerpoint/2015/09/main" Requires="p159">
+      <p:transition xmlns:p14="http://schemas.microsoft.com/office/powerpoint/2010/main" spd="slow" p14:dur="2000">
+        <p159:morph option="byWord"/>
+      </p:transition>
+    </mc:Choice>
+    <mc:Fallback>
+      <p:transition spd="slow">
+        <p:fade/>
+      </p:transition>
+    </mc:Fallback>
+  </mc:AlternateContent>
 </p:sld>
 </file>
 
@@ -18294,6 +24190,1006 @@
     <p:extLst>
       <p:ext uri="{BB962C8B-B14F-4D97-AF65-F5344CB8AC3E}">
         <p14:creationId xmlns:p14="http://schemas.microsoft.com/office/powerpoint/2010/main" val="1113025766"/>
+      </p:ext>
+    </p:extLst>
+  </p:cSld>
+  <p:clrMapOvr>
+    <a:masterClrMapping/>
+  </p:clrMapOvr>
+  <p:transition>
+    <p:fade/>
+  </p:transition>
+</p:sld>
+</file>
+
+<file path=ppt/slides/slide30.xml><?xml version="1.0" encoding="utf-8"?>
+<p:sld xmlns:a="http://schemas.openxmlformats.org/drawingml/2006/main" xmlns:r="http://schemas.openxmlformats.org/officeDocument/2006/relationships" xmlns:p="http://schemas.openxmlformats.org/presentationml/2006/main">
+  <p:cSld>
+    <p:spTree>
+      <p:nvGrpSpPr>
+        <p:cNvPr id="1" name=""/>
+        <p:cNvGrpSpPr/>
+        <p:nvPr/>
+      </p:nvGrpSpPr>
+      <p:grpSpPr>
+        <a:xfrm>
+          <a:off x="0" y="0"/>
+          <a:ext cx="0" cy="0"/>
+          <a:chOff x="0" y="0"/>
+          <a:chExt cx="0" cy="0"/>
+        </a:xfrm>
+      </p:grpSpPr>
+      <p:sp>
+        <p:nvSpPr>
+          <p:cNvPr id="2" name="Title 1">
+            <a:extLst>
+              <a:ext uri="{FF2B5EF4-FFF2-40B4-BE49-F238E27FC236}">
+                <a16:creationId xmlns:a16="http://schemas.microsoft.com/office/drawing/2014/main" id="{B8BCB36E-3E64-4ED6-B7EA-9223E67A42B8}"/>
+              </a:ext>
+            </a:extLst>
+          </p:cNvPr>
+          <p:cNvSpPr>
+            <a:spLocks noGrp="1"/>
+          </p:cNvSpPr>
+          <p:nvPr>
+            <p:ph type="title"/>
+          </p:nvPr>
+        </p:nvSpPr>
+        <p:spPr/>
+        <p:txBody>
+          <a:bodyPr/>
+          <a:lstStyle/>
+          <a:p>
+            <a:r>
+              <a:rPr lang="en-US" dirty="0"/>
+              <a:t>Conditions (combining)</a:t>
+            </a:r>
+          </a:p>
+        </p:txBody>
+      </p:sp>
+      <p:sp>
+        <p:nvSpPr>
+          <p:cNvPr id="10" name="Content Placeholder 2">
+            <a:extLst>
+              <a:ext uri="{FF2B5EF4-FFF2-40B4-BE49-F238E27FC236}">
+                <a16:creationId xmlns:a16="http://schemas.microsoft.com/office/drawing/2014/main" id="{DDDDECAB-9450-40D7-AAEE-86FEED8A2B32}"/>
+              </a:ext>
+            </a:extLst>
+          </p:cNvPr>
+          <p:cNvSpPr txBox="1">
+            <a:spLocks/>
+          </p:cNvSpPr>
+          <p:nvPr/>
+        </p:nvSpPr>
+        <p:spPr>
+          <a:xfrm>
+            <a:off x="838200" y="1825624"/>
+            <a:ext cx="10515600" cy="4575175"/>
+          </a:xfrm>
+          <a:prstGeom prst="rect">
+            <a:avLst/>
+          </a:prstGeom>
+        </p:spPr>
+        <p:txBody>
+          <a:bodyPr vert="horz" wrap="square" lIns="0" tIns="0" rIns="0" bIns="0" rtlCol="0" anchor="t">
+            <a:normAutofit/>
+          </a:bodyPr>
+          <a:lstStyle>
+            <a:lvl1pPr marL="228600" marR="0" indent="-228600" algn="l" defTabSz="932742" rtl="0" eaLnBrk="1" fontAlgn="auto" latinLnBrk="0" hangingPunct="1">
+              <a:lnSpc>
+                <a:spcPct val="100000"/>
+              </a:lnSpc>
+              <a:spcBef>
+                <a:spcPct val="20000"/>
+              </a:spcBef>
+              <a:spcAft>
+                <a:spcPts val="0"/>
+              </a:spcAft>
+              <a:buClrTx/>
+              <a:buSzPct val="90000"/>
+              <a:buFont typeface="Wingdings" panose="05000000000000000000" pitchFamily="2" charset="2"/>
+              <a:buChar char=""/>
+              <a:tabLst/>
+              <a:defRPr sz="2800" kern="1200" spc="0" baseline="0">
+                <a:gradFill>
+                  <a:gsLst>
+                    <a:gs pos="1250">
+                      <a:schemeClr val="tx1"/>
+                    </a:gs>
+                    <a:gs pos="100000">
+                      <a:schemeClr val="tx1"/>
+                    </a:gs>
+                  </a:gsLst>
+                  <a:lin ang="5400000" scaled="0"/>
+                </a:gradFill>
+                <a:latin typeface="Segoe UI Semilight" panose="020B0402040204020203" pitchFamily="34" charset="0"/>
+                <a:ea typeface="+mn-ea"/>
+                <a:cs typeface="Segoe UI Semilight" panose="020B0402040204020203" pitchFamily="34" charset="0"/>
+              </a:defRPr>
+            </a:lvl1pPr>
+            <a:lvl2pPr marL="457200" marR="0" indent="-228600" algn="l" defTabSz="932742" rtl="0" eaLnBrk="1" fontAlgn="auto" latinLnBrk="0" hangingPunct="1">
+              <a:lnSpc>
+                <a:spcPct val="100000"/>
+              </a:lnSpc>
+              <a:spcBef>
+                <a:spcPct val="20000"/>
+              </a:spcBef>
+              <a:spcAft>
+                <a:spcPts val="0"/>
+              </a:spcAft>
+              <a:buClrTx/>
+              <a:buSzPct val="90000"/>
+              <a:buFont typeface="Wingdings" panose="05000000000000000000" pitchFamily="2" charset="2"/>
+              <a:buChar char=""/>
+              <a:tabLst/>
+              <a:defRPr sz="2000" kern="1200" spc="0" baseline="0">
+                <a:gradFill>
+                  <a:gsLst>
+                    <a:gs pos="1250">
+                      <a:schemeClr val="tx1"/>
+                    </a:gs>
+                    <a:gs pos="100000">
+                      <a:schemeClr val="tx1"/>
+                    </a:gs>
+                  </a:gsLst>
+                  <a:lin ang="5400000" scaled="0"/>
+                </a:gradFill>
+                <a:latin typeface="+mn-lt"/>
+                <a:ea typeface="+mn-ea"/>
+                <a:cs typeface="+mn-cs"/>
+              </a:defRPr>
+            </a:lvl2pPr>
+            <a:lvl3pPr marL="657225" marR="0" indent="-200025" algn="l" defTabSz="932742" rtl="0" eaLnBrk="1" fontAlgn="auto" latinLnBrk="0" hangingPunct="1">
+              <a:lnSpc>
+                <a:spcPct val="100000"/>
+              </a:lnSpc>
+              <a:spcBef>
+                <a:spcPct val="20000"/>
+              </a:spcBef>
+              <a:spcAft>
+                <a:spcPts val="0"/>
+              </a:spcAft>
+              <a:buClrTx/>
+              <a:buSzPct val="90000"/>
+              <a:buFont typeface="Wingdings" panose="05000000000000000000" pitchFamily="2" charset="2"/>
+              <a:buChar char=""/>
+              <a:tabLst/>
+              <a:defRPr sz="1600" kern="1200" spc="0" baseline="0">
+                <a:gradFill>
+                  <a:gsLst>
+                    <a:gs pos="1250">
+                      <a:schemeClr val="tx1"/>
+                    </a:gs>
+                    <a:gs pos="100000">
+                      <a:schemeClr val="tx1"/>
+                    </a:gs>
+                  </a:gsLst>
+                  <a:lin ang="5400000" scaled="0"/>
+                </a:gradFill>
+                <a:latin typeface="+mn-lt"/>
+                <a:ea typeface="+mn-ea"/>
+                <a:cs typeface="+mn-cs"/>
+              </a:defRPr>
+            </a:lvl3pPr>
+            <a:lvl4pPr marL="842963" marR="0" indent="-180975" algn="l" defTabSz="932742" rtl="0" eaLnBrk="1" fontAlgn="auto" latinLnBrk="0" hangingPunct="1">
+              <a:lnSpc>
+                <a:spcPct val="100000"/>
+              </a:lnSpc>
+              <a:spcBef>
+                <a:spcPct val="20000"/>
+              </a:spcBef>
+              <a:spcAft>
+                <a:spcPts val="0"/>
+              </a:spcAft>
+              <a:buClrTx/>
+              <a:buSzPct val="90000"/>
+              <a:buFont typeface="Wingdings" panose="05000000000000000000" pitchFamily="2" charset="2"/>
+              <a:buChar char=""/>
+              <a:tabLst/>
+              <a:defRPr sz="1400" kern="1200" spc="0" baseline="0">
+                <a:gradFill>
+                  <a:gsLst>
+                    <a:gs pos="1250">
+                      <a:schemeClr val="tx1"/>
+                    </a:gs>
+                    <a:gs pos="100000">
+                      <a:schemeClr val="tx1"/>
+                    </a:gs>
+                  </a:gsLst>
+                  <a:lin ang="5400000" scaled="0"/>
+                </a:gradFill>
+                <a:latin typeface="+mn-lt"/>
+                <a:ea typeface="+mn-ea"/>
+                <a:cs typeface="+mn-cs"/>
+              </a:defRPr>
+            </a:lvl4pPr>
+            <a:lvl5pPr marL="1023938" marR="0" indent="-168275" algn="l" defTabSz="932742" rtl="0" eaLnBrk="1" fontAlgn="auto" latinLnBrk="0" hangingPunct="1">
+              <a:lnSpc>
+                <a:spcPct val="100000"/>
+              </a:lnSpc>
+              <a:spcBef>
+                <a:spcPct val="20000"/>
+              </a:spcBef>
+              <a:spcAft>
+                <a:spcPts val="0"/>
+              </a:spcAft>
+              <a:buClrTx/>
+              <a:buSzPct val="90000"/>
+              <a:buFont typeface="Wingdings" panose="05000000000000000000" pitchFamily="2" charset="2"/>
+              <a:buChar char=""/>
+              <a:tabLst/>
+              <a:defRPr sz="1400" kern="1200" spc="0" baseline="0">
+                <a:gradFill>
+                  <a:gsLst>
+                    <a:gs pos="1250">
+                      <a:schemeClr val="tx1"/>
+                    </a:gs>
+                    <a:gs pos="100000">
+                      <a:schemeClr val="tx1"/>
+                    </a:gs>
+                  </a:gsLst>
+                  <a:lin ang="5400000" scaled="0"/>
+                </a:gradFill>
+                <a:latin typeface="+mn-lt"/>
+                <a:ea typeface="+mn-ea"/>
+                <a:cs typeface="+mn-cs"/>
+              </a:defRPr>
+            </a:lvl5pPr>
+            <a:lvl6pPr marL="2565040" indent="-233186" algn="l" defTabSz="932742" rtl="0" eaLnBrk="1" latinLnBrk="0" hangingPunct="1">
+              <a:spcBef>
+                <a:spcPct val="20000"/>
+              </a:spcBef>
+              <a:buFont typeface="Arial" pitchFamily="34" charset="0"/>
+              <a:buChar char="•"/>
+              <a:defRPr sz="2000" kern="1200">
+                <a:solidFill>
+                  <a:schemeClr val="tx1"/>
+                </a:solidFill>
+                <a:latin typeface="+mn-lt"/>
+                <a:ea typeface="+mn-ea"/>
+                <a:cs typeface="+mn-cs"/>
+              </a:defRPr>
+            </a:lvl6pPr>
+            <a:lvl7pPr marL="3031412" indent="-233186" algn="l" defTabSz="932742" rtl="0" eaLnBrk="1" latinLnBrk="0" hangingPunct="1">
+              <a:spcBef>
+                <a:spcPct val="20000"/>
+              </a:spcBef>
+              <a:buFont typeface="Arial" pitchFamily="34" charset="0"/>
+              <a:buChar char="•"/>
+              <a:defRPr sz="2000" kern="1200">
+                <a:solidFill>
+                  <a:schemeClr val="tx1"/>
+                </a:solidFill>
+                <a:latin typeface="+mn-lt"/>
+                <a:ea typeface="+mn-ea"/>
+                <a:cs typeface="+mn-cs"/>
+              </a:defRPr>
+            </a:lvl7pPr>
+            <a:lvl8pPr marL="3497783" indent="-233186" algn="l" defTabSz="932742" rtl="0" eaLnBrk="1" latinLnBrk="0" hangingPunct="1">
+              <a:spcBef>
+                <a:spcPct val="20000"/>
+              </a:spcBef>
+              <a:buFont typeface="Arial" pitchFamily="34" charset="0"/>
+              <a:buChar char="•"/>
+              <a:defRPr sz="2000" kern="1200">
+                <a:solidFill>
+                  <a:schemeClr val="tx1"/>
+                </a:solidFill>
+                <a:latin typeface="+mn-lt"/>
+                <a:ea typeface="+mn-ea"/>
+                <a:cs typeface="+mn-cs"/>
+              </a:defRPr>
+            </a:lvl8pPr>
+            <a:lvl9pPr marL="3964155" indent="-233186" algn="l" defTabSz="932742" rtl="0" eaLnBrk="1" latinLnBrk="0" hangingPunct="1">
+              <a:spcBef>
+                <a:spcPct val="20000"/>
+              </a:spcBef>
+              <a:buFont typeface="Arial" pitchFamily="34" charset="0"/>
+              <a:buChar char="•"/>
+              <a:defRPr sz="2000" kern="1200">
+                <a:solidFill>
+                  <a:schemeClr val="tx1"/>
+                </a:solidFill>
+                <a:latin typeface="+mn-lt"/>
+                <a:ea typeface="+mn-ea"/>
+                <a:cs typeface="+mn-cs"/>
+              </a:defRPr>
+            </a:lvl9pPr>
+          </a:lstStyle>
+          <a:p>
+            <a:pPr marL="0" indent="0">
+              <a:buNone/>
+            </a:pPr>
+            <a:r>
+              <a:rPr lang="en-US" sz="1800" dirty="0">
+                <a:latin typeface="Cascadia Code" panose="020B0509020204030204" pitchFamily="49" charset="0"/>
+              </a:rPr>
+              <a:t>and(succeeded(), </a:t>
+            </a:r>
+            <a:r>
+              <a:rPr lang="en-US" sz="1800" dirty="0">
+                <a:highlight>
+                  <a:srgbClr val="FFFF00"/>
+                </a:highlight>
+                <a:latin typeface="Cascadia Code" panose="020B0509020204030204" pitchFamily="49" charset="0"/>
+              </a:rPr>
+              <a:t>eq</a:t>
+            </a:r>
+            <a:r>
+              <a:rPr lang="en-US" sz="1800" dirty="0">
+                <a:latin typeface="Cascadia Code" panose="020B0509020204030204" pitchFamily="49" charset="0"/>
+              </a:rPr>
+              <a:t>(variables[</a:t>
+            </a:r>
+            <a:r>
+              <a:rPr lang="en-US" sz="1800" dirty="0">
+                <a:highlight>
+                  <a:srgbClr val="FFFF00"/>
+                </a:highlight>
+                <a:latin typeface="Cascadia Code" panose="020B0509020204030204" pitchFamily="49" charset="0"/>
+              </a:rPr>
+              <a:t>'</a:t>
+            </a:r>
+            <a:r>
+              <a:rPr lang="en-US" sz="1800" dirty="0" err="1">
+                <a:highlight>
+                  <a:srgbClr val="FFFF00"/>
+                </a:highlight>
+                <a:latin typeface="Cascadia Code" panose="020B0509020204030204" pitchFamily="49" charset="0"/>
+              </a:rPr>
+              <a:t>Build.SourceBranch</a:t>
+            </a:r>
+            <a:r>
+              <a:rPr lang="en-US" sz="1800" dirty="0">
+                <a:latin typeface="Cascadia Code" panose="020B0509020204030204" pitchFamily="49" charset="0"/>
+              </a:rPr>
+              <a:t>'], '</a:t>
+            </a:r>
+            <a:r>
+              <a:rPr lang="en-US" sz="1800" dirty="0">
+                <a:highlight>
+                  <a:srgbClr val="FFFF00"/>
+                </a:highlight>
+                <a:latin typeface="Cascadia Code" panose="020B0509020204030204" pitchFamily="49" charset="0"/>
+              </a:rPr>
+              <a:t>refs/heads/master</a:t>
+            </a:r>
+            <a:r>
+              <a:rPr lang="en-US" sz="1800" dirty="0">
+                <a:latin typeface="Cascadia Code" panose="020B0509020204030204" pitchFamily="49" charset="0"/>
+              </a:rPr>
+              <a:t>'))</a:t>
+            </a:r>
+          </a:p>
+        </p:txBody>
+      </p:sp>
+    </p:spTree>
+    <p:extLst>
+      <p:ext uri="{BB962C8B-B14F-4D97-AF65-F5344CB8AC3E}">
+        <p14:creationId xmlns:p14="http://schemas.microsoft.com/office/powerpoint/2010/main" val="2768197327"/>
+      </p:ext>
+    </p:extLst>
+  </p:cSld>
+  <p:clrMapOvr>
+    <a:masterClrMapping/>
+  </p:clrMapOvr>
+  <mc:AlternateContent xmlns:mc="http://schemas.openxmlformats.org/markup-compatibility/2006">
+    <mc:Choice xmlns:p159="http://schemas.microsoft.com/office/powerpoint/2015/09/main" Requires="p159">
+      <p:transition xmlns:p14="http://schemas.microsoft.com/office/powerpoint/2010/main" spd="slow" p14:dur="2000">
+        <p159:morph option="byWord"/>
+      </p:transition>
+    </mc:Choice>
+    <mc:Fallback>
+      <p:transition spd="slow">
+        <p:fade/>
+      </p:transition>
+    </mc:Fallback>
+  </mc:AlternateContent>
+</p:sld>
+</file>
+
+<file path=ppt/slides/slide31.xml><?xml version="1.0" encoding="utf-8"?>
+<p:sld xmlns:a="http://schemas.openxmlformats.org/drawingml/2006/main" xmlns:r="http://schemas.openxmlformats.org/officeDocument/2006/relationships" xmlns:p="http://schemas.openxmlformats.org/presentationml/2006/main">
+  <p:cSld>
+    <p:spTree>
+      <p:nvGrpSpPr>
+        <p:cNvPr id="1" name=""/>
+        <p:cNvGrpSpPr/>
+        <p:nvPr/>
+      </p:nvGrpSpPr>
+      <p:grpSpPr>
+        <a:xfrm>
+          <a:off x="0" y="0"/>
+          <a:ext cx="0" cy="0"/>
+          <a:chOff x="0" y="0"/>
+          <a:chExt cx="0" cy="0"/>
+        </a:xfrm>
+      </p:grpSpPr>
+      <p:sp>
+        <p:nvSpPr>
+          <p:cNvPr id="3" name="Title 2"/>
+          <p:cNvSpPr>
+            <a:spLocks noGrp="1"/>
+          </p:cNvSpPr>
+          <p:nvPr>
+            <p:ph type="title"/>
+          </p:nvPr>
+        </p:nvSpPr>
+        <p:spPr/>
+        <p:txBody>
+          <a:bodyPr/>
+          <a:lstStyle/>
+          <a:p>
+            <a:r>
+              <a:rPr lang="en-US" dirty="0"/>
+              <a:t>Demo</a:t>
+            </a:r>
+          </a:p>
+        </p:txBody>
+      </p:sp>
+      <p:sp>
+        <p:nvSpPr>
+          <p:cNvPr id="4" name="Text Placeholder 3"/>
+          <p:cNvSpPr>
+            <a:spLocks noGrp="1"/>
+          </p:cNvSpPr>
+          <p:nvPr>
+            <p:ph type="body" sz="quarter" idx="12"/>
+          </p:nvPr>
+        </p:nvSpPr>
+        <p:spPr/>
+        <p:txBody>
+          <a:bodyPr/>
+          <a:lstStyle/>
+          <a:p>
+            <a:r>
+              <a:rPr lang="en-US" dirty="0"/>
+              <a:t>Adding conditions to build steps</a:t>
+            </a:r>
+          </a:p>
+        </p:txBody>
+      </p:sp>
+    </p:spTree>
+    <p:extLst>
+      <p:ext uri="{BB962C8B-B14F-4D97-AF65-F5344CB8AC3E}">
+        <p14:creationId xmlns:p14="http://schemas.microsoft.com/office/powerpoint/2010/main" val="917467810"/>
+      </p:ext>
+    </p:extLst>
+  </p:cSld>
+  <p:clrMapOvr>
+    <a:masterClrMapping/>
+  </p:clrMapOvr>
+  <p:transition>
+    <p:fade/>
+  </p:transition>
+</p:sld>
+</file>
+
+<file path=ppt/slides/slide32.xml><?xml version="1.0" encoding="utf-8"?>
+<p:sld xmlns:a="http://schemas.openxmlformats.org/drawingml/2006/main" xmlns:r="http://schemas.openxmlformats.org/officeDocument/2006/relationships" xmlns:p="http://schemas.openxmlformats.org/presentationml/2006/main">
+  <p:cSld>
+    <p:spTree>
+      <p:nvGrpSpPr>
+        <p:cNvPr id="1" name=""/>
+        <p:cNvGrpSpPr/>
+        <p:nvPr/>
+      </p:nvGrpSpPr>
+      <p:grpSpPr>
+        <a:xfrm>
+          <a:off x="0" y="0"/>
+          <a:ext cx="0" cy="0"/>
+          <a:chOff x="0" y="0"/>
+          <a:chExt cx="0" cy="0"/>
+        </a:xfrm>
+      </p:grpSpPr>
+      <p:sp>
+        <p:nvSpPr>
+          <p:cNvPr id="13" name="Title 12">
+            <a:extLst>
+              <a:ext uri="{FF2B5EF4-FFF2-40B4-BE49-F238E27FC236}">
+                <a16:creationId xmlns:a16="http://schemas.microsoft.com/office/drawing/2014/main" id="{A7899278-BD67-4AAC-9874-65FAF4AED117}"/>
+              </a:ext>
+            </a:extLst>
+          </p:cNvPr>
+          <p:cNvSpPr>
+            <a:spLocks noGrp="1"/>
+          </p:cNvSpPr>
+          <p:nvPr>
+            <p:ph type="title"/>
+          </p:nvPr>
+        </p:nvSpPr>
+        <p:spPr/>
+        <p:txBody>
+          <a:bodyPr/>
+          <a:lstStyle/>
+          <a:p>
+            <a:r>
+              <a:rPr lang="en-US" dirty="0"/>
+              <a:t>Wrapping up</a:t>
+            </a:r>
+          </a:p>
+        </p:txBody>
+      </p:sp>
+      <p:sp>
+        <p:nvSpPr>
+          <p:cNvPr id="3" name="Text Placeholder 2">
+            <a:extLst>
+              <a:ext uri="{FF2B5EF4-FFF2-40B4-BE49-F238E27FC236}">
+                <a16:creationId xmlns:a16="http://schemas.microsoft.com/office/drawing/2014/main" id="{893FD9EB-CC03-4BE2-B491-6F62931E986E}"/>
+              </a:ext>
+            </a:extLst>
+          </p:cNvPr>
+          <p:cNvSpPr>
+            <a:spLocks noGrp="1"/>
+          </p:cNvSpPr>
+          <p:nvPr>
+            <p:ph type="body" idx="7"/>
+          </p:nvPr>
+        </p:nvSpPr>
+        <p:spPr/>
+        <p:txBody>
+          <a:bodyPr/>
+          <a:lstStyle/>
+          <a:p>
+            <a:endParaRPr lang="en-US"/>
+          </a:p>
+        </p:txBody>
+      </p:sp>
+    </p:spTree>
+    <p:extLst>
+      <p:ext uri="{BB962C8B-B14F-4D97-AF65-F5344CB8AC3E}">
+        <p14:creationId xmlns:p14="http://schemas.microsoft.com/office/powerpoint/2010/main" val="2095735222"/>
+      </p:ext>
+    </p:extLst>
+  </p:cSld>
+  <p:clrMapOvr>
+    <a:masterClrMapping/>
+  </p:clrMapOvr>
+  <p:transition>
+    <p:fade/>
+  </p:transition>
+</p:sld>
+</file>
+
+<file path=ppt/slides/slide33.xml><?xml version="1.0" encoding="utf-8"?>
+<p:sld xmlns:a="http://schemas.openxmlformats.org/drawingml/2006/main" xmlns:r="http://schemas.openxmlformats.org/officeDocument/2006/relationships" xmlns:p="http://schemas.openxmlformats.org/presentationml/2006/main">
+  <p:cSld>
+    <p:spTree>
+      <p:nvGrpSpPr>
+        <p:cNvPr id="1" name=""/>
+        <p:cNvGrpSpPr/>
+        <p:nvPr/>
+      </p:nvGrpSpPr>
+      <p:grpSpPr>
+        <a:xfrm>
+          <a:off x="0" y="0"/>
+          <a:ext cx="0" cy="0"/>
+          <a:chOff x="0" y="0"/>
+          <a:chExt cx="0" cy="0"/>
+        </a:xfrm>
+      </p:grpSpPr>
+      <p:sp>
+        <p:nvSpPr>
+          <p:cNvPr id="2" name="Picture Placeholder 1">
+            <a:extLst>
+              <a:ext uri="{FF2B5EF4-FFF2-40B4-BE49-F238E27FC236}">
+                <a16:creationId xmlns:a16="http://schemas.microsoft.com/office/drawing/2014/main" id="{37BE041B-1AAF-4032-B847-9142232770BD}"/>
+              </a:ext>
+            </a:extLst>
+          </p:cNvPr>
+          <p:cNvSpPr>
+            <a:spLocks noGrp="1"/>
+          </p:cNvSpPr>
+          <p:nvPr>
+            <p:ph type="pic" sz="quarter" idx="10"/>
+          </p:nvPr>
+        </p:nvSpPr>
+        <p:spPr/>
+      </p:sp>
+      <p:sp>
+        <p:nvSpPr>
+          <p:cNvPr id="4" name="Title 3">
+            <a:extLst>
+              <a:ext uri="{FF2B5EF4-FFF2-40B4-BE49-F238E27FC236}">
+                <a16:creationId xmlns:a16="http://schemas.microsoft.com/office/drawing/2014/main" id="{47F79CBC-FA83-4AAA-9737-C2DA81B891EC}"/>
+              </a:ext>
+            </a:extLst>
+          </p:cNvPr>
+          <p:cNvSpPr>
+            <a:spLocks noGrp="1"/>
+          </p:cNvSpPr>
+          <p:nvPr>
+            <p:ph type="title"/>
+          </p:nvPr>
+        </p:nvSpPr>
+        <p:spPr/>
+        <p:txBody>
+          <a:bodyPr/>
+          <a:lstStyle/>
+          <a:p>
+            <a:r>
+              <a:rPr lang="en-US" dirty="0"/>
+              <a:t>Lots of links!</a:t>
+            </a:r>
+          </a:p>
+        </p:txBody>
+      </p:sp>
+      <p:sp>
+        <p:nvSpPr>
+          <p:cNvPr id="5" name="Text Placeholder 4">
+            <a:extLst>
+              <a:ext uri="{FF2B5EF4-FFF2-40B4-BE49-F238E27FC236}">
+                <a16:creationId xmlns:a16="http://schemas.microsoft.com/office/drawing/2014/main" id="{6D8580DA-E0A4-4A5A-8591-C8E8B25753C6}"/>
+              </a:ext>
+            </a:extLst>
+          </p:cNvPr>
+          <p:cNvSpPr>
+            <a:spLocks noGrp="1"/>
+          </p:cNvSpPr>
+          <p:nvPr>
+            <p:ph type="body" sz="quarter" idx="14"/>
+          </p:nvPr>
+        </p:nvSpPr>
+        <p:spPr>
+          <a:xfrm>
+            <a:off x="455995" y="1922587"/>
+            <a:ext cx="4822951" cy="4103367"/>
+          </a:xfrm>
+        </p:spPr>
+        <p:txBody>
+          <a:bodyPr/>
+          <a:lstStyle/>
+          <a:p>
+            <a:pPr>
+              <a:lnSpc>
+                <a:spcPct val="150000"/>
+              </a:lnSpc>
+            </a:pPr>
+            <a:r>
+              <a:rPr lang="en-US" sz="1800" dirty="0">
+                <a:hlinkClick r:id="rId2"/>
+              </a:rPr>
+              <a:t>https://docs.microsoft.com/azure/devops/pipelines/yaml-schema</a:t>
+            </a:r>
+            <a:endParaRPr lang="en-US" sz="1800" dirty="0"/>
+          </a:p>
+          <a:p>
+            <a:pPr>
+              <a:lnSpc>
+                <a:spcPct val="150000"/>
+              </a:lnSpc>
+            </a:pPr>
+            <a:endParaRPr lang="en-US" sz="1800" dirty="0"/>
+          </a:p>
+          <a:p>
+            <a:pPr>
+              <a:lnSpc>
+                <a:spcPct val="150000"/>
+              </a:lnSpc>
+            </a:pPr>
+            <a:r>
+              <a:rPr lang="en-US" sz="1800" dirty="0">
+                <a:hlinkClick r:id="rId3"/>
+              </a:rPr>
+              <a:t>https://github.com/seesharprun/webinar</a:t>
+            </a:r>
+            <a:endParaRPr lang="en-US" sz="1800" dirty="0"/>
+          </a:p>
+          <a:p>
+            <a:pPr>
+              <a:lnSpc>
+                <a:spcPct val="150000"/>
+              </a:lnSpc>
+            </a:pPr>
+            <a:endParaRPr lang="en-US" sz="1800" dirty="0"/>
+          </a:p>
+          <a:p>
+            <a:pPr>
+              <a:lnSpc>
+                <a:spcPct val="150000"/>
+              </a:lnSpc>
+            </a:pPr>
+            <a:r>
+              <a:rPr lang="en-US" sz="1800" dirty="0">
+                <a:hlinkClick r:id="rId4"/>
+              </a:rPr>
+              <a:t>https://docs.microsoft.com/en-us/dotnet/core/rid-catalog</a:t>
+            </a:r>
+            <a:endParaRPr lang="en-US" sz="1800" dirty="0"/>
+          </a:p>
+          <a:p>
+            <a:pPr>
+              <a:lnSpc>
+                <a:spcPct val="150000"/>
+              </a:lnSpc>
+            </a:pPr>
+            <a:endParaRPr lang="en-US" sz="1800" dirty="0"/>
+          </a:p>
+          <a:p>
+            <a:pPr>
+              <a:lnSpc>
+                <a:spcPct val="150000"/>
+              </a:lnSpc>
+            </a:pPr>
+            <a:r>
+              <a:rPr lang="en-US" sz="1800" dirty="0">
+                <a:hlinkClick r:id="rId5"/>
+              </a:rPr>
+              <a:t>https://docs.microsoft.com/azure/devops/pipelines/process/conditions</a:t>
+            </a:r>
+            <a:endParaRPr lang="en-US" sz="1800" dirty="0"/>
+          </a:p>
+        </p:txBody>
+      </p:sp>
+    </p:spTree>
+    <p:extLst>
+      <p:ext uri="{BB962C8B-B14F-4D97-AF65-F5344CB8AC3E}">
+        <p14:creationId xmlns:p14="http://schemas.microsoft.com/office/powerpoint/2010/main" val="946385705"/>
+      </p:ext>
+    </p:extLst>
+  </p:cSld>
+  <p:clrMapOvr>
+    <a:masterClrMapping/>
+  </p:clrMapOvr>
+  <p:transition>
+    <p:fade/>
+  </p:transition>
+</p:sld>
+</file>
+
+<file path=ppt/slides/slide34.xml><?xml version="1.0" encoding="utf-8"?>
+<p:sld xmlns:a="http://schemas.openxmlformats.org/drawingml/2006/main" xmlns:r="http://schemas.openxmlformats.org/officeDocument/2006/relationships" xmlns:p="http://schemas.openxmlformats.org/presentationml/2006/main">
+  <p:cSld>
+    <p:spTree>
+      <p:nvGrpSpPr>
+        <p:cNvPr id="1" name=""/>
+        <p:cNvGrpSpPr/>
+        <p:nvPr/>
+      </p:nvGrpSpPr>
+      <p:grpSpPr>
+        <a:xfrm>
+          <a:off x="0" y="0"/>
+          <a:ext cx="0" cy="0"/>
+          <a:chOff x="0" y="0"/>
+          <a:chExt cx="0" cy="0"/>
+        </a:xfrm>
+      </p:grpSpPr>
+      <p:sp>
+        <p:nvSpPr>
+          <p:cNvPr id="2" name="Title 1">
+            <a:extLst>
+              <a:ext uri="{FF2B5EF4-FFF2-40B4-BE49-F238E27FC236}">
+                <a16:creationId xmlns:a16="http://schemas.microsoft.com/office/drawing/2014/main" id="{E79F0319-13E5-4C96-8247-8ECF14BC9F52}"/>
+              </a:ext>
+            </a:extLst>
+          </p:cNvPr>
+          <p:cNvSpPr>
+            <a:spLocks noGrp="1"/>
+          </p:cNvSpPr>
+          <p:nvPr>
+            <p:ph type="title"/>
+          </p:nvPr>
+        </p:nvSpPr>
+        <p:spPr/>
+        <p:txBody>
+          <a:bodyPr/>
+          <a:lstStyle/>
+          <a:p>
+            <a:r>
+              <a:rPr lang="en-US" dirty="0"/>
+              <a:t>Today's agenda</a:t>
+            </a:r>
+          </a:p>
+        </p:txBody>
+      </p:sp>
+      <p:sp>
+        <p:nvSpPr>
+          <p:cNvPr id="21" name="Text Placeholder 20">
+            <a:extLst>
+              <a:ext uri="{FF2B5EF4-FFF2-40B4-BE49-F238E27FC236}">
+                <a16:creationId xmlns:a16="http://schemas.microsoft.com/office/drawing/2014/main" id="{03720527-00BA-4887-A7CA-8452D7D006E3}"/>
+              </a:ext>
+            </a:extLst>
+          </p:cNvPr>
+          <p:cNvSpPr>
+            <a:spLocks noGrp="1"/>
+          </p:cNvSpPr>
+          <p:nvPr>
+            <p:ph type="body" sz="quarter" idx="10"/>
+          </p:nvPr>
+        </p:nvSpPr>
+        <p:spPr>
+          <a:xfrm>
+            <a:off x="584200" y="1435497"/>
+            <a:ext cx="11018520" cy="3692870"/>
+          </a:xfrm>
+        </p:spPr>
+        <p:txBody>
+          <a:bodyPr/>
+          <a:lstStyle/>
+          <a:p>
+            <a:pPr>
+              <a:lnSpc>
+                <a:spcPct val="200000"/>
+              </a:lnSpc>
+            </a:pPr>
+            <a:r>
+              <a:rPr lang="en-US" dirty="0"/>
+              <a:t>	Testing and Publishing .NET</a:t>
+            </a:r>
+          </a:p>
+          <a:p>
+            <a:pPr>
+              <a:lnSpc>
+                <a:spcPct val="200000"/>
+              </a:lnSpc>
+            </a:pPr>
+            <a:r>
+              <a:rPr lang="en-US" dirty="0"/>
+              <a:t>	Creating a Build Pipeline from GitHub</a:t>
+            </a:r>
+          </a:p>
+          <a:p>
+            <a:pPr>
+              <a:lnSpc>
+                <a:spcPct val="200000"/>
+              </a:lnSpc>
+            </a:pPr>
+            <a:r>
+              <a:rPr lang="en-US" dirty="0"/>
+              <a:t>	Triggers &amp; Filters</a:t>
+            </a:r>
+          </a:p>
+          <a:p>
+            <a:pPr>
+              <a:lnSpc>
+                <a:spcPct val="200000"/>
+              </a:lnSpc>
+            </a:pPr>
+            <a:r>
+              <a:rPr lang="en-US" dirty="0"/>
+              <a:t>	Artifacts</a:t>
+            </a:r>
+          </a:p>
+          <a:p>
+            <a:pPr>
+              <a:lnSpc>
+                <a:spcPct val="200000"/>
+              </a:lnSpc>
+            </a:pPr>
+            <a:r>
+              <a:rPr lang="en-US" dirty="0"/>
+              <a:t>	Conditions &amp; Expressions</a:t>
+            </a:r>
+          </a:p>
+        </p:txBody>
+      </p:sp>
+    </p:spTree>
+    <p:extLst>
+      <p:ext uri="{BB962C8B-B14F-4D97-AF65-F5344CB8AC3E}">
+        <p14:creationId xmlns:p14="http://schemas.microsoft.com/office/powerpoint/2010/main" val="3418640250"/>
+      </p:ext>
+    </p:extLst>
+  </p:cSld>
+  <p:clrMapOvr>
+    <a:masterClrMapping/>
+  </p:clrMapOvr>
+  <p:transition>
+    <p:fade/>
+  </p:transition>
+</p:sld>
+</file>
+
+<file path=ppt/slides/slide35.xml><?xml version="1.0" encoding="utf-8"?>
+<p:sld xmlns:a="http://schemas.openxmlformats.org/drawingml/2006/main" xmlns:r="http://schemas.openxmlformats.org/officeDocument/2006/relationships" xmlns:p="http://schemas.openxmlformats.org/presentationml/2006/main">
+  <p:cSld>
+    <p:spTree>
+      <p:nvGrpSpPr>
+        <p:cNvPr id="1" name=""/>
+        <p:cNvGrpSpPr/>
+        <p:nvPr/>
+      </p:nvGrpSpPr>
+      <p:grpSpPr>
+        <a:xfrm>
+          <a:off x="0" y="0"/>
+          <a:ext cx="0" cy="0"/>
+          <a:chOff x="0" y="0"/>
+          <a:chExt cx="0" cy="0"/>
+        </a:xfrm>
+      </p:grpSpPr>
+      <p:sp>
+        <p:nvSpPr>
+          <p:cNvPr id="2" name="Title 1">
+            <a:extLst>
+              <a:ext uri="{FF2B5EF4-FFF2-40B4-BE49-F238E27FC236}">
+                <a16:creationId xmlns:a16="http://schemas.microsoft.com/office/drawing/2014/main" id="{E79F0319-13E5-4C96-8247-8ECF14BC9F52}"/>
+              </a:ext>
+            </a:extLst>
+          </p:cNvPr>
+          <p:cNvSpPr>
+            <a:spLocks noGrp="1"/>
+          </p:cNvSpPr>
+          <p:nvPr>
+            <p:ph type="title"/>
+          </p:nvPr>
+        </p:nvSpPr>
+        <p:spPr/>
+        <p:txBody>
+          <a:bodyPr/>
+          <a:lstStyle/>
+          <a:p>
+            <a:r>
+              <a:rPr lang="fr-BE" dirty="0"/>
+              <a:t>Questions and support</a:t>
+            </a:r>
+            <a:endParaRPr lang="en-US" dirty="0"/>
+          </a:p>
+        </p:txBody>
+      </p:sp>
+      <p:sp>
+        <p:nvSpPr>
+          <p:cNvPr id="21" name="Text Placeholder 20">
+            <a:extLst>
+              <a:ext uri="{FF2B5EF4-FFF2-40B4-BE49-F238E27FC236}">
+                <a16:creationId xmlns:a16="http://schemas.microsoft.com/office/drawing/2014/main" id="{03720527-00BA-4887-A7CA-8452D7D006E3}"/>
+              </a:ext>
+            </a:extLst>
+          </p:cNvPr>
+          <p:cNvSpPr>
+            <a:spLocks noGrp="1"/>
+          </p:cNvSpPr>
+          <p:nvPr>
+            <p:ph type="body" sz="quarter" idx="10"/>
+          </p:nvPr>
+        </p:nvSpPr>
+        <p:spPr>
+          <a:xfrm>
+            <a:off x="584200" y="1435497"/>
+            <a:ext cx="11018520" cy="2031325"/>
+          </a:xfrm>
+        </p:spPr>
+        <p:txBody>
+          <a:bodyPr/>
+          <a:lstStyle/>
+          <a:p>
+            <a:r>
+              <a:rPr lang="en-US" sz="2400" dirty="0"/>
+              <a:t>For questions or help with this series</a:t>
+            </a:r>
+          </a:p>
+          <a:p>
+            <a:r>
+              <a:rPr lang="en-US" sz="2400" dirty="0">
+                <a:hlinkClick r:id="rId2"/>
+              </a:rPr>
+              <a:t>MSUSDev@Microsoft.com</a:t>
+            </a:r>
+            <a:endParaRPr lang="en-US" sz="2400" dirty="0"/>
+          </a:p>
+          <a:p>
+            <a:endParaRPr lang="en-US" sz="2400" dirty="0"/>
+          </a:p>
+          <a:p>
+            <a:r>
+              <a:rPr lang="en-US" sz="2400" dirty="0"/>
+              <a:t>For the presentations and sample code</a:t>
+            </a:r>
+          </a:p>
+          <a:p>
+            <a:r>
+              <a:rPr lang="en-US" sz="2400" dirty="0">
+                <a:hlinkClick r:id="rId3"/>
+              </a:rPr>
+              <a:t>https://github.com/MSUSDEV/Azure-pipelines-with-GitHub</a:t>
+            </a:r>
+            <a:endParaRPr lang="en-US" sz="2400" dirty="0"/>
+          </a:p>
+        </p:txBody>
+      </p:sp>
+    </p:spTree>
+    <p:extLst>
+      <p:ext uri="{BB962C8B-B14F-4D97-AF65-F5344CB8AC3E}">
+        <p14:creationId xmlns:p14="http://schemas.microsoft.com/office/powerpoint/2010/main" val="706823756"/>
       </p:ext>
     </p:extLst>
   </p:cSld>
